--- a/PHP自作発表.pptx
+++ b/PHP自作発表.pptx
@@ -255,7 +255,7 @@
 <file path=ppt/revisionInfo.xml><?xml version="1.0" encoding="utf-8"?>
 <p1510:revInfo xmlns:a="http://schemas.openxmlformats.org/drawingml/2006/main" xmlns:r="http://schemas.openxmlformats.org/officeDocument/2006/relationships" xmlns:p1510="http://schemas.microsoft.com/office/powerpoint/2015/10/main">
   <p1510:revLst>
-    <p1510:client id="{542726EB-A4D5-487C-B832-B885B6EFE651}" v="39" dt="2022-07-22T04:40:34.109"/>
+    <p1510:client id="{542726EB-A4D5-487C-B832-B885B6EFE651}" v="276" dt="2022-07-25T09:30:32.201"/>
   </p1510:revLst>
 </p1510:revInfo>
 </file>
@@ -265,7 +265,7 @@
   <pc:docChgLst>
     <pc:chgData name="池田 智久" userId="dadd2dd75dd01d3e" providerId="LiveId" clId="{542726EB-A4D5-487C-B832-B885B6EFE651}"/>
     <pc:docChg chg="undo custSel addSld delSld modSld modMainMaster">
-      <pc:chgData name="池田 智久" userId="dadd2dd75dd01d3e" providerId="LiveId" clId="{542726EB-A4D5-487C-B832-B885B6EFE651}" dt="2022-07-22T04:40:34.109" v="1618"/>
+      <pc:chgData name="池田 智久" userId="dadd2dd75dd01d3e" providerId="LiveId" clId="{542726EB-A4D5-487C-B832-B885B6EFE651}" dt="2022-07-25T09:32:29.070" v="1989" actId="1076"/>
       <pc:docMkLst>
         <pc:docMk/>
       </pc:docMkLst>
@@ -332,7 +332,7 @@
         </pc:spChg>
       </pc:sldChg>
       <pc:sldChg chg="delSp modSp new mod modAnim">
-        <pc:chgData name="池田 智久" userId="dadd2dd75dd01d3e" providerId="LiveId" clId="{542726EB-A4D5-487C-B832-B885B6EFE651}" dt="2022-07-22T04:39:29.841" v="1610"/>
+        <pc:chgData name="池田 智久" userId="dadd2dd75dd01d3e" providerId="LiveId" clId="{542726EB-A4D5-487C-B832-B885B6EFE651}" dt="2022-07-25T09:30:18.768" v="1971" actId="1076"/>
         <pc:sldMkLst>
           <pc:docMk/>
           <pc:sldMk cId="2102789029" sldId="258"/>
@@ -346,7 +346,7 @@
           </ac:spMkLst>
         </pc:spChg>
         <pc:spChg chg="mod">
-          <ac:chgData name="池田 智久" userId="dadd2dd75dd01d3e" providerId="LiveId" clId="{542726EB-A4D5-487C-B832-B885B6EFE651}" dt="2022-07-22T04:34:04.014" v="1604" actId="1076"/>
+          <ac:chgData name="池田 智久" userId="dadd2dd75dd01d3e" providerId="LiveId" clId="{542726EB-A4D5-487C-B832-B885B6EFE651}" dt="2022-07-25T09:30:18.768" v="1971" actId="1076"/>
           <ac:spMkLst>
             <pc:docMk/>
             <pc:sldMk cId="2102789029" sldId="258"/>
@@ -393,7 +393,7 @@
         </pc:spChg>
       </pc:sldChg>
       <pc:sldChg chg="modSp new mod">
-        <pc:chgData name="池田 智久" userId="dadd2dd75dd01d3e" providerId="LiveId" clId="{542726EB-A4D5-487C-B832-B885B6EFE651}" dt="2022-07-22T04:33:48.854" v="1601" actId="1076"/>
+        <pc:chgData name="池田 智久" userId="dadd2dd75dd01d3e" providerId="LiveId" clId="{542726EB-A4D5-487C-B832-B885B6EFE651}" dt="2022-07-25T09:31:17.665" v="1973" actId="255"/>
         <pc:sldMkLst>
           <pc:docMk/>
           <pc:sldMk cId="4062063446" sldId="259"/>
@@ -407,7 +407,7 @@
           </ac:spMkLst>
         </pc:spChg>
         <pc:spChg chg="mod">
-          <ac:chgData name="池田 智久" userId="dadd2dd75dd01d3e" providerId="LiveId" clId="{542726EB-A4D5-487C-B832-B885B6EFE651}" dt="2022-07-22T04:33:48.854" v="1601" actId="1076"/>
+          <ac:chgData name="池田 智久" userId="dadd2dd75dd01d3e" providerId="LiveId" clId="{542726EB-A4D5-487C-B832-B885B6EFE651}" dt="2022-07-25T09:31:12.809" v="1972" actId="255"/>
           <ac:spMkLst>
             <pc:docMk/>
             <pc:sldMk cId="4062063446" sldId="259"/>
@@ -415,7 +415,7 @@
           </ac:spMkLst>
         </pc:spChg>
         <pc:spChg chg="mod">
-          <ac:chgData name="池田 智久" userId="dadd2dd75dd01d3e" providerId="LiveId" clId="{542726EB-A4D5-487C-B832-B885B6EFE651}" dt="2022-07-22T02:53:00.648" v="485" actId="14100"/>
+          <ac:chgData name="池田 智久" userId="dadd2dd75dd01d3e" providerId="LiveId" clId="{542726EB-A4D5-487C-B832-B885B6EFE651}" dt="2022-07-25T09:31:17.665" v="1973" actId="255"/>
           <ac:spMkLst>
             <pc:docMk/>
             <pc:sldMk cId="4062063446" sldId="259"/>
@@ -424,13 +424,13 @@
         </pc:spChg>
       </pc:sldChg>
       <pc:sldChg chg="addSp modSp new mod">
-        <pc:chgData name="池田 智久" userId="dadd2dd75dd01d3e" providerId="LiveId" clId="{542726EB-A4D5-487C-B832-B885B6EFE651}" dt="2022-07-22T02:55:57.644" v="524" actId="207"/>
+        <pc:chgData name="池田 智久" userId="dadd2dd75dd01d3e" providerId="LiveId" clId="{542726EB-A4D5-487C-B832-B885B6EFE651}" dt="2022-07-25T09:32:29.070" v="1989" actId="1076"/>
         <pc:sldMkLst>
           <pc:docMk/>
           <pc:sldMk cId="2908710916" sldId="260"/>
         </pc:sldMkLst>
         <pc:spChg chg="add mod">
-          <ac:chgData name="池田 智久" userId="dadd2dd75dd01d3e" providerId="LiveId" clId="{542726EB-A4D5-487C-B832-B885B6EFE651}" dt="2022-07-22T02:55:57.644" v="524" actId="207"/>
+          <ac:chgData name="池田 智久" userId="dadd2dd75dd01d3e" providerId="LiveId" clId="{542726EB-A4D5-487C-B832-B885B6EFE651}" dt="2022-07-25T09:32:29.070" v="1989" actId="1076"/>
           <ac:spMkLst>
             <pc:docMk/>
             <pc:sldMk cId="2908710916" sldId="260"/>
@@ -439,7 +439,7 @@
         </pc:spChg>
       </pc:sldChg>
       <pc:sldChg chg="addSp delSp modSp new mod">
-        <pc:chgData name="池田 智久" userId="dadd2dd75dd01d3e" providerId="LiveId" clId="{542726EB-A4D5-487C-B832-B885B6EFE651}" dt="2022-07-22T03:28:33.464" v="1010" actId="20577"/>
+        <pc:chgData name="池田 智久" userId="dadd2dd75dd01d3e" providerId="LiveId" clId="{542726EB-A4D5-487C-B832-B885B6EFE651}" dt="2022-07-25T09:28:39.574" v="1903" actId="1076"/>
         <pc:sldMkLst>
           <pc:docMk/>
           <pc:sldMk cId="1245728678" sldId="261"/>
@@ -453,7 +453,7 @@
           </ac:spMkLst>
         </pc:spChg>
         <pc:spChg chg="mod">
-          <ac:chgData name="池田 智久" userId="dadd2dd75dd01d3e" providerId="LiveId" clId="{542726EB-A4D5-487C-B832-B885B6EFE651}" dt="2022-07-22T03:23:24.325" v="929" actId="1076"/>
+          <ac:chgData name="池田 智久" userId="dadd2dd75dd01d3e" providerId="LiveId" clId="{542726EB-A4D5-487C-B832-B885B6EFE651}" dt="2022-07-25T09:28:39.574" v="1903" actId="1076"/>
           <ac:spMkLst>
             <pc:docMk/>
             <pc:sldMk cId="1245728678" sldId="261"/>
@@ -468,8 +468,8 @@
             <ac:spMk id="4" creationId="{DF4C7786-0870-CAC1-1871-F63131AFEB4A}"/>
           </ac:spMkLst>
         </pc:spChg>
-        <pc:spChg chg="add mod">
-          <ac:chgData name="池田 智久" userId="dadd2dd75dd01d3e" providerId="LiveId" clId="{542726EB-A4D5-487C-B832-B885B6EFE651}" dt="2022-07-22T03:28:33.464" v="1010" actId="20577"/>
+        <pc:spChg chg="add del mod">
+          <ac:chgData name="池田 智久" userId="dadd2dd75dd01d3e" providerId="LiveId" clId="{542726EB-A4D5-487C-B832-B885B6EFE651}" dt="2022-07-22T13:36:24.821" v="1634" actId="478"/>
           <ac:spMkLst>
             <pc:docMk/>
             <pc:sldMk cId="1245728678" sldId="261"/>
@@ -509,7 +509,7 @@
         </pc:spChg>
       </pc:sldChg>
       <pc:sldChg chg="delSp modSp new mod modAnim">
-        <pc:chgData name="池田 智久" userId="dadd2dd75dd01d3e" providerId="LiveId" clId="{542726EB-A4D5-487C-B832-B885B6EFE651}" dt="2022-07-22T04:40:34.109" v="1618"/>
+        <pc:chgData name="池田 智久" userId="dadd2dd75dd01d3e" providerId="LiveId" clId="{542726EB-A4D5-487C-B832-B885B6EFE651}" dt="2022-07-25T09:29:23.679" v="1967" actId="1076"/>
         <pc:sldMkLst>
           <pc:docMk/>
           <pc:sldMk cId="201950252" sldId="263"/>
@@ -523,7 +523,7 @@
           </ac:spMkLst>
         </pc:spChg>
         <pc:spChg chg="mod">
-          <ac:chgData name="池田 智久" userId="dadd2dd75dd01d3e" providerId="LiveId" clId="{542726EB-A4D5-487C-B832-B885B6EFE651}" dt="2022-07-22T04:33:14.206" v="1593" actId="1076"/>
+          <ac:chgData name="池田 智久" userId="dadd2dd75dd01d3e" providerId="LiveId" clId="{542726EB-A4D5-487C-B832-B885B6EFE651}" dt="2022-07-25T09:29:23.679" v="1967" actId="1076"/>
           <ac:spMkLst>
             <pc:docMk/>
             <pc:sldMk cId="201950252" sldId="263"/>
@@ -10855,8 +10855,8 @@
         </p:nvSpPr>
         <p:spPr>
           <a:xfrm>
-            <a:off x="1800000" y="3348000"/>
-            <a:ext cx="9579428" cy="2419200"/>
+            <a:off x="1813228" y="2868539"/>
+            <a:ext cx="9579428" cy="3140790"/>
           </a:xfrm>
         </p:spPr>
         <p:txBody>
@@ -10865,7 +10865,7 @@
           <a:p>
             <a:pPr>
               <a:lnSpc>
-                <a:spcPct val="150000"/>
+                <a:spcPct val="130000"/>
               </a:lnSpc>
             </a:pPr>
             <a:r>
@@ -10875,16 +10875,42 @@
             <a:endParaRPr kumimoji="1" lang="en-US" altLang="ja-JP" sz="4400" dirty="0"/>
           </a:p>
           <a:p>
+            <a:pPr marL="608400" indent="0">
+              <a:lnSpc>
+                <a:spcPct val="130000"/>
+              </a:lnSpc>
+              <a:buNone/>
+            </a:pPr>
+            <a:r>
+              <a:rPr lang="ja-JP" altLang="en-US" sz="2800" dirty="0"/>
+              <a:t>スマホゲームが好き</a:t>
+            </a:r>
+            <a:endParaRPr kumimoji="1" lang="en-US" altLang="ja-JP" sz="2800" dirty="0"/>
+          </a:p>
+          <a:p>
             <a:pPr>
               <a:lnSpc>
-                <a:spcPct val="150000"/>
+                <a:spcPct val="130000"/>
               </a:lnSpc>
             </a:pPr>
             <a:r>
               <a:rPr lang="ja-JP" altLang="en-US" sz="4400" dirty="0"/>
               <a:t>仕事に行くのが楽しみに</a:t>
             </a:r>
-            <a:endParaRPr kumimoji="1" lang="ja-JP" altLang="en-US" sz="4400" dirty="0"/>
+            <a:endParaRPr lang="en-US" altLang="ja-JP" sz="4400" dirty="0"/>
+          </a:p>
+          <a:p>
+            <a:pPr marL="608400" indent="0">
+              <a:lnSpc>
+                <a:spcPct val="130000"/>
+              </a:lnSpc>
+              <a:buNone/>
+            </a:pPr>
+            <a:r>
+              <a:rPr lang="ja-JP" altLang="en-US" sz="2800" dirty="0"/>
+              <a:t>仕事に行くのが嫌い</a:t>
+            </a:r>
+            <a:endParaRPr lang="en-US" altLang="ja-JP" sz="2800" dirty="0"/>
           </a:p>
         </p:txBody>
       </p:sp>
@@ -10961,33 +10987,15 @@
                                   </p:childTnLst>
                                 </p:cTn>
                               </p:par>
-                            </p:childTnLst>
-                          </p:cTn>
-                        </p:par>
-                      </p:childTnLst>
-                    </p:cTn>
-                  </p:par>
-                  <p:par>
-                    <p:cTn id="8" fill="hold">
-                      <p:stCondLst>
-                        <p:cond delay="indefinite"/>
-                      </p:stCondLst>
-                      <p:childTnLst>
-                        <p:par>
-                          <p:cTn id="9" fill="hold">
-                            <p:stCondLst>
-                              <p:cond delay="0"/>
-                            </p:stCondLst>
-                            <p:childTnLst>
                               <p:par>
-                                <p:cTn id="10" presetID="10" presetClass="entr" presetSubtype="0" fill="hold" nodeType="clickEffect">
+                                <p:cTn id="8" presetID="10" presetClass="entr" presetSubtype="0" fill="hold" nodeType="withEffect">
                                   <p:stCondLst>
                                     <p:cond delay="0"/>
                                   </p:stCondLst>
                                   <p:childTnLst>
                                     <p:set>
                                       <p:cBhvr>
-                                        <p:cTn id="11" dur="1" fill="hold">
+                                        <p:cTn id="9" dur="1" fill="hold">
                                           <p:stCondLst>
                                             <p:cond delay="0"/>
                                           </p:stCondLst>
@@ -11009,11 +11017,115 @@
                                     </p:set>
                                     <p:animEffect transition="in" filter="fade">
                                       <p:cBhvr>
-                                        <p:cTn id="12" dur="1000"/>
+                                        <p:cTn id="10" dur="1000"/>
                                         <p:tgtEl>
                                           <p:spTgt spid="3">
                                             <p:txEl>
                                               <p:pRg st="1" end="1"/>
+                                            </p:txEl>
+                                          </p:spTgt>
+                                        </p:tgtEl>
+                                      </p:cBhvr>
+                                    </p:animEffect>
+                                  </p:childTnLst>
+                                </p:cTn>
+                              </p:par>
+                            </p:childTnLst>
+                          </p:cTn>
+                        </p:par>
+                      </p:childTnLst>
+                    </p:cTn>
+                  </p:par>
+                  <p:par>
+                    <p:cTn id="11" fill="hold">
+                      <p:stCondLst>
+                        <p:cond delay="indefinite"/>
+                      </p:stCondLst>
+                      <p:childTnLst>
+                        <p:par>
+                          <p:cTn id="12" fill="hold">
+                            <p:stCondLst>
+                              <p:cond delay="0"/>
+                            </p:stCondLst>
+                            <p:childTnLst>
+                              <p:par>
+                                <p:cTn id="13" presetID="10" presetClass="entr" presetSubtype="0" fill="hold" nodeType="clickEffect">
+                                  <p:stCondLst>
+                                    <p:cond delay="0"/>
+                                  </p:stCondLst>
+                                  <p:childTnLst>
+                                    <p:set>
+                                      <p:cBhvr>
+                                        <p:cTn id="14" dur="1" fill="hold">
+                                          <p:stCondLst>
+                                            <p:cond delay="0"/>
+                                          </p:stCondLst>
+                                        </p:cTn>
+                                        <p:tgtEl>
+                                          <p:spTgt spid="3">
+                                            <p:txEl>
+                                              <p:pRg st="2" end="2"/>
+                                            </p:txEl>
+                                          </p:spTgt>
+                                        </p:tgtEl>
+                                        <p:attrNameLst>
+                                          <p:attrName>style.visibility</p:attrName>
+                                        </p:attrNameLst>
+                                      </p:cBhvr>
+                                      <p:to>
+                                        <p:strVal val="visible"/>
+                                      </p:to>
+                                    </p:set>
+                                    <p:animEffect transition="in" filter="fade">
+                                      <p:cBhvr>
+                                        <p:cTn id="15" dur="1000"/>
+                                        <p:tgtEl>
+                                          <p:spTgt spid="3">
+                                            <p:txEl>
+                                              <p:pRg st="2" end="2"/>
+                                            </p:txEl>
+                                          </p:spTgt>
+                                        </p:tgtEl>
+                                      </p:cBhvr>
+                                    </p:animEffect>
+                                  </p:childTnLst>
+                                </p:cTn>
+                              </p:par>
+                              <p:par>
+                                <p:cTn id="16" presetID="10" presetClass="entr" presetSubtype="0" fill="hold" nodeType="withEffect">
+                                  <p:stCondLst>
+                                    <p:cond delay="0"/>
+                                  </p:stCondLst>
+                                  <p:childTnLst>
+                                    <p:set>
+                                      <p:cBhvr>
+                                        <p:cTn id="17" dur="1" fill="hold">
+                                          <p:stCondLst>
+                                            <p:cond delay="0"/>
+                                          </p:stCondLst>
+                                        </p:cTn>
+                                        <p:tgtEl>
+                                          <p:spTgt spid="3">
+                                            <p:txEl>
+                                              <p:pRg st="3" end="3"/>
+                                            </p:txEl>
+                                          </p:spTgt>
+                                        </p:tgtEl>
+                                        <p:attrNameLst>
+                                          <p:attrName>style.visibility</p:attrName>
+                                        </p:attrNameLst>
+                                      </p:cBhvr>
+                                      <p:to>
+                                        <p:strVal val="visible"/>
+                                      </p:to>
+                                    </p:set>
+                                    <p:animEffect transition="in" filter="fade">
+                                      <p:cBhvr>
+                                        <p:cTn id="18" dur="1000"/>
+                                        <p:tgtEl>
+                                          <p:spTgt spid="3">
+                                            <p:txEl>
+                                              <p:pRg st="3" end="3"/>
                                             </p:txEl>
                                           </p:spTgt>
                                         </p:tgtEl>
@@ -11128,10 +11240,10 @@
               <a:buNone/>
             </a:pPr>
             <a:r>
-              <a:rPr kumimoji="1" lang="ja-JP" altLang="en-US" sz="3200" dirty="0"/>
+              <a:rPr kumimoji="1" lang="ja-JP" altLang="en-US" sz="4000" dirty="0"/>
               <a:t>一般ユーザー</a:t>
             </a:r>
-            <a:endParaRPr kumimoji="1" lang="en-US" altLang="ja-JP" sz="3200" dirty="0"/>
+            <a:endParaRPr kumimoji="1" lang="en-US" altLang="ja-JP" sz="4000" dirty="0"/>
           </a:p>
           <a:p>
             <a:pPr>
@@ -11200,10 +11312,10 @@
               <a:buNone/>
             </a:pPr>
             <a:r>
-              <a:rPr kumimoji="1" lang="ja-JP" altLang="en-US" sz="3200" dirty="0"/>
+              <a:rPr kumimoji="1" lang="ja-JP" altLang="en-US" sz="4000" dirty="0"/>
               <a:t>管理者</a:t>
             </a:r>
-            <a:endParaRPr kumimoji="1" lang="en-US" altLang="ja-JP" sz="3200" dirty="0"/>
+            <a:endParaRPr kumimoji="1" lang="en-US" altLang="ja-JP" sz="4000" dirty="0"/>
           </a:p>
           <a:p>
             <a:pPr>
@@ -11323,8 +11435,8 @@
         </p:nvSpPr>
         <p:spPr>
           <a:xfrm>
-            <a:off x="3526939" y="2219467"/>
-            <a:ext cx="4201918" cy="4438933"/>
+            <a:off x="5040000" y="2088000"/>
+            <a:ext cx="5796952" cy="4183811"/>
           </a:xfrm>
         </p:spPr>
         <p:txBody>
@@ -11337,10 +11449,10 @@
               </a:lnSpc>
             </a:pPr>
             <a:r>
-              <a:rPr kumimoji="1" lang="ja-JP" altLang="en-US" sz="2800" dirty="0"/>
+              <a:rPr kumimoji="1" lang="ja-JP" altLang="en-US" sz="4000" spc="300" dirty="0"/>
               <a:t>パスワードリセット</a:t>
             </a:r>
-            <a:endParaRPr kumimoji="1" lang="en-US" altLang="ja-JP" sz="2800" dirty="0"/>
+            <a:endParaRPr kumimoji="1" lang="en-US" altLang="ja-JP" sz="4000" spc="300" dirty="0"/>
           </a:p>
           <a:p>
             <a:pPr>
@@ -11349,10 +11461,10 @@
               </a:lnSpc>
             </a:pPr>
             <a:r>
-              <a:rPr lang="ja-JP" altLang="en-US" sz="2800" dirty="0"/>
+              <a:rPr lang="ja-JP" altLang="en-US" sz="4000" spc="300" dirty="0"/>
               <a:t>プロフィール画像</a:t>
             </a:r>
-            <a:endParaRPr lang="en-US" altLang="ja-JP" sz="2800" dirty="0"/>
+            <a:endParaRPr lang="en-US" altLang="ja-JP" sz="4000" spc="300" dirty="0"/>
           </a:p>
           <a:p>
             <a:pPr>
@@ -11361,10 +11473,10 @@
               </a:lnSpc>
             </a:pPr>
             <a:r>
-              <a:rPr kumimoji="1" lang="ja-JP" altLang="en-US" sz="2800" dirty="0"/>
+              <a:rPr kumimoji="1" lang="ja-JP" altLang="en-US" sz="4000" spc="300" dirty="0"/>
               <a:t>出勤・退勤の一覧</a:t>
             </a:r>
-            <a:endParaRPr kumimoji="1" lang="en-US" altLang="ja-JP" sz="2800" dirty="0"/>
+            <a:endParaRPr kumimoji="1" lang="en-US" altLang="ja-JP" sz="4000" spc="300" dirty="0"/>
           </a:p>
           <a:p>
             <a:pPr>
@@ -11373,10 +11485,10 @@
               </a:lnSpc>
             </a:pPr>
             <a:r>
-              <a:rPr lang="ja-JP" altLang="en-US" sz="2800" dirty="0"/>
+              <a:rPr lang="ja-JP" altLang="en-US" sz="4000" spc="300" dirty="0"/>
               <a:t>ポイント・購入履歴</a:t>
             </a:r>
-            <a:endParaRPr lang="en-US" altLang="ja-JP" sz="2800" dirty="0"/>
+            <a:endParaRPr lang="en-US" altLang="ja-JP" sz="4000" spc="300" dirty="0"/>
           </a:p>
           <a:p>
             <a:pPr>
@@ -11385,399 +11497,16 @@
               </a:lnSpc>
             </a:pPr>
             <a:r>
-              <a:rPr lang="ja-JP" altLang="en-US" sz="2800" dirty="0"/>
-              <a:t>各種申請</a:t>
-            </a:r>
-            <a:endParaRPr lang="en-US" altLang="ja-JP" sz="2800" dirty="0"/>
-          </a:p>
-          <a:p>
-            <a:pPr>
-              <a:lnSpc>
-                <a:spcPct val="120000"/>
-              </a:lnSpc>
-            </a:pPr>
-            <a:r>
-              <a:rPr lang="ja-JP" altLang="en-US" sz="2800" dirty="0"/>
-              <a:t>打刻忘れ防止</a:t>
-            </a:r>
-            <a:endParaRPr lang="en-US" altLang="ja-JP" sz="2800" dirty="0"/>
-          </a:p>
-          <a:p>
-            <a:pPr>
-              <a:lnSpc>
-                <a:spcPct val="120000"/>
-              </a:lnSpc>
-            </a:pPr>
-            <a:r>
-              <a:rPr lang="ja-JP" altLang="en-US" sz="2800" dirty="0"/>
+              <a:rPr lang="ja-JP" altLang="en-US" sz="4000" spc="300" dirty="0"/>
               <a:t>ボーナスポイント</a:t>
             </a:r>
-            <a:endParaRPr lang="en-US" altLang="ja-JP" sz="2800" dirty="0"/>
+            <a:endParaRPr lang="en-US" altLang="ja-JP" sz="4000" spc="300" dirty="0"/>
           </a:p>
           <a:p>
             <a:endParaRPr kumimoji="1" lang="en-US" altLang="ja-JP" dirty="0"/>
           </a:p>
           <a:p>
             <a:endParaRPr kumimoji="1" lang="ja-JP" altLang="en-US" dirty="0"/>
-          </a:p>
-        </p:txBody>
-      </p:sp>
-      <p:sp>
-        <p:nvSpPr>
-          <p:cNvPr id="5" name="テキスト プレースホルダー 2">
-            <a:extLst>
-              <a:ext uri="{FF2B5EF4-FFF2-40B4-BE49-F238E27FC236}">
-                <a16:creationId xmlns:a16="http://schemas.microsoft.com/office/drawing/2014/main" id="{850C1D83-E133-FBE1-B11E-407366A6493E}"/>
-              </a:ext>
-            </a:extLst>
-          </p:cNvPr>
-          <p:cNvSpPr txBox="1">
-            <a:spLocks/>
-          </p:cNvSpPr>
-          <p:nvPr/>
-        </p:nvSpPr>
-        <p:spPr>
-          <a:xfrm>
-            <a:off x="8175139" y="2219467"/>
-            <a:ext cx="3908004" cy="4022000"/>
-          </a:xfrm>
-          <a:prstGeom prst="rect">
-            <a:avLst/>
-          </a:prstGeom>
-          <a:noFill/>
-          <a:ln>
-            <a:noFill/>
-          </a:ln>
-        </p:spPr>
-        <p:txBody>
-          <a:bodyPr spcFirstLastPara="1" wrap="square" lIns="0" tIns="0" rIns="0" bIns="0" anchor="t" anchorCtr="0">
-            <a:noAutofit/>
-          </a:bodyPr>
-          <a:lstStyle>
-            <a:defPPr marR="0" lvl="0" algn="l" rtl="0">
-              <a:lnSpc>
-                <a:spcPct val="100000"/>
-              </a:lnSpc>
-              <a:spcBef>
-                <a:spcPts val="0"/>
-              </a:spcBef>
-              <a:spcAft>
-                <a:spcPts val="0"/>
-              </a:spcAft>
-            </a:defPPr>
-            <a:lvl1pPr marL="609585" marR="0" lvl="0" indent="-457189" algn="l" rtl="0" eaLnBrk="1" hangingPunct="1">
-              <a:lnSpc>
-                <a:spcPct val="115000"/>
-              </a:lnSpc>
-              <a:spcBef>
-                <a:spcPts val="800"/>
-              </a:spcBef>
-              <a:spcAft>
-                <a:spcPts val="0"/>
-              </a:spcAft>
-              <a:buClr>
-                <a:schemeClr val="accent1"/>
-              </a:buClr>
-              <a:buSzPts val="1800"/>
-              <a:buFont typeface="Chivo"/>
-              <a:buChar char="▰"/>
-              <a:defRPr kumimoji="1" sz="2400" b="0" i="0" u="none" strike="noStrike" cap="none">
-                <a:solidFill>
-                  <a:schemeClr val="dk1"/>
-                </a:solidFill>
-                <a:latin typeface="Chivo"/>
-                <a:ea typeface="Chivo"/>
-                <a:cs typeface="Chivo"/>
-                <a:sym typeface="Chivo"/>
-              </a:defRPr>
-            </a:lvl1pPr>
-            <a:lvl2pPr marL="1219170" marR="0" lvl="1" indent="-457189" algn="l" rtl="0" eaLnBrk="1" hangingPunct="1">
-              <a:lnSpc>
-                <a:spcPct val="115000"/>
-              </a:lnSpc>
-              <a:spcBef>
-                <a:spcPts val="0"/>
-              </a:spcBef>
-              <a:spcAft>
-                <a:spcPts val="0"/>
-              </a:spcAft>
-              <a:buClr>
-                <a:schemeClr val="accent5"/>
-              </a:buClr>
-              <a:buSzPts val="1800"/>
-              <a:buFont typeface="Chivo"/>
-              <a:buChar char="▰"/>
-              <a:defRPr kumimoji="1" sz="2400" b="0" i="0" u="none" strike="noStrike" cap="none">
-                <a:solidFill>
-                  <a:schemeClr val="dk1"/>
-                </a:solidFill>
-                <a:latin typeface="Chivo"/>
-                <a:ea typeface="Chivo"/>
-                <a:cs typeface="Chivo"/>
-                <a:sym typeface="Chivo"/>
-              </a:defRPr>
-            </a:lvl2pPr>
-            <a:lvl3pPr marL="1828754" marR="0" lvl="2" indent="-457189" algn="l" rtl="0" eaLnBrk="1" hangingPunct="1">
-              <a:lnSpc>
-                <a:spcPct val="115000"/>
-              </a:lnSpc>
-              <a:spcBef>
-                <a:spcPts val="0"/>
-              </a:spcBef>
-              <a:spcAft>
-                <a:spcPts val="0"/>
-              </a:spcAft>
-              <a:buClr>
-                <a:schemeClr val="accent5"/>
-              </a:buClr>
-              <a:buSzPts val="1800"/>
-              <a:buFont typeface="Chivo"/>
-              <a:buChar char="▰"/>
-              <a:defRPr kumimoji="1" sz="2400" b="0" i="0" u="none" strike="noStrike" cap="none">
-                <a:solidFill>
-                  <a:schemeClr val="dk1"/>
-                </a:solidFill>
-                <a:latin typeface="Chivo"/>
-                <a:ea typeface="Chivo"/>
-                <a:cs typeface="Chivo"/>
-                <a:sym typeface="Chivo"/>
-              </a:defRPr>
-            </a:lvl3pPr>
-            <a:lvl4pPr marL="2438339" marR="0" lvl="3" indent="-457189" algn="l" rtl="0" eaLnBrk="1" hangingPunct="1">
-              <a:lnSpc>
-                <a:spcPct val="115000"/>
-              </a:lnSpc>
-              <a:spcBef>
-                <a:spcPts val="0"/>
-              </a:spcBef>
-              <a:spcAft>
-                <a:spcPts val="0"/>
-              </a:spcAft>
-              <a:buClr>
-                <a:schemeClr val="dk1"/>
-              </a:buClr>
-              <a:buSzPts val="1800"/>
-              <a:buFont typeface="Chivo"/>
-              <a:buChar char="▰"/>
-              <a:defRPr kumimoji="1" sz="2400" b="0" i="0" u="none" strike="noStrike" cap="none">
-                <a:solidFill>
-                  <a:schemeClr val="dk1"/>
-                </a:solidFill>
-                <a:latin typeface="Chivo"/>
-                <a:ea typeface="Chivo"/>
-                <a:cs typeface="Chivo"/>
-                <a:sym typeface="Chivo"/>
-              </a:defRPr>
-            </a:lvl4pPr>
-            <a:lvl5pPr marL="3047924" marR="0" lvl="4" indent="-457189" algn="l" rtl="0" eaLnBrk="1" hangingPunct="1">
-              <a:lnSpc>
-                <a:spcPct val="115000"/>
-              </a:lnSpc>
-              <a:spcBef>
-                <a:spcPts val="0"/>
-              </a:spcBef>
-              <a:spcAft>
-                <a:spcPts val="0"/>
-              </a:spcAft>
-              <a:buClr>
-                <a:schemeClr val="dk1"/>
-              </a:buClr>
-              <a:buSzPts val="1800"/>
-              <a:buFont typeface="Chivo"/>
-              <a:buChar char="▰"/>
-              <a:defRPr kumimoji="1" sz="2400" b="0" i="0" u="none" strike="noStrike" cap="none">
-                <a:solidFill>
-                  <a:schemeClr val="dk1"/>
-                </a:solidFill>
-                <a:latin typeface="Chivo"/>
-                <a:ea typeface="Chivo"/>
-                <a:cs typeface="Chivo"/>
-                <a:sym typeface="Chivo"/>
-              </a:defRPr>
-            </a:lvl5pPr>
-            <a:lvl6pPr marL="3657509" marR="0" lvl="5" indent="-457189" algn="l" rtl="0" eaLnBrk="1" hangingPunct="1">
-              <a:lnSpc>
-                <a:spcPct val="115000"/>
-              </a:lnSpc>
-              <a:spcBef>
-                <a:spcPts val="0"/>
-              </a:spcBef>
-              <a:spcAft>
-                <a:spcPts val="0"/>
-              </a:spcAft>
-              <a:buClr>
-                <a:schemeClr val="dk1"/>
-              </a:buClr>
-              <a:buSzPts val="1800"/>
-              <a:buFont typeface="Chivo"/>
-              <a:buChar char="▰"/>
-              <a:defRPr kumimoji="1" sz="2400" b="0" i="0" u="none" strike="noStrike" cap="none">
-                <a:solidFill>
-                  <a:schemeClr val="dk1"/>
-                </a:solidFill>
-                <a:latin typeface="Chivo"/>
-                <a:ea typeface="Chivo"/>
-                <a:cs typeface="Chivo"/>
-                <a:sym typeface="Chivo"/>
-              </a:defRPr>
-            </a:lvl6pPr>
-            <a:lvl7pPr marL="4267093" marR="0" lvl="6" indent="-457189" algn="l" rtl="0" eaLnBrk="1" hangingPunct="1">
-              <a:lnSpc>
-                <a:spcPct val="115000"/>
-              </a:lnSpc>
-              <a:spcBef>
-                <a:spcPts val="0"/>
-              </a:spcBef>
-              <a:spcAft>
-                <a:spcPts val="0"/>
-              </a:spcAft>
-              <a:buClr>
-                <a:schemeClr val="dk1"/>
-              </a:buClr>
-              <a:buSzPts val="1800"/>
-              <a:buFont typeface="Chivo"/>
-              <a:buChar char="▰"/>
-              <a:defRPr kumimoji="1" sz="2400" b="0" i="0" u="none" strike="noStrike" cap="none">
-                <a:solidFill>
-                  <a:schemeClr val="dk1"/>
-                </a:solidFill>
-                <a:latin typeface="Chivo"/>
-                <a:ea typeface="Chivo"/>
-                <a:cs typeface="Chivo"/>
-                <a:sym typeface="Chivo"/>
-              </a:defRPr>
-            </a:lvl7pPr>
-            <a:lvl8pPr marL="4876678" marR="0" lvl="7" indent="-457189" algn="l" rtl="0" eaLnBrk="1" hangingPunct="1">
-              <a:lnSpc>
-                <a:spcPct val="115000"/>
-              </a:lnSpc>
-              <a:spcBef>
-                <a:spcPts val="0"/>
-              </a:spcBef>
-              <a:spcAft>
-                <a:spcPts val="0"/>
-              </a:spcAft>
-              <a:buClr>
-                <a:schemeClr val="dk1"/>
-              </a:buClr>
-              <a:buSzPts val="1800"/>
-              <a:buFont typeface="Chivo"/>
-              <a:buChar char="▰"/>
-              <a:defRPr kumimoji="1" sz="2400" b="0" i="0" u="none" strike="noStrike" cap="none">
-                <a:solidFill>
-                  <a:schemeClr val="dk1"/>
-                </a:solidFill>
-                <a:latin typeface="Chivo"/>
-                <a:ea typeface="Chivo"/>
-                <a:cs typeface="Chivo"/>
-                <a:sym typeface="Chivo"/>
-              </a:defRPr>
-            </a:lvl8pPr>
-            <a:lvl9pPr marL="5486263" marR="0" lvl="8" indent="-457189" algn="l" rtl="0" eaLnBrk="1" hangingPunct="1">
-              <a:lnSpc>
-                <a:spcPct val="115000"/>
-              </a:lnSpc>
-              <a:spcBef>
-                <a:spcPts val="0"/>
-              </a:spcBef>
-              <a:spcAft>
-                <a:spcPts val="0"/>
-              </a:spcAft>
-              <a:buClr>
-                <a:schemeClr val="dk1"/>
-              </a:buClr>
-              <a:buSzPts val="1800"/>
-              <a:buFont typeface="Chivo"/>
-              <a:buChar char="▰"/>
-              <a:defRPr kumimoji="1" sz="2400" b="0" i="0" u="none" strike="noStrike" cap="none">
-                <a:solidFill>
-                  <a:schemeClr val="dk1"/>
-                </a:solidFill>
-                <a:latin typeface="Chivo"/>
-                <a:ea typeface="Chivo"/>
-                <a:cs typeface="Chivo"/>
-                <a:sym typeface="Chivo"/>
-              </a:defRPr>
-            </a:lvl9pPr>
-          </a:lstStyle>
-          <a:p>
-            <a:pPr>
-              <a:lnSpc>
-                <a:spcPct val="120000"/>
-              </a:lnSpc>
-            </a:pPr>
-            <a:r>
-              <a:rPr lang="ja-JP" altLang="en-US" sz="2800" dirty="0"/>
-              <a:t>上級管理者</a:t>
-            </a:r>
-            <a:endParaRPr lang="en-US" altLang="ja-JP" sz="2800" dirty="0"/>
-          </a:p>
-          <a:p>
-            <a:pPr>
-              <a:lnSpc>
-                <a:spcPct val="120000"/>
-              </a:lnSpc>
-            </a:pPr>
-            <a:r>
-              <a:rPr lang="ja-JP" altLang="en-US" sz="2800" dirty="0"/>
-              <a:t>検索の強化</a:t>
-            </a:r>
-            <a:endParaRPr lang="en-US" altLang="ja-JP" sz="2800" dirty="0"/>
-          </a:p>
-          <a:p>
-            <a:pPr>
-              <a:lnSpc>
-                <a:spcPct val="120000"/>
-              </a:lnSpc>
-            </a:pPr>
-            <a:r>
-              <a:rPr lang="ja-JP" altLang="en-US" sz="2800" dirty="0"/>
-              <a:t>部署一覧</a:t>
-            </a:r>
-            <a:endParaRPr lang="en-US" altLang="ja-JP" sz="2800" dirty="0"/>
-          </a:p>
-          <a:p>
-            <a:pPr>
-              <a:lnSpc>
-                <a:spcPct val="120000"/>
-              </a:lnSpc>
-            </a:pPr>
-            <a:r>
-              <a:rPr lang="ja-JP" altLang="en-US" sz="2800" dirty="0"/>
-              <a:t>各種申請一覧</a:t>
-            </a:r>
-            <a:endParaRPr lang="en-US" altLang="ja-JP" sz="2800" dirty="0"/>
-          </a:p>
-          <a:p>
-            <a:pPr>
-              <a:lnSpc>
-                <a:spcPct val="120000"/>
-              </a:lnSpc>
-            </a:pPr>
-            <a:r>
-              <a:rPr lang="ja-JP" altLang="en-US" sz="2800" dirty="0"/>
-              <a:t>修正履歴</a:t>
-            </a:r>
-            <a:endParaRPr lang="en-US" altLang="ja-JP" sz="2800" dirty="0"/>
-          </a:p>
-          <a:p>
-            <a:pPr>
-              <a:lnSpc>
-                <a:spcPct val="120000"/>
-              </a:lnSpc>
-            </a:pPr>
-            <a:r>
-              <a:rPr lang="en-US" altLang="ja-JP" sz="2800" dirty="0"/>
-              <a:t>CSV</a:t>
-            </a:r>
-            <a:r>
-              <a:rPr lang="ja-JP" altLang="en-US" sz="2800" dirty="0"/>
-              <a:t>出力項目編集</a:t>
-            </a:r>
-            <a:endParaRPr lang="en-US" altLang="ja-JP" sz="2800" dirty="0"/>
-          </a:p>
-          <a:p>
-            <a:endParaRPr lang="ja-JP" altLang="en-US" dirty="0"/>
           </a:p>
         </p:txBody>
       </p:sp>
@@ -11989,8 +11718,8 @@
         </p:nvSpPr>
         <p:spPr>
           <a:xfrm>
-            <a:off x="5040000" y="2242457"/>
-            <a:ext cx="6106886" cy="4141090"/>
+            <a:off x="4320000" y="2520000"/>
+            <a:ext cx="7499446" cy="3752490"/>
           </a:xfrm>
         </p:spPr>
         <p:txBody>
@@ -12017,7 +11746,7 @@
             </a:pPr>
             <a:r>
               <a:rPr lang="ja-JP" altLang="en-US" sz="2800" spc="300" dirty="0"/>
-              <a:t>設計の大切さ</a:t>
+              <a:t>設計の甘さと大切さ</a:t>
             </a:r>
             <a:endParaRPr kumimoji="1" lang="en-US" altLang="ja-JP" sz="2800" spc="300" dirty="0"/>
           </a:p>
@@ -12043,7 +11772,7 @@
               <a:rPr kumimoji="1" lang="ja-JP" altLang="en-US" sz="4000" spc="300" dirty="0"/>
               <a:t>の理解</a:t>
             </a:r>
-            <a:endParaRPr lang="en-US" altLang="ja-JP" sz="4000" spc="300" dirty="0"/>
+            <a:endParaRPr kumimoji="1" lang="en-US" altLang="ja-JP" sz="4000" spc="300" dirty="0"/>
           </a:p>
           <a:p>
             <a:pPr marL="608400" indent="0">
@@ -12053,27 +11782,14 @@
               <a:buNone/>
             </a:pPr>
             <a:r>
-              <a:rPr kumimoji="1" lang="ja-JP" altLang="en-US" sz="2800" spc="300" dirty="0"/>
-              <a:t>知らない技術</a:t>
+              <a:rPr lang="en-US" altLang="ja-JP" sz="3200" spc="300" dirty="0"/>
+              <a:t>Laravel</a:t>
             </a:r>
             <a:r>
-              <a:rPr lang="ja-JP" altLang="en-US" sz="2800" spc="300" dirty="0"/>
-              <a:t>に挑戦・学習</a:t>
+              <a:rPr lang="ja-JP" altLang="en-US" sz="3200" spc="300" dirty="0"/>
+              <a:t>が別言語のように難しい</a:t>
             </a:r>
-            <a:endParaRPr lang="en-US" altLang="ja-JP" sz="2800" spc="300" dirty="0"/>
-          </a:p>
-          <a:p>
-            <a:pPr marL="608400" indent="0">
-              <a:lnSpc>
-                <a:spcPct val="110000"/>
-              </a:lnSpc>
-              <a:buNone/>
-            </a:pPr>
-            <a:r>
-              <a:rPr kumimoji="1" lang="ja-JP" altLang="en-US" sz="2800" spc="300" dirty="0"/>
-              <a:t>より深い理解</a:t>
-            </a:r>
-            <a:endParaRPr kumimoji="1" lang="en-US" altLang="ja-JP" sz="2800" spc="300" dirty="0"/>
+            <a:endParaRPr lang="en-US" altLang="ja-JP" sz="3200" spc="300" dirty="0"/>
           </a:p>
           <a:p>
             <a:pPr>
@@ -12231,49 +11947,6 @@
                                   </p:childTnLst>
                                 </p:cTn>
                               </p:par>
-                              <p:par>
-                                <p:cTn id="13" presetID="10" presetClass="entr" presetSubtype="0" fill="hold" nodeType="withEffect">
-                                  <p:stCondLst>
-                                    <p:cond delay="0"/>
-                                  </p:stCondLst>
-                                  <p:childTnLst>
-                                    <p:set>
-                                      <p:cBhvr>
-                                        <p:cTn id="14" dur="1" fill="hold">
-                                          <p:stCondLst>
-                                            <p:cond delay="0"/>
-                                          </p:stCondLst>
-                                        </p:cTn>
-                                        <p:tgtEl>
-                                          <p:spTgt spid="3">
-                                            <p:txEl>
-                                              <p:pRg st="4" end="4"/>
-                                            </p:txEl>
-                                          </p:spTgt>
-                                        </p:tgtEl>
-                                        <p:attrNameLst>
-                                          <p:attrName>style.visibility</p:attrName>
-                                        </p:attrNameLst>
-                                      </p:cBhvr>
-                                      <p:to>
-                                        <p:strVal val="visible"/>
-                                      </p:to>
-                                    </p:set>
-                                    <p:animEffect transition="in" filter="fade">
-                                      <p:cBhvr>
-                                        <p:cTn id="15" dur="1000"/>
-                                        <p:tgtEl>
-                                          <p:spTgt spid="3">
-                                            <p:txEl>
-                                              <p:pRg st="4" end="4"/>
-                                            </p:txEl>
-                                          </p:spTgt>
-                                        </p:tgtEl>
-                                      </p:cBhvr>
-                                    </p:animEffect>
-                                  </p:childTnLst>
-                                </p:cTn>
-                              </p:par>
                             </p:childTnLst>
                           </p:cTn>
                         </p:par>
@@ -12338,15 +12011,15 @@
         </p:nvSpPr>
         <p:spPr>
           <a:xfrm>
-            <a:off x="1013193" y="2062909"/>
-            <a:ext cx="9317350" cy="2732182"/>
+            <a:off x="1080000" y="2014567"/>
+            <a:ext cx="9317350" cy="2828867"/>
           </a:xfrm>
           <a:prstGeom prst="rect">
             <a:avLst/>
           </a:prstGeom>
         </p:spPr>
         <p:txBody>
-          <a:bodyPr/>
+          <a:bodyPr lIns="0" tIns="0" rIns="0" bIns="0"/>
           <a:lstStyle>
             <a:defPPr marR="0" lvl="0" algn="l" rtl="0">
               <a:lnSpc>

--- a/PHP自作発表.pptx
+++ b/PHP自作発表.pptx
@@ -4,6 +4,12 @@
   <p:sldMasterIdLst>
     <p:sldMasterId id="2147483738" r:id="rId1"/>
   </p:sldMasterIdLst>
+  <p:notesMasterIdLst>
+    <p:notesMasterId r:id="rId9"/>
+  </p:notesMasterIdLst>
+  <p:handoutMasterIdLst>
+    <p:handoutMasterId r:id="rId10"/>
+  </p:handoutMasterIdLst>
   <p:sldIdLst>
     <p:sldId id="257" r:id="rId2"/>
     <p:sldId id="258" r:id="rId3"/>
@@ -248,6 +254,9 @@
     <p:ext uri="{EFAFB233-063F-42B5-8137-9DF3F51BA10A}">
       <p15:sldGuideLst xmlns:p15="http://schemas.microsoft.com/office/powerpoint/2012/main"/>
     </p:ext>
+    <p:ext uri="{2D200454-40CA-4A62-9FC3-DE9A4176ACB9}">
+      <p15:notesGuideLst xmlns:p15="http://schemas.microsoft.com/office/powerpoint/2012/main"/>
+    </p:ext>
   </p:extLst>
 </p:presentation>
 </file>
@@ -255,7 +264,7 @@
 <file path=ppt/revisionInfo.xml><?xml version="1.0" encoding="utf-8"?>
 <p1510:revInfo xmlns:a="http://schemas.openxmlformats.org/drawingml/2006/main" xmlns:r="http://schemas.openxmlformats.org/officeDocument/2006/relationships" xmlns:p1510="http://schemas.microsoft.com/office/powerpoint/2015/10/main">
   <p1510:revLst>
-    <p1510:client id="{542726EB-A4D5-487C-B832-B885B6EFE651}" v="276" dt="2022-07-25T09:30:32.201"/>
+    <p1510:client id="{542726EB-A4D5-487C-B832-B885B6EFE651}" v="639" dt="2022-07-28T08:21:40.855"/>
   </p1510:revLst>
 </p1510:revInfo>
 </file>
@@ -264,8 +273,8 @@
 <pc:chgInfo xmlns:a="http://schemas.openxmlformats.org/drawingml/2006/main" xmlns:r="http://schemas.openxmlformats.org/officeDocument/2006/relationships" xmlns:ac="http://schemas.microsoft.com/office/drawing/2013/main/command" xmlns:pc="http://schemas.microsoft.com/office/powerpoint/2013/main/command">
   <pc:docChgLst>
     <pc:chgData name="池田 智久" userId="dadd2dd75dd01d3e" providerId="LiveId" clId="{542726EB-A4D5-487C-B832-B885B6EFE651}"/>
-    <pc:docChg chg="undo custSel addSld delSld modSld modMainMaster">
-      <pc:chgData name="池田 智久" userId="dadd2dd75dd01d3e" providerId="LiveId" clId="{542726EB-A4D5-487C-B832-B885B6EFE651}" dt="2022-07-25T09:32:29.070" v="1989" actId="1076"/>
+    <pc:docChg chg="undo custSel addSld delSld modSld modMainMaster modNotesMaster modHandout">
+      <pc:chgData name="池田 智久" userId="dadd2dd75dd01d3e" providerId="LiveId" clId="{542726EB-A4D5-487C-B832-B885B6EFE651}" dt="2022-07-28T08:21:40.855" v="2535"/>
       <pc:docMkLst>
         <pc:docMk/>
       </pc:docMkLst>
@@ -308,8 +317,8 @@
           </ac:spMkLst>
         </pc:spChg>
       </pc:sldChg>
-      <pc:sldChg chg="addSp modSp new mod">
-        <pc:chgData name="池田 智久" userId="dadd2dd75dd01d3e" providerId="LiveId" clId="{542726EB-A4D5-487C-B832-B885B6EFE651}" dt="2022-07-21T15:27:27.840" v="185" actId="1076"/>
+      <pc:sldChg chg="addSp modSp new mod modTransition modNotes modNotesTx">
+        <pc:chgData name="池田 智久" userId="dadd2dd75dd01d3e" providerId="LiveId" clId="{542726EB-A4D5-487C-B832-B885B6EFE651}" dt="2022-07-28T07:50:57.820" v="2282"/>
         <pc:sldMkLst>
           <pc:docMk/>
           <pc:sldMk cId="2301420531" sldId="257"/>
@@ -331,8 +340,8 @@
           </ac:spMkLst>
         </pc:spChg>
       </pc:sldChg>
-      <pc:sldChg chg="delSp modSp new mod modAnim">
-        <pc:chgData name="池田 智久" userId="dadd2dd75dd01d3e" providerId="LiveId" clId="{542726EB-A4D5-487C-B832-B885B6EFE651}" dt="2022-07-25T09:30:18.768" v="1971" actId="1076"/>
+      <pc:sldChg chg="addSp delSp modSp new mod modTransition modAnim">
+        <pc:chgData name="池田 智久" userId="dadd2dd75dd01d3e" providerId="LiveId" clId="{542726EB-A4D5-487C-B832-B885B6EFE651}" dt="2022-07-28T08:17:32.483" v="2491"/>
         <pc:sldMkLst>
           <pc:docMk/>
           <pc:sldMk cId="2102789029" sldId="258"/>
@@ -346,11 +355,19 @@
           </ac:spMkLst>
         </pc:spChg>
         <pc:spChg chg="mod">
-          <ac:chgData name="池田 智久" userId="dadd2dd75dd01d3e" providerId="LiveId" clId="{542726EB-A4D5-487C-B832-B885B6EFE651}" dt="2022-07-25T09:30:18.768" v="1971" actId="1076"/>
+          <ac:chgData name="池田 智久" userId="dadd2dd75dd01d3e" providerId="LiveId" clId="{542726EB-A4D5-487C-B832-B885B6EFE651}" dt="2022-07-28T07:47:48.424" v="2275" actId="1076"/>
           <ac:spMkLst>
             <pc:docMk/>
             <pc:sldMk cId="2102789029" sldId="258"/>
             <ac:spMk id="3" creationId="{F8A535D3-B699-94F5-99E0-FD6CBE2AC3DE}"/>
+          </ac:spMkLst>
+        </pc:spChg>
+        <pc:spChg chg="add del mod">
+          <ac:chgData name="池田 智久" userId="dadd2dd75dd01d3e" providerId="LiveId" clId="{542726EB-A4D5-487C-B832-B885B6EFE651}" dt="2022-07-28T08:05:52.657" v="2414" actId="14100"/>
+          <ac:spMkLst>
+            <pc:docMk/>
+            <pc:sldMk cId="2102789029" sldId="258"/>
+            <ac:spMk id="4" creationId="{09B609F1-68E5-C26C-817B-1836CB291CE3}"/>
           </ac:spMkLst>
         </pc:spChg>
         <pc:spChg chg="del">
@@ -359,6 +376,22 @@
             <pc:docMk/>
             <pc:sldMk cId="2102789029" sldId="258"/>
             <ac:spMk id="4" creationId="{E3010BDA-7339-C9B1-9C75-8A84A1EB2AE5}"/>
+          </ac:spMkLst>
+        </pc:spChg>
+        <pc:spChg chg="add del mod">
+          <ac:chgData name="池田 智久" userId="dadd2dd75dd01d3e" providerId="LiveId" clId="{542726EB-A4D5-487C-B832-B885B6EFE651}" dt="2022-07-28T07:24:18.731" v="2159" actId="11529"/>
+          <ac:spMkLst>
+            <pc:docMk/>
+            <pc:sldMk cId="2102789029" sldId="258"/>
+            <ac:spMk id="5" creationId="{DE2A45EC-1A3B-3E5E-B93B-E30294ED0A55}"/>
+          </ac:spMkLst>
+        </pc:spChg>
+        <pc:spChg chg="add mod">
+          <ac:chgData name="池田 智久" userId="dadd2dd75dd01d3e" providerId="LiveId" clId="{542726EB-A4D5-487C-B832-B885B6EFE651}" dt="2022-07-28T07:52:02.047" v="2290" actId="1036"/>
+          <ac:spMkLst>
+            <pc:docMk/>
+            <pc:sldMk cId="2102789029" sldId="258"/>
+            <ac:spMk id="6" creationId="{26EE19C0-5F9F-7D9E-BAA1-0B077641D589}"/>
           </ac:spMkLst>
         </pc:spChg>
       </pc:sldChg>
@@ -392,8 +425,8 @@
           </ac:spMkLst>
         </pc:spChg>
       </pc:sldChg>
-      <pc:sldChg chg="modSp new mod">
-        <pc:chgData name="池田 智久" userId="dadd2dd75dd01d3e" providerId="LiveId" clId="{542726EB-A4D5-487C-B832-B885B6EFE651}" dt="2022-07-25T09:31:17.665" v="1973" actId="255"/>
+      <pc:sldChg chg="modSp new mod modTransition modAnim">
+        <pc:chgData name="池田 智久" userId="dadd2dd75dd01d3e" providerId="LiveId" clId="{542726EB-A4D5-487C-B832-B885B6EFE651}" dt="2022-07-28T08:18:36.560" v="2501"/>
         <pc:sldMkLst>
           <pc:docMk/>
           <pc:sldMk cId="4062063446" sldId="259"/>
@@ -423,8 +456,8 @@
           </ac:spMkLst>
         </pc:spChg>
       </pc:sldChg>
-      <pc:sldChg chg="addSp modSp new mod">
-        <pc:chgData name="池田 智久" userId="dadd2dd75dd01d3e" providerId="LiveId" clId="{542726EB-A4D5-487C-B832-B885B6EFE651}" dt="2022-07-25T09:32:29.070" v="1989" actId="1076"/>
+      <pc:sldChg chg="addSp modSp new mod modTransition modNotes modNotesTx">
+        <pc:chgData name="池田 智久" userId="dadd2dd75dd01d3e" providerId="LiveId" clId="{542726EB-A4D5-487C-B832-B885B6EFE651}" dt="2022-07-28T08:13:15.540" v="2464"/>
         <pc:sldMkLst>
           <pc:docMk/>
           <pc:sldMk cId="2908710916" sldId="260"/>
@@ -438,8 +471,8 @@
           </ac:spMkLst>
         </pc:spChg>
       </pc:sldChg>
-      <pc:sldChg chg="addSp delSp modSp new mod">
-        <pc:chgData name="池田 智久" userId="dadd2dd75dd01d3e" providerId="LiveId" clId="{542726EB-A4D5-487C-B832-B885B6EFE651}" dt="2022-07-25T09:28:39.574" v="1903" actId="1076"/>
+      <pc:sldChg chg="addSp delSp modSp new mod modTransition">
+        <pc:chgData name="池田 智久" userId="dadd2dd75dd01d3e" providerId="LiveId" clId="{542726EB-A4D5-487C-B832-B885B6EFE651}" dt="2022-07-28T08:13:05.099" v="2461"/>
         <pc:sldMkLst>
           <pc:docMk/>
           <pc:sldMk cId="1245728678" sldId="261"/>
@@ -477,8 +510,8 @@
           </ac:spMkLst>
         </pc:spChg>
       </pc:sldChg>
-      <pc:sldChg chg="delSp modSp new mod">
-        <pc:chgData name="池田 智久" userId="dadd2dd75dd01d3e" providerId="LiveId" clId="{542726EB-A4D5-487C-B832-B885B6EFE651}" dt="2022-07-22T04:33:00.892" v="1590" actId="1076"/>
+      <pc:sldChg chg="delSp modSp new mod modTransition modAnim">
+        <pc:chgData name="池田 智久" userId="dadd2dd75dd01d3e" providerId="LiveId" clId="{542726EB-A4D5-487C-B832-B885B6EFE651}" dt="2022-07-28T08:20:20.901" v="2520"/>
         <pc:sldMkLst>
           <pc:docMk/>
           <pc:sldMk cId="3335652697" sldId="262"/>
@@ -508,8 +541,8 @@
           </ac:spMkLst>
         </pc:spChg>
       </pc:sldChg>
-      <pc:sldChg chg="delSp modSp new mod modAnim">
-        <pc:chgData name="池田 智久" userId="dadd2dd75dd01d3e" providerId="LiveId" clId="{542726EB-A4D5-487C-B832-B885B6EFE651}" dt="2022-07-25T09:29:23.679" v="1967" actId="1076"/>
+      <pc:sldChg chg="delSp modSp new mod modTransition modAnim">
+        <pc:chgData name="池田 智久" userId="dadd2dd75dd01d3e" providerId="LiveId" clId="{542726EB-A4D5-487C-B832-B885B6EFE651}" dt="2022-07-28T08:21:40.855" v="2535"/>
         <pc:sldMkLst>
           <pc:docMk/>
           <pc:sldMk cId="201950252" sldId="263"/>
@@ -1034,6 +1067,1167 @@
     </pc:docChg>
   </pc:docChgLst>
 </pc:chgInfo>
+</file>
+
+<file path=ppt/handoutMasters/handoutMaster1.xml><?xml version="1.0" encoding="utf-8"?>
+<p:handoutMaster xmlns:a="http://schemas.openxmlformats.org/drawingml/2006/main" xmlns:r="http://schemas.openxmlformats.org/officeDocument/2006/relationships" xmlns:p="http://schemas.openxmlformats.org/presentationml/2006/main">
+  <p:cSld>
+    <p:bg>
+      <p:bgRef idx="1001">
+        <a:schemeClr val="bg1"/>
+      </p:bgRef>
+    </p:bg>
+    <p:spTree>
+      <p:nvGrpSpPr>
+        <p:cNvPr id="1" name=""/>
+        <p:cNvGrpSpPr/>
+        <p:nvPr/>
+      </p:nvGrpSpPr>
+      <p:grpSpPr>
+        <a:xfrm>
+          <a:off x="0" y="0"/>
+          <a:ext cx="0" cy="0"/>
+          <a:chOff x="0" y="0"/>
+          <a:chExt cx="0" cy="0"/>
+        </a:xfrm>
+      </p:grpSpPr>
+      <p:sp>
+        <p:nvSpPr>
+          <p:cNvPr id="2" name="ヘッダー プレースホルダー 1">
+            <a:extLst>
+              <a:ext uri="{FF2B5EF4-FFF2-40B4-BE49-F238E27FC236}">
+                <a16:creationId xmlns:a16="http://schemas.microsoft.com/office/drawing/2014/main" id="{014DF9B3-FD07-0D6C-915A-06BCEAA185A9}"/>
+              </a:ext>
+            </a:extLst>
+          </p:cNvPr>
+          <p:cNvSpPr>
+            <a:spLocks noGrp="1"/>
+          </p:cNvSpPr>
+          <p:nvPr>
+            <p:ph type="hdr" sz="quarter"/>
+          </p:nvPr>
+        </p:nvSpPr>
+        <p:spPr>
+          <a:xfrm>
+            <a:off x="0" y="1"/>
+            <a:ext cx="2971800" cy="458788"/>
+          </a:xfrm>
+          <a:prstGeom prst="rect">
+            <a:avLst/>
+          </a:prstGeom>
+        </p:spPr>
+        <p:txBody>
+          <a:bodyPr vert="horz" lIns="91440" tIns="45720" rIns="91440" bIns="45720" rtlCol="0"/>
+          <a:lstStyle>
+            <a:lvl1pPr algn="l">
+              <a:defRPr sz="1200"/>
+            </a:lvl1pPr>
+          </a:lstStyle>
+          <a:p>
+            <a:endParaRPr kumimoji="1" lang="ja-JP" altLang="en-US"/>
+          </a:p>
+        </p:txBody>
+      </p:sp>
+      <p:sp>
+        <p:nvSpPr>
+          <p:cNvPr id="3" name="日付プレースホルダー 2">
+            <a:extLst>
+              <a:ext uri="{FF2B5EF4-FFF2-40B4-BE49-F238E27FC236}">
+                <a16:creationId xmlns:a16="http://schemas.microsoft.com/office/drawing/2014/main" id="{8C6B2A99-8CCD-AFDD-08B4-91F87C51294A}"/>
+              </a:ext>
+            </a:extLst>
+          </p:cNvPr>
+          <p:cNvSpPr>
+            <a:spLocks noGrp="1"/>
+          </p:cNvSpPr>
+          <p:nvPr>
+            <p:ph type="dt" sz="quarter" idx="1"/>
+          </p:nvPr>
+        </p:nvSpPr>
+        <p:spPr>
+          <a:xfrm>
+            <a:off x="3884613" y="1"/>
+            <a:ext cx="2971800" cy="458788"/>
+          </a:xfrm>
+          <a:prstGeom prst="rect">
+            <a:avLst/>
+          </a:prstGeom>
+        </p:spPr>
+        <p:txBody>
+          <a:bodyPr vert="horz" lIns="91440" tIns="45720" rIns="91440" bIns="45720" rtlCol="0"/>
+          <a:lstStyle>
+            <a:lvl1pPr algn="r">
+              <a:defRPr sz="1200"/>
+            </a:lvl1pPr>
+          </a:lstStyle>
+          <a:p>
+            <a:fld id="{81E4BE4B-0CDA-4F8A-9D37-7848681EC69F}" type="datetimeFigureOut">
+              <a:rPr kumimoji="1" lang="ja-JP" altLang="en-US" smtClean="0"/>
+              <a:t>2022/7/28</a:t>
+            </a:fld>
+            <a:endParaRPr kumimoji="1" lang="ja-JP" altLang="en-US"/>
+          </a:p>
+        </p:txBody>
+      </p:sp>
+      <p:sp>
+        <p:nvSpPr>
+          <p:cNvPr id="4" name="フッター プレースホルダー 3">
+            <a:extLst>
+              <a:ext uri="{FF2B5EF4-FFF2-40B4-BE49-F238E27FC236}">
+                <a16:creationId xmlns:a16="http://schemas.microsoft.com/office/drawing/2014/main" id="{AF304C09-72B4-260F-E814-B8A25929F99B}"/>
+              </a:ext>
+            </a:extLst>
+          </p:cNvPr>
+          <p:cNvSpPr>
+            <a:spLocks noGrp="1"/>
+          </p:cNvSpPr>
+          <p:nvPr>
+            <p:ph type="ftr" sz="quarter" idx="2"/>
+          </p:nvPr>
+        </p:nvSpPr>
+        <p:spPr>
+          <a:xfrm>
+            <a:off x="0" y="8685213"/>
+            <a:ext cx="2971800" cy="458787"/>
+          </a:xfrm>
+          <a:prstGeom prst="rect">
+            <a:avLst/>
+          </a:prstGeom>
+        </p:spPr>
+        <p:txBody>
+          <a:bodyPr vert="horz" lIns="91440" tIns="45720" rIns="91440" bIns="45720" rtlCol="0" anchor="b"/>
+          <a:lstStyle>
+            <a:lvl1pPr algn="l">
+              <a:defRPr sz="1200"/>
+            </a:lvl1pPr>
+          </a:lstStyle>
+          <a:p>
+            <a:endParaRPr kumimoji="1" lang="ja-JP" altLang="en-US"/>
+          </a:p>
+        </p:txBody>
+      </p:sp>
+      <p:sp>
+        <p:nvSpPr>
+          <p:cNvPr id="5" name="スライド番号プレースホルダー 4">
+            <a:extLst>
+              <a:ext uri="{FF2B5EF4-FFF2-40B4-BE49-F238E27FC236}">
+                <a16:creationId xmlns:a16="http://schemas.microsoft.com/office/drawing/2014/main" id="{EE084B3B-5088-BD10-E064-88A27EF2421D}"/>
+              </a:ext>
+            </a:extLst>
+          </p:cNvPr>
+          <p:cNvSpPr>
+            <a:spLocks noGrp="1"/>
+          </p:cNvSpPr>
+          <p:nvPr>
+            <p:ph type="sldNum" sz="quarter" idx="3"/>
+          </p:nvPr>
+        </p:nvSpPr>
+        <p:spPr>
+          <a:xfrm>
+            <a:off x="3884613" y="8685213"/>
+            <a:ext cx="2971800" cy="458787"/>
+          </a:xfrm>
+          <a:prstGeom prst="rect">
+            <a:avLst/>
+          </a:prstGeom>
+        </p:spPr>
+        <p:txBody>
+          <a:bodyPr vert="horz" lIns="91440" tIns="45720" rIns="91440" bIns="45720" rtlCol="0" anchor="b"/>
+          <a:lstStyle>
+            <a:lvl1pPr algn="r">
+              <a:defRPr sz="1200"/>
+            </a:lvl1pPr>
+          </a:lstStyle>
+          <a:p>
+            <a:fld id="{BEBFE784-3348-40A0-B2B6-81B103D58E2E}" type="slidenum">
+              <a:rPr kumimoji="1" lang="ja-JP" altLang="en-US" smtClean="0"/>
+              <a:t>‹#›</a:t>
+            </a:fld>
+            <a:endParaRPr kumimoji="1" lang="ja-JP" altLang="en-US"/>
+          </a:p>
+        </p:txBody>
+      </p:sp>
+    </p:spTree>
+    <p:extLst>
+      <p:ext uri="{BB962C8B-B14F-4D97-AF65-F5344CB8AC3E}">
+        <p14:creationId xmlns:p14="http://schemas.microsoft.com/office/powerpoint/2010/main" val="1776528860"/>
+      </p:ext>
+    </p:extLst>
+  </p:cSld>
+  <p:clrMap bg1="lt1" tx1="dk1" bg2="lt2" tx2="dk2" accent1="accent1" accent2="accent2" accent3="accent3" accent4="accent4" accent5="accent5" accent6="accent6" hlink="hlink" folHlink="folHlink"/>
+</p:handoutMaster>
+</file>
+
+<file path=ppt/notesMasters/notesMaster1.xml><?xml version="1.0" encoding="utf-8"?>
+<p:notesMaster xmlns:a="http://schemas.openxmlformats.org/drawingml/2006/main" xmlns:r="http://schemas.openxmlformats.org/officeDocument/2006/relationships" xmlns:p="http://schemas.openxmlformats.org/presentationml/2006/main">
+  <p:cSld>
+    <p:bg>
+      <p:bgRef idx="1001">
+        <a:schemeClr val="bg1"/>
+      </p:bgRef>
+    </p:bg>
+    <p:spTree>
+      <p:nvGrpSpPr>
+        <p:cNvPr id="1" name=""/>
+        <p:cNvGrpSpPr/>
+        <p:nvPr/>
+      </p:nvGrpSpPr>
+      <p:grpSpPr>
+        <a:xfrm>
+          <a:off x="0" y="0"/>
+          <a:ext cx="0" cy="0"/>
+          <a:chOff x="0" y="0"/>
+          <a:chExt cx="0" cy="0"/>
+        </a:xfrm>
+      </p:grpSpPr>
+      <p:sp>
+        <p:nvSpPr>
+          <p:cNvPr id="2" name="ヘッダー プレースホルダー 1"/>
+          <p:cNvSpPr>
+            <a:spLocks noGrp="1"/>
+          </p:cNvSpPr>
+          <p:nvPr>
+            <p:ph type="hdr" sz="quarter"/>
+          </p:nvPr>
+        </p:nvSpPr>
+        <p:spPr>
+          <a:xfrm>
+            <a:off x="0" y="1"/>
+            <a:ext cx="2971800" cy="458788"/>
+          </a:xfrm>
+          <a:prstGeom prst="rect">
+            <a:avLst/>
+          </a:prstGeom>
+        </p:spPr>
+        <p:txBody>
+          <a:bodyPr vert="horz" lIns="91440" tIns="45720" rIns="91440" bIns="45720" rtlCol="0"/>
+          <a:lstStyle>
+            <a:lvl1pPr algn="l">
+              <a:defRPr sz="1200"/>
+            </a:lvl1pPr>
+          </a:lstStyle>
+          <a:p>
+            <a:endParaRPr kumimoji="1" lang="ja-JP" altLang="en-US"/>
+          </a:p>
+        </p:txBody>
+      </p:sp>
+      <p:sp>
+        <p:nvSpPr>
+          <p:cNvPr id="3" name="日付プレースホルダー 2"/>
+          <p:cNvSpPr>
+            <a:spLocks noGrp="1"/>
+          </p:cNvSpPr>
+          <p:nvPr>
+            <p:ph type="dt" idx="1"/>
+          </p:nvPr>
+        </p:nvSpPr>
+        <p:spPr>
+          <a:xfrm>
+            <a:off x="3884613" y="1"/>
+            <a:ext cx="2971800" cy="458788"/>
+          </a:xfrm>
+          <a:prstGeom prst="rect">
+            <a:avLst/>
+          </a:prstGeom>
+        </p:spPr>
+        <p:txBody>
+          <a:bodyPr vert="horz" lIns="91440" tIns="45720" rIns="91440" bIns="45720" rtlCol="0"/>
+          <a:lstStyle>
+            <a:lvl1pPr algn="r">
+              <a:defRPr sz="1200"/>
+            </a:lvl1pPr>
+          </a:lstStyle>
+          <a:p>
+            <a:fld id="{968D638C-E926-455B-B5D9-BF21C027B560}" type="datetimeFigureOut">
+              <a:rPr kumimoji="1" lang="ja-JP" altLang="en-US" smtClean="0"/>
+              <a:t>2022/7/28</a:t>
+            </a:fld>
+            <a:endParaRPr kumimoji="1" lang="ja-JP" altLang="en-US"/>
+          </a:p>
+        </p:txBody>
+      </p:sp>
+      <p:sp>
+        <p:nvSpPr>
+          <p:cNvPr id="4" name="スライド イメージ プレースホルダー 3"/>
+          <p:cNvSpPr>
+            <a:spLocks noGrp="1" noRot="1" noChangeAspect="1"/>
+          </p:cNvSpPr>
+          <p:nvPr>
+            <p:ph type="sldImg" idx="2"/>
+          </p:nvPr>
+        </p:nvSpPr>
+        <p:spPr>
+          <a:xfrm>
+            <a:off x="685800" y="1143000"/>
+            <a:ext cx="5486400" cy="3086100"/>
+          </a:xfrm>
+          <a:prstGeom prst="rect">
+            <a:avLst/>
+          </a:prstGeom>
+          <a:noFill/>
+          <a:ln w="12700">
+            <a:solidFill>
+              <a:prstClr val="black"/>
+            </a:solidFill>
+          </a:ln>
+        </p:spPr>
+        <p:txBody>
+          <a:bodyPr vert="horz" lIns="91440" tIns="45720" rIns="91440" bIns="45720" rtlCol="0" anchor="ctr"/>
+          <a:lstStyle/>
+          <a:p>
+            <a:endParaRPr lang="ja-JP" altLang="en-US"/>
+          </a:p>
+        </p:txBody>
+      </p:sp>
+      <p:sp>
+        <p:nvSpPr>
+          <p:cNvPr id="5" name="ノート プレースホルダー 4"/>
+          <p:cNvSpPr>
+            <a:spLocks noGrp="1"/>
+          </p:cNvSpPr>
+          <p:nvPr>
+            <p:ph type="body" sz="quarter" idx="3"/>
+          </p:nvPr>
+        </p:nvSpPr>
+        <p:spPr>
+          <a:xfrm>
+            <a:off x="685800" y="4400549"/>
+            <a:ext cx="5486400" cy="3600451"/>
+          </a:xfrm>
+          <a:prstGeom prst="rect">
+            <a:avLst/>
+          </a:prstGeom>
+        </p:spPr>
+        <p:txBody>
+          <a:bodyPr vert="horz" lIns="91440" tIns="45720" rIns="91440" bIns="45720" rtlCol="0"/>
+          <a:lstStyle/>
+          <a:p>
+            <a:pPr lvl="0"/>
+            <a:r>
+              <a:rPr kumimoji="1" lang="ja-JP" altLang="en-US"/>
+              <a:t>マスター テキストの書式設定</a:t>
+            </a:r>
+          </a:p>
+          <a:p>
+            <a:pPr lvl="1"/>
+            <a:r>
+              <a:rPr kumimoji="1" lang="ja-JP" altLang="en-US"/>
+              <a:t>第 </a:t>
+            </a:r>
+            <a:r>
+              <a:rPr kumimoji="1" lang="en-US" altLang="ja-JP"/>
+              <a:t>2 </a:t>
+            </a:r>
+            <a:r>
+              <a:rPr kumimoji="1" lang="ja-JP" altLang="en-US"/>
+              <a:t>レベル</a:t>
+            </a:r>
+          </a:p>
+          <a:p>
+            <a:pPr lvl="2"/>
+            <a:r>
+              <a:rPr kumimoji="1" lang="ja-JP" altLang="en-US"/>
+              <a:t>第 </a:t>
+            </a:r>
+            <a:r>
+              <a:rPr kumimoji="1" lang="en-US" altLang="ja-JP"/>
+              <a:t>3 </a:t>
+            </a:r>
+            <a:r>
+              <a:rPr kumimoji="1" lang="ja-JP" altLang="en-US"/>
+              <a:t>レベル</a:t>
+            </a:r>
+          </a:p>
+          <a:p>
+            <a:pPr lvl="3"/>
+            <a:r>
+              <a:rPr kumimoji="1" lang="ja-JP" altLang="en-US"/>
+              <a:t>第 </a:t>
+            </a:r>
+            <a:r>
+              <a:rPr kumimoji="1" lang="en-US" altLang="ja-JP"/>
+              <a:t>4 </a:t>
+            </a:r>
+            <a:r>
+              <a:rPr kumimoji="1" lang="ja-JP" altLang="en-US"/>
+              <a:t>レベル</a:t>
+            </a:r>
+          </a:p>
+          <a:p>
+            <a:pPr lvl="4"/>
+            <a:r>
+              <a:rPr kumimoji="1" lang="ja-JP" altLang="en-US"/>
+              <a:t>第 </a:t>
+            </a:r>
+            <a:r>
+              <a:rPr kumimoji="1" lang="en-US" altLang="ja-JP"/>
+              <a:t>5 </a:t>
+            </a:r>
+            <a:r>
+              <a:rPr kumimoji="1" lang="ja-JP" altLang="en-US"/>
+              <a:t>レベル</a:t>
+            </a:r>
+          </a:p>
+        </p:txBody>
+      </p:sp>
+      <p:sp>
+        <p:nvSpPr>
+          <p:cNvPr id="6" name="フッター プレースホルダー 5"/>
+          <p:cNvSpPr>
+            <a:spLocks noGrp="1"/>
+          </p:cNvSpPr>
+          <p:nvPr>
+            <p:ph type="ftr" sz="quarter" idx="4"/>
+          </p:nvPr>
+        </p:nvSpPr>
+        <p:spPr>
+          <a:xfrm>
+            <a:off x="0" y="8685213"/>
+            <a:ext cx="2971800" cy="458787"/>
+          </a:xfrm>
+          <a:prstGeom prst="rect">
+            <a:avLst/>
+          </a:prstGeom>
+        </p:spPr>
+        <p:txBody>
+          <a:bodyPr vert="horz" lIns="91440" tIns="45720" rIns="91440" bIns="45720" rtlCol="0" anchor="b"/>
+          <a:lstStyle>
+            <a:lvl1pPr algn="l">
+              <a:defRPr sz="1200"/>
+            </a:lvl1pPr>
+          </a:lstStyle>
+          <a:p>
+            <a:endParaRPr kumimoji="1" lang="ja-JP" altLang="en-US"/>
+          </a:p>
+        </p:txBody>
+      </p:sp>
+      <p:sp>
+        <p:nvSpPr>
+          <p:cNvPr id="7" name="スライド番号プレースホルダー 6"/>
+          <p:cNvSpPr>
+            <a:spLocks noGrp="1"/>
+          </p:cNvSpPr>
+          <p:nvPr>
+            <p:ph type="sldNum" sz="quarter" idx="5"/>
+          </p:nvPr>
+        </p:nvSpPr>
+        <p:spPr>
+          <a:xfrm>
+            <a:off x="3884613" y="8685213"/>
+            <a:ext cx="2971800" cy="458787"/>
+          </a:xfrm>
+          <a:prstGeom prst="rect">
+            <a:avLst/>
+          </a:prstGeom>
+        </p:spPr>
+        <p:txBody>
+          <a:bodyPr vert="horz" lIns="91440" tIns="45720" rIns="91440" bIns="45720" rtlCol="0" anchor="b"/>
+          <a:lstStyle>
+            <a:lvl1pPr algn="r">
+              <a:defRPr sz="1200"/>
+            </a:lvl1pPr>
+          </a:lstStyle>
+          <a:p>
+            <a:fld id="{5B5A6421-E438-4B52-B1F7-09EF55B90FD2}" type="slidenum">
+              <a:rPr kumimoji="1" lang="ja-JP" altLang="en-US" smtClean="0"/>
+              <a:t>‹#›</a:t>
+            </a:fld>
+            <a:endParaRPr kumimoji="1" lang="ja-JP" altLang="en-US"/>
+          </a:p>
+        </p:txBody>
+      </p:sp>
+    </p:spTree>
+    <p:extLst>
+      <p:ext uri="{BB962C8B-B14F-4D97-AF65-F5344CB8AC3E}">
+        <p14:creationId xmlns:p14="http://schemas.microsoft.com/office/powerpoint/2010/main" val="460573220"/>
+      </p:ext>
+    </p:extLst>
+  </p:cSld>
+  <p:clrMap bg1="lt1" tx1="dk1" bg2="lt2" tx2="dk2" accent1="accent1" accent2="accent2" accent3="accent3" accent4="accent4" accent5="accent5" accent6="accent6" hlink="hlink" folHlink="folHlink"/>
+  <p:notesStyle>
+    <a:lvl1pPr marL="0" algn="l" defTabSz="914400" rtl="0" eaLnBrk="1" latinLnBrk="0" hangingPunct="1">
+      <a:defRPr kumimoji="1" sz="1200" kern="1200">
+        <a:solidFill>
+          <a:schemeClr val="tx1"/>
+        </a:solidFill>
+        <a:latin typeface="+mn-lt"/>
+        <a:ea typeface="+mn-ea"/>
+        <a:cs typeface="+mn-cs"/>
+      </a:defRPr>
+    </a:lvl1pPr>
+    <a:lvl2pPr marL="457200" algn="l" defTabSz="914400" rtl="0" eaLnBrk="1" latinLnBrk="0" hangingPunct="1">
+      <a:defRPr kumimoji="1" sz="1200" kern="1200">
+        <a:solidFill>
+          <a:schemeClr val="tx1"/>
+        </a:solidFill>
+        <a:latin typeface="+mn-lt"/>
+        <a:ea typeface="+mn-ea"/>
+        <a:cs typeface="+mn-cs"/>
+      </a:defRPr>
+    </a:lvl2pPr>
+    <a:lvl3pPr marL="914400" algn="l" defTabSz="914400" rtl="0" eaLnBrk="1" latinLnBrk="0" hangingPunct="1">
+      <a:defRPr kumimoji="1" sz="1200" kern="1200">
+        <a:solidFill>
+          <a:schemeClr val="tx1"/>
+        </a:solidFill>
+        <a:latin typeface="+mn-lt"/>
+        <a:ea typeface="+mn-ea"/>
+        <a:cs typeface="+mn-cs"/>
+      </a:defRPr>
+    </a:lvl3pPr>
+    <a:lvl4pPr marL="1371600" algn="l" defTabSz="914400" rtl="0" eaLnBrk="1" latinLnBrk="0" hangingPunct="1">
+      <a:defRPr kumimoji="1" sz="1200" kern="1200">
+        <a:solidFill>
+          <a:schemeClr val="tx1"/>
+        </a:solidFill>
+        <a:latin typeface="+mn-lt"/>
+        <a:ea typeface="+mn-ea"/>
+        <a:cs typeface="+mn-cs"/>
+      </a:defRPr>
+    </a:lvl4pPr>
+    <a:lvl5pPr marL="1828800" algn="l" defTabSz="914400" rtl="0" eaLnBrk="1" latinLnBrk="0" hangingPunct="1">
+      <a:defRPr kumimoji="1" sz="1200" kern="1200">
+        <a:solidFill>
+          <a:schemeClr val="tx1"/>
+        </a:solidFill>
+        <a:latin typeface="+mn-lt"/>
+        <a:ea typeface="+mn-ea"/>
+        <a:cs typeface="+mn-cs"/>
+      </a:defRPr>
+    </a:lvl5pPr>
+    <a:lvl6pPr marL="2286000" algn="l" defTabSz="914400" rtl="0" eaLnBrk="1" latinLnBrk="0" hangingPunct="1">
+      <a:defRPr kumimoji="1" sz="1200" kern="1200">
+        <a:solidFill>
+          <a:schemeClr val="tx1"/>
+        </a:solidFill>
+        <a:latin typeface="+mn-lt"/>
+        <a:ea typeface="+mn-ea"/>
+        <a:cs typeface="+mn-cs"/>
+      </a:defRPr>
+    </a:lvl6pPr>
+    <a:lvl7pPr marL="2743200" algn="l" defTabSz="914400" rtl="0" eaLnBrk="1" latinLnBrk="0" hangingPunct="1">
+      <a:defRPr kumimoji="1" sz="1200" kern="1200">
+        <a:solidFill>
+          <a:schemeClr val="tx1"/>
+        </a:solidFill>
+        <a:latin typeface="+mn-lt"/>
+        <a:ea typeface="+mn-ea"/>
+        <a:cs typeface="+mn-cs"/>
+      </a:defRPr>
+    </a:lvl7pPr>
+    <a:lvl8pPr marL="3200400" algn="l" defTabSz="914400" rtl="0" eaLnBrk="1" latinLnBrk="0" hangingPunct="1">
+      <a:defRPr kumimoji="1" sz="1200" kern="1200">
+        <a:solidFill>
+          <a:schemeClr val="tx1"/>
+        </a:solidFill>
+        <a:latin typeface="+mn-lt"/>
+        <a:ea typeface="+mn-ea"/>
+        <a:cs typeface="+mn-cs"/>
+      </a:defRPr>
+    </a:lvl8pPr>
+    <a:lvl9pPr marL="3657600" algn="l" defTabSz="914400" rtl="0" eaLnBrk="1" latinLnBrk="0" hangingPunct="1">
+      <a:defRPr kumimoji="1" sz="1200" kern="1200">
+        <a:solidFill>
+          <a:schemeClr val="tx1"/>
+        </a:solidFill>
+        <a:latin typeface="+mn-lt"/>
+        <a:ea typeface="+mn-ea"/>
+        <a:cs typeface="+mn-cs"/>
+      </a:defRPr>
+    </a:lvl9pPr>
+  </p:notesStyle>
+</p:notesMaster>
+</file>
+
+<file path=ppt/notesSlides/notesSlide1.xml><?xml version="1.0" encoding="utf-8"?>
+<p:notes xmlns:a="http://schemas.openxmlformats.org/drawingml/2006/main" xmlns:r="http://schemas.openxmlformats.org/officeDocument/2006/relationships" xmlns:p="http://schemas.openxmlformats.org/presentationml/2006/main">
+  <p:cSld>
+    <p:spTree>
+      <p:nvGrpSpPr>
+        <p:cNvPr id="1" name=""/>
+        <p:cNvGrpSpPr/>
+        <p:nvPr/>
+      </p:nvGrpSpPr>
+      <p:grpSpPr>
+        <a:xfrm>
+          <a:off x="0" y="0"/>
+          <a:ext cx="0" cy="0"/>
+          <a:chOff x="0" y="0"/>
+          <a:chExt cx="0" cy="0"/>
+        </a:xfrm>
+      </p:grpSpPr>
+      <p:sp>
+        <p:nvSpPr>
+          <p:cNvPr id="2" name="スライド イメージ プレースホルダー 1"/>
+          <p:cNvSpPr>
+            <a:spLocks noGrp="1" noRot="1" noChangeAspect="1"/>
+          </p:cNvSpPr>
+          <p:nvPr>
+            <p:ph type="sldImg"/>
+          </p:nvPr>
+        </p:nvSpPr>
+        <p:spPr/>
+      </p:sp>
+      <p:sp>
+        <p:nvSpPr>
+          <p:cNvPr id="3" name="ノート プレースホルダー 2"/>
+          <p:cNvSpPr>
+            <a:spLocks noGrp="1"/>
+          </p:cNvSpPr>
+          <p:nvPr>
+            <p:ph type="body" idx="1"/>
+          </p:nvPr>
+        </p:nvSpPr>
+        <p:spPr/>
+        <p:txBody>
+          <a:bodyPr/>
+          <a:lstStyle/>
+          <a:p>
+            <a:endParaRPr kumimoji="1" lang="ja-JP" altLang="en-US" dirty="0"/>
+          </a:p>
+        </p:txBody>
+      </p:sp>
+      <p:sp>
+        <p:nvSpPr>
+          <p:cNvPr id="4" name="スライド番号プレースホルダー 3"/>
+          <p:cNvSpPr>
+            <a:spLocks noGrp="1"/>
+          </p:cNvSpPr>
+          <p:nvPr>
+            <p:ph type="sldNum" sz="quarter" idx="5"/>
+          </p:nvPr>
+        </p:nvSpPr>
+        <p:spPr/>
+        <p:txBody>
+          <a:bodyPr/>
+          <a:lstStyle/>
+          <a:p>
+            <a:fld id="{5B5A6421-E438-4B52-B1F7-09EF55B90FD2}" type="slidenum">
+              <a:rPr kumimoji="1" lang="ja-JP" altLang="en-US" smtClean="0"/>
+              <a:t>1</a:t>
+            </a:fld>
+            <a:endParaRPr kumimoji="1" lang="ja-JP" altLang="en-US"/>
+          </a:p>
+        </p:txBody>
+      </p:sp>
+    </p:spTree>
+    <p:extLst>
+      <p:ext uri="{BB962C8B-B14F-4D97-AF65-F5344CB8AC3E}">
+        <p14:creationId xmlns:p14="http://schemas.microsoft.com/office/powerpoint/2010/main" val="1625317883"/>
+      </p:ext>
+    </p:extLst>
+  </p:cSld>
+  <p:clrMapOvr>
+    <a:masterClrMapping/>
+  </p:clrMapOvr>
+</p:notes>
+</file>
+
+<file path=ppt/notesSlides/notesSlide2.xml><?xml version="1.0" encoding="utf-8"?>
+<p:notes xmlns:a="http://schemas.openxmlformats.org/drawingml/2006/main" xmlns:r="http://schemas.openxmlformats.org/officeDocument/2006/relationships" xmlns:p="http://schemas.openxmlformats.org/presentationml/2006/main">
+  <p:cSld>
+    <p:spTree>
+      <p:nvGrpSpPr>
+        <p:cNvPr id="1" name=""/>
+        <p:cNvGrpSpPr/>
+        <p:nvPr/>
+      </p:nvGrpSpPr>
+      <p:grpSpPr>
+        <a:xfrm>
+          <a:off x="0" y="0"/>
+          <a:ext cx="0" cy="0"/>
+          <a:chOff x="0" y="0"/>
+          <a:chExt cx="0" cy="0"/>
+        </a:xfrm>
+      </p:grpSpPr>
+      <p:sp>
+        <p:nvSpPr>
+          <p:cNvPr id="2" name="スライド イメージ プレースホルダー 1"/>
+          <p:cNvSpPr>
+            <a:spLocks noGrp="1" noRot="1" noChangeAspect="1"/>
+          </p:cNvSpPr>
+          <p:nvPr>
+            <p:ph type="sldImg"/>
+          </p:nvPr>
+        </p:nvSpPr>
+        <p:spPr/>
+      </p:sp>
+      <p:sp>
+        <p:nvSpPr>
+          <p:cNvPr id="3" name="ノート プレースホルダー 2"/>
+          <p:cNvSpPr>
+            <a:spLocks noGrp="1"/>
+          </p:cNvSpPr>
+          <p:nvPr>
+            <p:ph type="body" idx="1"/>
+          </p:nvPr>
+        </p:nvSpPr>
+        <p:spPr/>
+        <p:txBody>
+          <a:bodyPr/>
+          <a:lstStyle/>
+          <a:p>
+            <a:endParaRPr kumimoji="1" lang="ja-JP" altLang="en-US"/>
+          </a:p>
+        </p:txBody>
+      </p:sp>
+      <p:sp>
+        <p:nvSpPr>
+          <p:cNvPr id="4" name="スライド番号プレースホルダー 3"/>
+          <p:cNvSpPr>
+            <a:spLocks noGrp="1"/>
+          </p:cNvSpPr>
+          <p:nvPr>
+            <p:ph type="sldNum" sz="quarter" idx="5"/>
+          </p:nvPr>
+        </p:nvSpPr>
+        <p:spPr/>
+        <p:txBody>
+          <a:bodyPr/>
+          <a:lstStyle/>
+          <a:p>
+            <a:fld id="{5B5A6421-E438-4B52-B1F7-09EF55B90FD2}" type="slidenum">
+              <a:rPr kumimoji="1" lang="ja-JP" altLang="en-US" smtClean="0"/>
+              <a:t>2</a:t>
+            </a:fld>
+            <a:endParaRPr kumimoji="1" lang="ja-JP" altLang="en-US"/>
+          </a:p>
+        </p:txBody>
+      </p:sp>
+    </p:spTree>
+    <p:extLst>
+      <p:ext uri="{BB962C8B-B14F-4D97-AF65-F5344CB8AC3E}">
+        <p14:creationId xmlns:p14="http://schemas.microsoft.com/office/powerpoint/2010/main" val="3911204177"/>
+      </p:ext>
+    </p:extLst>
+  </p:cSld>
+  <p:clrMapOvr>
+    <a:masterClrMapping/>
+  </p:clrMapOvr>
+</p:notes>
+</file>
+
+<file path=ppt/notesSlides/notesSlide3.xml><?xml version="1.0" encoding="utf-8"?>
+<p:notes xmlns:a="http://schemas.openxmlformats.org/drawingml/2006/main" xmlns:r="http://schemas.openxmlformats.org/officeDocument/2006/relationships" xmlns:p="http://schemas.openxmlformats.org/presentationml/2006/main">
+  <p:cSld>
+    <p:spTree>
+      <p:nvGrpSpPr>
+        <p:cNvPr id="1" name=""/>
+        <p:cNvGrpSpPr/>
+        <p:nvPr/>
+      </p:nvGrpSpPr>
+      <p:grpSpPr>
+        <a:xfrm>
+          <a:off x="0" y="0"/>
+          <a:ext cx="0" cy="0"/>
+          <a:chOff x="0" y="0"/>
+          <a:chExt cx="0" cy="0"/>
+        </a:xfrm>
+      </p:grpSpPr>
+      <p:sp>
+        <p:nvSpPr>
+          <p:cNvPr id="2" name="スライド イメージ プレースホルダー 1"/>
+          <p:cNvSpPr>
+            <a:spLocks noGrp="1" noRot="1" noChangeAspect="1"/>
+          </p:cNvSpPr>
+          <p:nvPr>
+            <p:ph type="sldImg"/>
+          </p:nvPr>
+        </p:nvSpPr>
+        <p:spPr/>
+      </p:sp>
+      <p:sp>
+        <p:nvSpPr>
+          <p:cNvPr id="3" name="ノート プレースホルダー 2"/>
+          <p:cNvSpPr>
+            <a:spLocks noGrp="1"/>
+          </p:cNvSpPr>
+          <p:nvPr>
+            <p:ph type="body" idx="1"/>
+          </p:nvPr>
+        </p:nvSpPr>
+        <p:spPr/>
+        <p:txBody>
+          <a:bodyPr/>
+          <a:lstStyle/>
+          <a:p>
+            <a:endParaRPr kumimoji="1" lang="ja-JP" altLang="en-US"/>
+          </a:p>
+        </p:txBody>
+      </p:sp>
+      <p:sp>
+        <p:nvSpPr>
+          <p:cNvPr id="4" name="スライド番号プレースホルダー 3"/>
+          <p:cNvSpPr>
+            <a:spLocks noGrp="1"/>
+          </p:cNvSpPr>
+          <p:nvPr>
+            <p:ph type="sldNum" sz="quarter" idx="5"/>
+          </p:nvPr>
+        </p:nvSpPr>
+        <p:spPr/>
+        <p:txBody>
+          <a:bodyPr/>
+          <a:lstStyle/>
+          <a:p>
+            <a:fld id="{5B5A6421-E438-4B52-B1F7-09EF55B90FD2}" type="slidenum">
+              <a:rPr kumimoji="1" lang="ja-JP" altLang="en-US" smtClean="0"/>
+              <a:t>3</a:t>
+            </a:fld>
+            <a:endParaRPr kumimoji="1" lang="ja-JP" altLang="en-US"/>
+          </a:p>
+        </p:txBody>
+      </p:sp>
+    </p:spTree>
+    <p:extLst>
+      <p:ext uri="{BB962C8B-B14F-4D97-AF65-F5344CB8AC3E}">
+        <p14:creationId xmlns:p14="http://schemas.microsoft.com/office/powerpoint/2010/main" val="721662843"/>
+      </p:ext>
+    </p:extLst>
+  </p:cSld>
+  <p:clrMapOvr>
+    <a:masterClrMapping/>
+  </p:clrMapOvr>
+</p:notes>
+</file>
+
+<file path=ppt/notesSlides/notesSlide4.xml><?xml version="1.0" encoding="utf-8"?>
+<p:notes xmlns:a="http://schemas.openxmlformats.org/drawingml/2006/main" xmlns:r="http://schemas.openxmlformats.org/officeDocument/2006/relationships" xmlns:p="http://schemas.openxmlformats.org/presentationml/2006/main">
+  <p:cSld>
+    <p:spTree>
+      <p:nvGrpSpPr>
+        <p:cNvPr id="1" name=""/>
+        <p:cNvGrpSpPr/>
+        <p:nvPr/>
+      </p:nvGrpSpPr>
+      <p:grpSpPr>
+        <a:xfrm>
+          <a:off x="0" y="0"/>
+          <a:ext cx="0" cy="0"/>
+          <a:chOff x="0" y="0"/>
+          <a:chExt cx="0" cy="0"/>
+        </a:xfrm>
+      </p:grpSpPr>
+      <p:sp>
+        <p:nvSpPr>
+          <p:cNvPr id="2" name="スライド イメージ プレースホルダー 1"/>
+          <p:cNvSpPr>
+            <a:spLocks noGrp="1" noRot="1" noChangeAspect="1"/>
+          </p:cNvSpPr>
+          <p:nvPr>
+            <p:ph type="sldImg"/>
+          </p:nvPr>
+        </p:nvSpPr>
+        <p:spPr/>
+      </p:sp>
+      <p:sp>
+        <p:nvSpPr>
+          <p:cNvPr id="3" name="ノート プレースホルダー 2"/>
+          <p:cNvSpPr>
+            <a:spLocks noGrp="1"/>
+          </p:cNvSpPr>
+          <p:nvPr>
+            <p:ph type="body" idx="1"/>
+          </p:nvPr>
+        </p:nvSpPr>
+        <p:spPr/>
+        <p:txBody>
+          <a:bodyPr/>
+          <a:lstStyle/>
+          <a:p>
+            <a:endParaRPr kumimoji="1" lang="ja-JP" altLang="en-US"/>
+          </a:p>
+        </p:txBody>
+      </p:sp>
+      <p:sp>
+        <p:nvSpPr>
+          <p:cNvPr id="4" name="スライド番号プレースホルダー 3"/>
+          <p:cNvSpPr>
+            <a:spLocks noGrp="1"/>
+          </p:cNvSpPr>
+          <p:nvPr>
+            <p:ph type="sldNum" sz="quarter" idx="5"/>
+          </p:nvPr>
+        </p:nvSpPr>
+        <p:spPr/>
+        <p:txBody>
+          <a:bodyPr/>
+          <a:lstStyle/>
+          <a:p>
+            <a:fld id="{5B5A6421-E438-4B52-B1F7-09EF55B90FD2}" type="slidenum">
+              <a:rPr kumimoji="1" lang="ja-JP" altLang="en-US" smtClean="0"/>
+              <a:t>4</a:t>
+            </a:fld>
+            <a:endParaRPr kumimoji="1" lang="ja-JP" altLang="en-US"/>
+          </a:p>
+        </p:txBody>
+      </p:sp>
+    </p:spTree>
+    <p:extLst>
+      <p:ext uri="{BB962C8B-B14F-4D97-AF65-F5344CB8AC3E}">
+        <p14:creationId xmlns:p14="http://schemas.microsoft.com/office/powerpoint/2010/main" val="2152638855"/>
+      </p:ext>
+    </p:extLst>
+  </p:cSld>
+  <p:clrMapOvr>
+    <a:masterClrMapping/>
+  </p:clrMapOvr>
+</p:notes>
+</file>
+
+<file path=ppt/notesSlides/notesSlide5.xml><?xml version="1.0" encoding="utf-8"?>
+<p:notes xmlns:a="http://schemas.openxmlformats.org/drawingml/2006/main" xmlns:r="http://schemas.openxmlformats.org/officeDocument/2006/relationships" xmlns:p="http://schemas.openxmlformats.org/presentationml/2006/main">
+  <p:cSld>
+    <p:spTree>
+      <p:nvGrpSpPr>
+        <p:cNvPr id="1" name=""/>
+        <p:cNvGrpSpPr/>
+        <p:nvPr/>
+      </p:nvGrpSpPr>
+      <p:grpSpPr>
+        <a:xfrm>
+          <a:off x="0" y="0"/>
+          <a:ext cx="0" cy="0"/>
+          <a:chOff x="0" y="0"/>
+          <a:chExt cx="0" cy="0"/>
+        </a:xfrm>
+      </p:grpSpPr>
+      <p:sp>
+        <p:nvSpPr>
+          <p:cNvPr id="2" name="スライド イメージ プレースホルダー 1"/>
+          <p:cNvSpPr>
+            <a:spLocks noGrp="1" noRot="1" noChangeAspect="1"/>
+          </p:cNvSpPr>
+          <p:nvPr>
+            <p:ph type="sldImg"/>
+          </p:nvPr>
+        </p:nvSpPr>
+        <p:spPr/>
+      </p:sp>
+      <p:sp>
+        <p:nvSpPr>
+          <p:cNvPr id="3" name="ノート プレースホルダー 2"/>
+          <p:cNvSpPr>
+            <a:spLocks noGrp="1"/>
+          </p:cNvSpPr>
+          <p:nvPr>
+            <p:ph type="body" idx="1"/>
+          </p:nvPr>
+        </p:nvSpPr>
+        <p:spPr/>
+        <p:txBody>
+          <a:bodyPr/>
+          <a:lstStyle/>
+          <a:p>
+            <a:endParaRPr kumimoji="1" lang="ja-JP" altLang="en-US"/>
+          </a:p>
+        </p:txBody>
+      </p:sp>
+      <p:sp>
+        <p:nvSpPr>
+          <p:cNvPr id="4" name="スライド番号プレースホルダー 3"/>
+          <p:cNvSpPr>
+            <a:spLocks noGrp="1"/>
+          </p:cNvSpPr>
+          <p:nvPr>
+            <p:ph type="sldNum" sz="quarter" idx="5"/>
+          </p:nvPr>
+        </p:nvSpPr>
+        <p:spPr/>
+        <p:txBody>
+          <a:bodyPr/>
+          <a:lstStyle/>
+          <a:p>
+            <a:fld id="{5B5A6421-E438-4B52-B1F7-09EF55B90FD2}" type="slidenum">
+              <a:rPr kumimoji="1" lang="ja-JP" altLang="en-US" smtClean="0"/>
+              <a:t>5</a:t>
+            </a:fld>
+            <a:endParaRPr kumimoji="1" lang="ja-JP" altLang="en-US"/>
+          </a:p>
+        </p:txBody>
+      </p:sp>
+    </p:spTree>
+    <p:extLst>
+      <p:ext uri="{BB962C8B-B14F-4D97-AF65-F5344CB8AC3E}">
+        <p14:creationId xmlns:p14="http://schemas.microsoft.com/office/powerpoint/2010/main" val="2289812372"/>
+      </p:ext>
+    </p:extLst>
+  </p:cSld>
+  <p:clrMapOvr>
+    <a:masterClrMapping/>
+  </p:clrMapOvr>
+</p:notes>
+</file>
+
+<file path=ppt/notesSlides/notesSlide6.xml><?xml version="1.0" encoding="utf-8"?>
+<p:notes xmlns:a="http://schemas.openxmlformats.org/drawingml/2006/main" xmlns:r="http://schemas.openxmlformats.org/officeDocument/2006/relationships" xmlns:p="http://schemas.openxmlformats.org/presentationml/2006/main">
+  <p:cSld>
+    <p:spTree>
+      <p:nvGrpSpPr>
+        <p:cNvPr id="1" name=""/>
+        <p:cNvGrpSpPr/>
+        <p:nvPr/>
+      </p:nvGrpSpPr>
+      <p:grpSpPr>
+        <a:xfrm>
+          <a:off x="0" y="0"/>
+          <a:ext cx="0" cy="0"/>
+          <a:chOff x="0" y="0"/>
+          <a:chExt cx="0" cy="0"/>
+        </a:xfrm>
+      </p:grpSpPr>
+      <p:sp>
+        <p:nvSpPr>
+          <p:cNvPr id="2" name="スライド イメージ プレースホルダー 1"/>
+          <p:cNvSpPr>
+            <a:spLocks noGrp="1" noRot="1" noChangeAspect="1"/>
+          </p:cNvSpPr>
+          <p:nvPr>
+            <p:ph type="sldImg"/>
+          </p:nvPr>
+        </p:nvSpPr>
+        <p:spPr/>
+      </p:sp>
+      <p:sp>
+        <p:nvSpPr>
+          <p:cNvPr id="3" name="ノート プレースホルダー 2"/>
+          <p:cNvSpPr>
+            <a:spLocks noGrp="1"/>
+          </p:cNvSpPr>
+          <p:nvPr>
+            <p:ph type="body" idx="1"/>
+          </p:nvPr>
+        </p:nvSpPr>
+        <p:spPr/>
+        <p:txBody>
+          <a:bodyPr/>
+          <a:lstStyle/>
+          <a:p>
+            <a:endParaRPr kumimoji="1" lang="ja-JP" altLang="en-US"/>
+          </a:p>
+        </p:txBody>
+      </p:sp>
+      <p:sp>
+        <p:nvSpPr>
+          <p:cNvPr id="4" name="スライド番号プレースホルダー 3"/>
+          <p:cNvSpPr>
+            <a:spLocks noGrp="1"/>
+          </p:cNvSpPr>
+          <p:nvPr>
+            <p:ph type="sldNum" sz="quarter" idx="5"/>
+          </p:nvPr>
+        </p:nvSpPr>
+        <p:spPr/>
+        <p:txBody>
+          <a:bodyPr/>
+          <a:lstStyle/>
+          <a:p>
+            <a:fld id="{5B5A6421-E438-4B52-B1F7-09EF55B90FD2}" type="slidenum">
+              <a:rPr kumimoji="1" lang="ja-JP" altLang="en-US" smtClean="0"/>
+              <a:t>6</a:t>
+            </a:fld>
+            <a:endParaRPr kumimoji="1" lang="ja-JP" altLang="en-US"/>
+          </a:p>
+        </p:txBody>
+      </p:sp>
+    </p:spTree>
+    <p:extLst>
+      <p:ext uri="{BB962C8B-B14F-4D97-AF65-F5344CB8AC3E}">
+        <p14:creationId xmlns:p14="http://schemas.microsoft.com/office/powerpoint/2010/main" val="1581767889"/>
+      </p:ext>
+    </p:extLst>
+  </p:cSld>
+  <p:clrMapOvr>
+    <a:masterClrMapping/>
+  </p:clrMapOvr>
+</p:notes>
+</file>
+
+<file path=ppt/notesSlides/notesSlide7.xml><?xml version="1.0" encoding="utf-8"?>
+<p:notes xmlns:a="http://schemas.openxmlformats.org/drawingml/2006/main" xmlns:r="http://schemas.openxmlformats.org/officeDocument/2006/relationships" xmlns:p="http://schemas.openxmlformats.org/presentationml/2006/main">
+  <p:cSld>
+    <p:spTree>
+      <p:nvGrpSpPr>
+        <p:cNvPr id="1" name=""/>
+        <p:cNvGrpSpPr/>
+        <p:nvPr/>
+      </p:nvGrpSpPr>
+      <p:grpSpPr>
+        <a:xfrm>
+          <a:off x="0" y="0"/>
+          <a:ext cx="0" cy="0"/>
+          <a:chOff x="0" y="0"/>
+          <a:chExt cx="0" cy="0"/>
+        </a:xfrm>
+      </p:grpSpPr>
+      <p:sp>
+        <p:nvSpPr>
+          <p:cNvPr id="2" name="スライド イメージ プレースホルダー 1"/>
+          <p:cNvSpPr>
+            <a:spLocks noGrp="1" noRot="1" noChangeAspect="1"/>
+          </p:cNvSpPr>
+          <p:nvPr>
+            <p:ph type="sldImg"/>
+          </p:nvPr>
+        </p:nvSpPr>
+        <p:spPr/>
+      </p:sp>
+      <p:sp>
+        <p:nvSpPr>
+          <p:cNvPr id="3" name="ノート プレースホルダー 2"/>
+          <p:cNvSpPr>
+            <a:spLocks noGrp="1"/>
+          </p:cNvSpPr>
+          <p:nvPr>
+            <p:ph type="body" idx="1"/>
+          </p:nvPr>
+        </p:nvSpPr>
+        <p:spPr/>
+        <p:txBody>
+          <a:bodyPr/>
+          <a:lstStyle/>
+          <a:p>
+            <a:endParaRPr kumimoji="1" lang="en-US" altLang="ja-JP" dirty="0"/>
+          </a:p>
+          <a:p>
+            <a:endParaRPr kumimoji="1" lang="ja-JP" altLang="en-US" dirty="0"/>
+          </a:p>
+        </p:txBody>
+      </p:sp>
+      <p:sp>
+        <p:nvSpPr>
+          <p:cNvPr id="4" name="スライド番号プレースホルダー 3"/>
+          <p:cNvSpPr>
+            <a:spLocks noGrp="1"/>
+          </p:cNvSpPr>
+          <p:nvPr>
+            <p:ph type="sldNum" sz="quarter" idx="5"/>
+          </p:nvPr>
+        </p:nvSpPr>
+        <p:spPr/>
+        <p:txBody>
+          <a:bodyPr/>
+          <a:lstStyle/>
+          <a:p>
+            <a:fld id="{5B5A6421-E438-4B52-B1F7-09EF55B90FD2}" type="slidenum">
+              <a:rPr kumimoji="1" lang="ja-JP" altLang="en-US" smtClean="0"/>
+              <a:t>7</a:t>
+            </a:fld>
+            <a:endParaRPr kumimoji="1" lang="ja-JP" altLang="en-US"/>
+          </a:p>
+        </p:txBody>
+      </p:sp>
+    </p:spTree>
+    <p:extLst>
+      <p:ext uri="{BB962C8B-B14F-4D97-AF65-F5344CB8AC3E}">
+        <p14:creationId xmlns:p14="http://schemas.microsoft.com/office/powerpoint/2010/main" val="105190171"/>
+      </p:ext>
+    </p:extLst>
+  </p:cSld>
+  <p:clrMapOvr>
+    <a:masterClrMapping/>
+  </p:clrMapOvr>
+</p:notes>
 </file>
 
 <file path=ppt/slideLayouts/slideLayout1.xml><?xml version="1.0" encoding="utf-8"?>
@@ -10855,8 +12049,8 @@
         </p:nvSpPr>
         <p:spPr>
           <a:xfrm>
-            <a:off x="1813228" y="2868539"/>
-            <a:ext cx="9579428" cy="3140790"/>
+            <a:off x="3879772" y="3121543"/>
+            <a:ext cx="6681548" cy="2419200"/>
           </a:xfrm>
         </p:spPr>
         <p:txBody>
@@ -10865,52 +12059,138 @@
           <a:p>
             <a:pPr>
               <a:lnSpc>
-                <a:spcPct val="130000"/>
+                <a:spcPct val="150000"/>
               </a:lnSpc>
             </a:pPr>
             <a:r>
-              <a:rPr kumimoji="1" lang="ja-JP" altLang="en-US" sz="4400" dirty="0"/>
-              <a:t>ゲームのログインボーナスから着想</a:t>
+              <a:rPr lang="ja-JP" altLang="en-US" sz="4400" dirty="0"/>
+              <a:t>スマホゲームが好き</a:t>
             </a:r>
             <a:endParaRPr kumimoji="1" lang="en-US" altLang="ja-JP" sz="4400" dirty="0"/>
           </a:p>
           <a:p>
-            <a:pPr marL="608400" indent="0">
-              <a:lnSpc>
-                <a:spcPct val="130000"/>
-              </a:lnSpc>
-              <a:buNone/>
-            </a:pPr>
-            <a:r>
-              <a:rPr lang="ja-JP" altLang="en-US" sz="2800" dirty="0"/>
-              <a:t>スマホゲームが好き</a:t>
-            </a:r>
-            <a:endParaRPr kumimoji="1" lang="en-US" altLang="ja-JP" sz="2800" dirty="0"/>
-          </a:p>
-          <a:p>
             <a:pPr>
               <a:lnSpc>
-                <a:spcPct val="130000"/>
+                <a:spcPct val="150000"/>
               </a:lnSpc>
             </a:pPr>
             <a:r>
               <a:rPr lang="ja-JP" altLang="en-US" sz="4400" dirty="0"/>
+              <a:t>仕事に行く嫌い</a:t>
+            </a:r>
+            <a:endParaRPr lang="en-US" altLang="ja-JP" sz="2800" dirty="0"/>
+          </a:p>
+        </p:txBody>
+      </p:sp>
+      <p:sp>
+        <p:nvSpPr>
+          <p:cNvPr id="4" name="テキスト ボックス 3">
+            <a:extLst>
+              <a:ext uri="{FF2B5EF4-FFF2-40B4-BE49-F238E27FC236}">
+                <a16:creationId xmlns:a16="http://schemas.microsoft.com/office/drawing/2014/main" id="{09B609F1-68E5-C26C-817B-1836CB291CE3}"/>
+              </a:ext>
+            </a:extLst>
+          </p:cNvPr>
+          <p:cNvSpPr txBox="1"/>
+          <p:nvPr/>
+        </p:nvSpPr>
+        <p:spPr>
+          <a:xfrm>
+            <a:off x="4402800" y="2971469"/>
+            <a:ext cx="6864290" cy="2756669"/>
+          </a:xfrm>
+          <a:prstGeom prst="rect">
+            <a:avLst/>
+          </a:prstGeom>
+          <a:noFill/>
+        </p:spPr>
+        <p:txBody>
+          <a:bodyPr wrap="none" tIns="46800" bIns="0" rtlCol="0">
+            <a:normAutofit/>
+          </a:bodyPr>
+          <a:lstStyle/>
+          <a:p>
+            <a:r>
+              <a:rPr kumimoji="1" lang="ja-JP" altLang="en-US" sz="4400" dirty="0">
+                <a:latin typeface="Chivo"/>
+              </a:rPr>
+              <a:t>出勤時にログインボーナス</a:t>
+            </a:r>
+            <a:endParaRPr kumimoji="1" lang="en-US" altLang="ja-JP" sz="4400" dirty="0">
+              <a:latin typeface="Chivo"/>
+            </a:endParaRPr>
+          </a:p>
+          <a:p>
+            <a:endParaRPr kumimoji="1" lang="en-US" altLang="ja-JP" sz="4400" dirty="0">
+              <a:latin typeface="Chivo"/>
+            </a:endParaRPr>
+          </a:p>
+          <a:p>
+            <a:endParaRPr kumimoji="1" lang="en-US" altLang="ja-JP" sz="4400" dirty="0">
+              <a:latin typeface="Chivo"/>
+            </a:endParaRPr>
+          </a:p>
+          <a:p>
+            <a:r>
+              <a:rPr kumimoji="1" lang="ja-JP" altLang="en-US" sz="4400" spc="420" dirty="0">
+                <a:latin typeface="Chivo"/>
+              </a:rPr>
               <a:t>仕事に行くのが楽しみに</a:t>
             </a:r>
-            <a:endParaRPr lang="en-US" altLang="ja-JP" sz="4400" dirty="0"/>
+            <a:endParaRPr kumimoji="1" lang="en-US" altLang="ja-JP" sz="4400" spc="420" dirty="0">
+              <a:latin typeface="Chivo"/>
+            </a:endParaRPr>
           </a:p>
           <a:p>
-            <a:pPr marL="608400" indent="0">
-              <a:lnSpc>
-                <a:spcPct val="130000"/>
-              </a:lnSpc>
-              <a:buNone/>
-            </a:pPr>
-            <a:r>
-              <a:rPr lang="ja-JP" altLang="en-US" sz="2800" dirty="0"/>
-              <a:t>仕事に行くのが嫌い</a:t>
-            </a:r>
-            <a:endParaRPr lang="en-US" altLang="ja-JP" sz="2800" dirty="0"/>
+            <a:endParaRPr kumimoji="1" lang="ja-JP" altLang="en-US" dirty="0">
+              <a:latin typeface="Chivo"/>
+            </a:endParaRPr>
+          </a:p>
+        </p:txBody>
+      </p:sp>
+      <p:sp>
+        <p:nvSpPr>
+          <p:cNvPr id="6" name="矢印: 下 5">
+            <a:extLst>
+              <a:ext uri="{FF2B5EF4-FFF2-40B4-BE49-F238E27FC236}">
+                <a16:creationId xmlns:a16="http://schemas.microsoft.com/office/drawing/2014/main" id="{26EE19C0-5F9F-7D9E-BAA1-0B077641D589}"/>
+              </a:ext>
+            </a:extLst>
+          </p:cNvPr>
+          <p:cNvSpPr/>
+          <p:nvPr/>
+        </p:nvSpPr>
+        <p:spPr>
+          <a:xfrm>
+            <a:off x="7533418" y="3934461"/>
+            <a:ext cx="596348" cy="874644"/>
+          </a:xfrm>
+          <a:prstGeom prst="downArrow">
+            <a:avLst/>
+          </a:prstGeom>
+        </p:spPr>
+        <p:style>
+          <a:lnRef idx="2">
+            <a:schemeClr val="accent1">
+              <a:shade val="50000"/>
+            </a:schemeClr>
+          </a:lnRef>
+          <a:fillRef idx="1">
+            <a:schemeClr val="accent1"/>
+          </a:fillRef>
+          <a:effectRef idx="0">
+            <a:schemeClr val="accent1"/>
+          </a:effectRef>
+          <a:fontRef idx="minor">
+            <a:schemeClr val="lt1"/>
+          </a:fontRef>
+        </p:style>
+        <p:txBody>
+          <a:bodyPr rtlCol="0" anchor="ctr"/>
+          <a:lstStyle/>
+          <a:p>
+            <a:pPr algn="ctr"/>
+            <a:endParaRPr kumimoji="1" lang="ja-JP" altLang="en-US"/>
           </a:p>
         </p:txBody>
       </p:sp>
@@ -10924,6 +12204,9 @@
   <p:clrMapOvr>
     <a:masterClrMapping/>
   </p:clrMapOvr>
+  <p:transition spd="med">
+    <p:pull dir="u"/>
+  </p:transition>
   <p:timing>
     <p:tnLst>
       <p:par>
@@ -10987,15 +12270,33 @@
                                   </p:childTnLst>
                                 </p:cTn>
                               </p:par>
+                            </p:childTnLst>
+                          </p:cTn>
+                        </p:par>
+                      </p:childTnLst>
+                    </p:cTn>
+                  </p:par>
+                  <p:par>
+                    <p:cTn id="8" fill="hold">
+                      <p:stCondLst>
+                        <p:cond delay="indefinite"/>
+                      </p:stCondLst>
+                      <p:childTnLst>
+                        <p:par>
+                          <p:cTn id="9" fill="hold">
+                            <p:stCondLst>
+                              <p:cond delay="0"/>
+                            </p:stCondLst>
+                            <p:childTnLst>
                               <p:par>
-                                <p:cTn id="8" presetID="10" presetClass="entr" presetSubtype="0" fill="hold" nodeType="withEffect">
+                                <p:cTn id="10" presetID="10" presetClass="entr" presetSubtype="0" fill="hold" nodeType="clickEffect">
                                   <p:stCondLst>
                                     <p:cond delay="0"/>
                                   </p:stCondLst>
                                   <p:childTnLst>
                                     <p:set>
                                       <p:cBhvr>
-                                        <p:cTn id="9" dur="1" fill="hold">
+                                        <p:cTn id="11" dur="1" fill="hold">
                                           <p:stCondLst>
                                             <p:cond delay="0"/>
                                           </p:stCondLst>
@@ -11017,7 +12318,7 @@
                                     </p:set>
                                     <p:animEffect transition="in" filter="fade">
                                       <p:cBhvr>
-                                        <p:cTn id="10" dur="1000"/>
+                                        <p:cTn id="12" dur="1000"/>
                                         <p:tgtEl>
                                           <p:spTgt spid="3">
                                             <p:txEl>
@@ -11037,34 +12338,132 @@
                     </p:cTn>
                   </p:par>
                   <p:par>
-                    <p:cTn id="11" fill="hold">
+                    <p:cTn id="13" fill="hold">
                       <p:stCondLst>
                         <p:cond delay="indefinite"/>
                       </p:stCondLst>
                       <p:childTnLst>
                         <p:par>
-                          <p:cTn id="12" fill="hold">
+                          <p:cTn id="14" fill="hold">
                             <p:stCondLst>
                               <p:cond delay="0"/>
                             </p:stCondLst>
                             <p:childTnLst>
                               <p:par>
-                                <p:cTn id="13" presetID="10" presetClass="entr" presetSubtype="0" fill="hold" nodeType="clickEffect">
+                                <p:cTn id="15" presetID="10" presetClass="exit" presetSubtype="0" fill="hold" grpId="0" nodeType="clickEffect">
                                   <p:stCondLst>
                                     <p:cond delay="0"/>
                                   </p:stCondLst>
                                   <p:childTnLst>
+                                    <p:animEffect transition="out" filter="fade">
+                                      <p:cBhvr>
+                                        <p:cTn id="16" dur="500"/>
+                                        <p:tgtEl>
+                                          <p:spTgt spid="3">
+                                            <p:txEl>
+                                              <p:pRg st="0" end="0"/>
+                                            </p:txEl>
+                                          </p:spTgt>
+                                        </p:tgtEl>
+                                      </p:cBhvr>
+                                    </p:animEffect>
                                     <p:set>
                                       <p:cBhvr>
-                                        <p:cTn id="14" dur="1" fill="hold">
+                                        <p:cTn id="17" dur="1" fill="hold">
+                                          <p:stCondLst>
+                                            <p:cond delay="499"/>
+                                          </p:stCondLst>
+                                        </p:cTn>
+                                        <p:tgtEl>
+                                          <p:spTgt spid="3">
+                                            <p:txEl>
+                                              <p:pRg st="0" end="0"/>
+                                            </p:txEl>
+                                          </p:spTgt>
+                                        </p:tgtEl>
+                                        <p:attrNameLst>
+                                          <p:attrName>style.visibility</p:attrName>
+                                        </p:attrNameLst>
+                                      </p:cBhvr>
+                                      <p:to>
+                                        <p:strVal val="hidden"/>
+                                      </p:to>
+                                    </p:set>
+                                  </p:childTnLst>
+                                </p:cTn>
+                              </p:par>
+                              <p:par>
+                                <p:cTn id="18" presetID="10" presetClass="exit" presetSubtype="0" fill="hold" grpId="0" nodeType="withEffect">
+                                  <p:stCondLst>
+                                    <p:cond delay="0"/>
+                                  </p:stCondLst>
+                                  <p:childTnLst>
+                                    <p:animEffect transition="out" filter="fade">
+                                      <p:cBhvr>
+                                        <p:cTn id="19" dur="500"/>
+                                        <p:tgtEl>
+                                          <p:spTgt spid="3">
+                                            <p:txEl>
+                                              <p:pRg st="1" end="1"/>
+                                            </p:txEl>
+                                          </p:spTgt>
+                                        </p:tgtEl>
+                                      </p:cBhvr>
+                                    </p:animEffect>
+                                    <p:set>
+                                      <p:cBhvr>
+                                        <p:cTn id="20" dur="1" fill="hold">
+                                          <p:stCondLst>
+                                            <p:cond delay="499"/>
+                                          </p:stCondLst>
+                                        </p:cTn>
+                                        <p:tgtEl>
+                                          <p:spTgt spid="3">
+                                            <p:txEl>
+                                              <p:pRg st="1" end="1"/>
+                                            </p:txEl>
+                                          </p:spTgt>
+                                        </p:tgtEl>
+                                        <p:attrNameLst>
+                                          <p:attrName>style.visibility</p:attrName>
+                                        </p:attrNameLst>
+                                      </p:cBhvr>
+                                      <p:to>
+                                        <p:strVal val="hidden"/>
+                                      </p:to>
+                                    </p:set>
+                                  </p:childTnLst>
+                                </p:cTn>
+                              </p:par>
+                            </p:childTnLst>
+                          </p:cTn>
+                        </p:par>
+                        <p:par>
+                          <p:cTn id="21" fill="hold">
+                            <p:stCondLst>
+                              <p:cond delay="500"/>
+                            </p:stCondLst>
+                            <p:childTnLst>
+                              <p:par>
+                                <p:cTn id="22" presetID="47" presetClass="entr" presetSubtype="0" fill="hold" nodeType="afterEffect">
+                                  <p:stCondLst>
+                                    <p:cond delay="0"/>
+                                  </p:stCondLst>
+                                  <p:iterate type="lt">
+                                    <p:tmPct val="0"/>
+                                  </p:iterate>
+                                  <p:childTnLst>
+                                    <p:set>
+                                      <p:cBhvr>
+                                        <p:cTn id="23" dur="1" fill="hold">
                                           <p:stCondLst>
                                             <p:cond delay="0"/>
                                           </p:stCondLst>
                                         </p:cTn>
                                         <p:tgtEl>
-                                          <p:spTgt spid="3">
+                                          <p:spTgt spid="4">
                                             <p:txEl>
-                                              <p:pRg st="2" end="2"/>
+                                              <p:pRg st="0" end="0"/>
                                             </p:txEl>
                                           </p:spTgt>
                                         </p:tgtEl>
@@ -11078,34 +12477,190 @@
                                     </p:set>
                                     <p:animEffect transition="in" filter="fade">
                                       <p:cBhvr>
-                                        <p:cTn id="15" dur="1000"/>
+                                        <p:cTn id="24" dur="500"/>
                                         <p:tgtEl>
-                                          <p:spTgt spid="3">
+                                          <p:spTgt spid="4">
                                             <p:txEl>
-                                              <p:pRg st="2" end="2"/>
+                                              <p:pRg st="0" end="0"/>
                                             </p:txEl>
                                           </p:spTgt>
                                         </p:tgtEl>
                                       </p:cBhvr>
                                     </p:animEffect>
+                                    <p:anim calcmode="lin" valueType="num">
+                                      <p:cBhvr>
+                                        <p:cTn id="25" dur="500" fill="hold"/>
+                                        <p:tgtEl>
+                                          <p:spTgt spid="4">
+                                            <p:txEl>
+                                              <p:pRg st="0" end="0"/>
+                                            </p:txEl>
+                                          </p:spTgt>
+                                        </p:tgtEl>
+                                        <p:attrNameLst>
+                                          <p:attrName>ppt_x</p:attrName>
+                                        </p:attrNameLst>
+                                      </p:cBhvr>
+                                      <p:tavLst>
+                                        <p:tav tm="0">
+                                          <p:val>
+                                            <p:strVal val="#ppt_x"/>
+                                          </p:val>
+                                        </p:tav>
+                                        <p:tav tm="100000">
+                                          <p:val>
+                                            <p:strVal val="#ppt_x"/>
+                                          </p:val>
+                                        </p:tav>
+                                      </p:tavLst>
+                                    </p:anim>
+                                    <p:anim calcmode="lin" valueType="num">
+                                      <p:cBhvr>
+                                        <p:cTn id="26" dur="500" fill="hold"/>
+                                        <p:tgtEl>
+                                          <p:spTgt spid="4">
+                                            <p:txEl>
+                                              <p:pRg st="0" end="0"/>
+                                            </p:txEl>
+                                          </p:spTgt>
+                                        </p:tgtEl>
+                                        <p:attrNameLst>
+                                          <p:attrName>ppt_y</p:attrName>
+                                        </p:attrNameLst>
+                                      </p:cBhvr>
+                                      <p:tavLst>
+                                        <p:tav tm="0">
+                                          <p:val>
+                                            <p:strVal val="#ppt_y-.1"/>
+                                          </p:val>
+                                        </p:tav>
+                                        <p:tav tm="100000">
+                                          <p:val>
+                                            <p:strVal val="#ppt_y"/>
+                                          </p:val>
+                                        </p:tav>
+                                      </p:tavLst>
+                                    </p:anim>
                                   </p:childTnLst>
                                 </p:cTn>
                               </p:par>
+                            </p:childTnLst>
+                          </p:cTn>
+                        </p:par>
+                        <p:par>
+                          <p:cTn id="27" fill="hold">
+                            <p:stCondLst>
+                              <p:cond delay="1000"/>
+                            </p:stCondLst>
+                            <p:childTnLst>
                               <p:par>
-                                <p:cTn id="16" presetID="10" presetClass="entr" presetSubtype="0" fill="hold" nodeType="withEffect">
+                                <p:cTn id="28" presetID="47" presetClass="entr" presetSubtype="0" fill="hold" grpId="0" nodeType="afterEffect">
                                   <p:stCondLst>
                                     <p:cond delay="0"/>
                                   </p:stCondLst>
                                   <p:childTnLst>
                                     <p:set>
                                       <p:cBhvr>
-                                        <p:cTn id="17" dur="1" fill="hold">
+                                        <p:cTn id="29" dur="1" fill="hold">
                                           <p:stCondLst>
                                             <p:cond delay="0"/>
                                           </p:stCondLst>
                                         </p:cTn>
                                         <p:tgtEl>
-                                          <p:spTgt spid="3">
+                                          <p:spTgt spid="6"/>
+                                        </p:tgtEl>
+                                        <p:attrNameLst>
+                                          <p:attrName>style.visibility</p:attrName>
+                                        </p:attrNameLst>
+                                      </p:cBhvr>
+                                      <p:to>
+                                        <p:strVal val="visible"/>
+                                      </p:to>
+                                    </p:set>
+                                    <p:animEffect transition="in" filter="fade">
+                                      <p:cBhvr>
+                                        <p:cTn id="30" dur="500"/>
+                                        <p:tgtEl>
+                                          <p:spTgt spid="6"/>
+                                        </p:tgtEl>
+                                      </p:cBhvr>
+                                    </p:animEffect>
+                                    <p:anim calcmode="lin" valueType="num">
+                                      <p:cBhvr>
+                                        <p:cTn id="31" dur="500" fill="hold"/>
+                                        <p:tgtEl>
+                                          <p:spTgt spid="6"/>
+                                        </p:tgtEl>
+                                        <p:attrNameLst>
+                                          <p:attrName>ppt_x</p:attrName>
+                                        </p:attrNameLst>
+                                      </p:cBhvr>
+                                      <p:tavLst>
+                                        <p:tav tm="0">
+                                          <p:val>
+                                            <p:strVal val="#ppt_x"/>
+                                          </p:val>
+                                        </p:tav>
+                                        <p:tav tm="100000">
+                                          <p:val>
+                                            <p:strVal val="#ppt_x"/>
+                                          </p:val>
+                                        </p:tav>
+                                      </p:tavLst>
+                                    </p:anim>
+                                    <p:anim calcmode="lin" valueType="num">
+                                      <p:cBhvr>
+                                        <p:cTn id="32" dur="500" fill="hold"/>
+                                        <p:tgtEl>
+                                          <p:spTgt spid="6"/>
+                                        </p:tgtEl>
+                                        <p:attrNameLst>
+                                          <p:attrName>ppt_y</p:attrName>
+                                        </p:attrNameLst>
+                                      </p:cBhvr>
+                                      <p:tavLst>
+                                        <p:tav tm="0">
+                                          <p:val>
+                                            <p:strVal val="#ppt_y-.1"/>
+                                          </p:val>
+                                        </p:tav>
+                                        <p:tav tm="100000">
+                                          <p:val>
+                                            <p:strVal val="#ppt_y"/>
+                                          </p:val>
+                                        </p:tav>
+                                      </p:tavLst>
+                                    </p:anim>
+                                  </p:childTnLst>
+                                </p:cTn>
+                              </p:par>
+                            </p:childTnLst>
+                          </p:cTn>
+                        </p:par>
+                        <p:par>
+                          <p:cTn id="33" fill="hold">
+                            <p:stCondLst>
+                              <p:cond delay="1500"/>
+                            </p:stCondLst>
+                            <p:childTnLst>
+                              <p:par>
+                                <p:cTn id="34" presetID="47" presetClass="entr" presetSubtype="0" fill="hold" nodeType="afterEffect">
+                                  <p:stCondLst>
+                                    <p:cond delay="0"/>
+                                  </p:stCondLst>
+                                  <p:iterate type="lt">
+                                    <p:tmPct val="0"/>
+                                  </p:iterate>
+                                  <p:childTnLst>
+                                    <p:set>
+                                      <p:cBhvr>
+                                        <p:cTn id="35" dur="1" fill="hold">
+                                          <p:stCondLst>
+                                            <p:cond delay="0"/>
+                                          </p:stCondLst>
+                                        </p:cTn>
+                                        <p:tgtEl>
+                                          <p:spTgt spid="4">
                                             <p:txEl>
                                               <p:pRg st="3" end="3"/>
                                             </p:txEl>
@@ -11121,9 +12676,9 @@
                                     </p:set>
                                     <p:animEffect transition="in" filter="fade">
                                       <p:cBhvr>
-                                        <p:cTn id="18" dur="1000"/>
+                                        <p:cTn id="36" dur="500"/>
                                         <p:tgtEl>
-                                          <p:spTgt spid="3">
+                                          <p:spTgt spid="4">
                                             <p:txEl>
                                               <p:pRg st="3" end="3"/>
                                             </p:txEl>
@@ -11131,6 +12686,180 @@
                                         </p:tgtEl>
                                       </p:cBhvr>
                                     </p:animEffect>
+                                    <p:anim calcmode="lin" valueType="num">
+                                      <p:cBhvr>
+                                        <p:cTn id="37" dur="500" fill="hold"/>
+                                        <p:tgtEl>
+                                          <p:spTgt spid="4">
+                                            <p:txEl>
+                                              <p:pRg st="3" end="3"/>
+                                            </p:txEl>
+                                          </p:spTgt>
+                                        </p:tgtEl>
+                                        <p:attrNameLst>
+                                          <p:attrName>ppt_x</p:attrName>
+                                        </p:attrNameLst>
+                                      </p:cBhvr>
+                                      <p:tavLst>
+                                        <p:tav tm="0">
+                                          <p:val>
+                                            <p:strVal val="#ppt_x"/>
+                                          </p:val>
+                                        </p:tav>
+                                        <p:tav tm="100000">
+                                          <p:val>
+                                            <p:strVal val="#ppt_x"/>
+                                          </p:val>
+                                        </p:tav>
+                                      </p:tavLst>
+                                    </p:anim>
+                                    <p:anim calcmode="lin" valueType="num">
+                                      <p:cBhvr>
+                                        <p:cTn id="38" dur="500" fill="hold"/>
+                                        <p:tgtEl>
+                                          <p:spTgt spid="4">
+                                            <p:txEl>
+                                              <p:pRg st="3" end="3"/>
+                                            </p:txEl>
+                                          </p:spTgt>
+                                        </p:tgtEl>
+                                        <p:attrNameLst>
+                                          <p:attrName>ppt_y</p:attrName>
+                                        </p:attrNameLst>
+                                      </p:cBhvr>
+                                      <p:tavLst>
+                                        <p:tav tm="0">
+                                          <p:val>
+                                            <p:strVal val="#ppt_y-.1"/>
+                                          </p:val>
+                                        </p:tav>
+                                        <p:tav tm="100000">
+                                          <p:val>
+                                            <p:strVal val="#ppt_y"/>
+                                          </p:val>
+                                        </p:tav>
+                                      </p:tavLst>
+                                    </p:anim>
+                                  </p:childTnLst>
+                                </p:cTn>
+                              </p:par>
+                            </p:childTnLst>
+                          </p:cTn>
+                        </p:par>
+                        <p:par>
+                          <p:cTn id="39" fill="hold">
+                            <p:stCondLst>
+                              <p:cond delay="2000"/>
+                            </p:stCondLst>
+                            <p:childTnLst>
+                              <p:par>
+                                <p:cTn id="40" presetID="1" presetClass="emph" presetSubtype="2" fill="hold" nodeType="afterEffect">
+                                  <p:stCondLst>
+                                    <p:cond delay="0"/>
+                                  </p:stCondLst>
+                                  <p:childTnLst>
+                                    <p:animClr clrSpc="rgb" dir="cw">
+                                      <p:cBhvr>
+                                        <p:cTn id="41" dur="500" fill="hold"/>
+                                        <p:tgtEl>
+                                          <p:spTgt spid="4"/>
+                                        </p:tgtEl>
+                                        <p:attrNameLst>
+                                          <p:attrName>fillcolor</p:attrName>
+                                        </p:attrNameLst>
+                                      </p:cBhvr>
+                                      <p:to>
+                                        <a:srgbClr val="DBEECD"/>
+                                      </p:to>
+                                    </p:animClr>
+                                    <p:set>
+                                      <p:cBhvr>
+                                        <p:cTn id="42" dur="500" fill="hold"/>
+                                        <p:tgtEl>
+                                          <p:spTgt spid="4"/>
+                                        </p:tgtEl>
+                                        <p:attrNameLst>
+                                          <p:attrName>fill.type</p:attrName>
+                                        </p:attrNameLst>
+                                      </p:cBhvr>
+                                      <p:to>
+                                        <p:strVal val="solid"/>
+                                      </p:to>
+                                    </p:set>
+                                    <p:set>
+                                      <p:cBhvr>
+                                        <p:cTn id="43" dur="500" fill="hold"/>
+                                        <p:tgtEl>
+                                          <p:spTgt spid="4"/>
+                                        </p:tgtEl>
+                                        <p:attrNameLst>
+                                          <p:attrName>fill.on</p:attrName>
+                                        </p:attrNameLst>
+                                      </p:cBhvr>
+                                      <p:to>
+                                        <p:strVal val="true"/>
+                                      </p:to>
+                                    </p:set>
+                                  </p:childTnLst>
+                                </p:cTn>
+                              </p:par>
+                              <p:par>
+                                <p:cTn id="44" presetID="15" presetClass="emph" presetSubtype="0" grpId="0" nodeType="withEffect">
+                                  <p:stCondLst>
+                                    <p:cond delay="0"/>
+                                  </p:stCondLst>
+                                  <p:iterate type="lt">
+                                    <p:tmAbs val="25"/>
+                                  </p:iterate>
+                                  <p:childTnLst>
+                                    <p:set>
+                                      <p:cBhvr override="childStyle">
+                                        <p:cTn id="45" dur="indefinite"/>
+                                        <p:tgtEl>
+                                          <p:spTgt spid="4">
+                                            <p:txEl>
+                                              <p:pRg st="0" end="0"/>
+                                            </p:txEl>
+                                          </p:spTgt>
+                                        </p:tgtEl>
+                                        <p:attrNameLst>
+                                          <p:attrName>style.fontWeight</p:attrName>
+                                        </p:attrNameLst>
+                                      </p:cBhvr>
+                                      <p:to>
+                                        <p:strVal val="bold"/>
+                                      </p:to>
+                                    </p:set>
+                                  </p:childTnLst>
+                                </p:cTn>
+                              </p:par>
+                              <p:par>
+                                <p:cTn id="46" presetID="15" presetClass="emph" presetSubtype="0" grpId="0" nodeType="withEffect">
+                                  <p:stCondLst>
+                                    <p:cond delay="0"/>
+                                  </p:stCondLst>
+                                  <p:iterate type="lt">
+                                    <p:tmAbs val="25"/>
+                                  </p:iterate>
+                                  <p:childTnLst>
+                                    <p:set>
+                                      <p:cBhvr override="childStyle">
+                                        <p:cTn id="47" dur="indefinite"/>
+                                        <p:tgtEl>
+                                          <p:spTgt spid="4">
+                                            <p:txEl>
+                                              <p:pRg st="3" end="3"/>
+                                            </p:txEl>
+                                          </p:spTgt>
+                                        </p:tgtEl>
+                                        <p:attrNameLst>
+                                          <p:attrName>style.fontWeight</p:attrName>
+                                        </p:attrNameLst>
+                                      </p:cBhvr>
+                                      <p:to>
+                                        <p:strVal val="bold"/>
+                                      </p:to>
+                                    </p:set>
                                   </p:childTnLst>
                                 </p:cTn>
                               </p:par>
@@ -11161,6 +12890,11 @@
         </p:cTn>
       </p:par>
     </p:tnLst>
+    <p:bldLst>
+      <p:bldP spid="3" grpId="0" build="allAtOnce"/>
+      <p:bldP spid="4" grpId="0" build="allAtOnce"/>
+      <p:bldP spid="6" grpId="0" animBg="1"/>
+    </p:bldLst>
   </p:timing>
 </p:sld>
 </file>
@@ -11369,6 +13103,657 @@
   <p:clrMapOvr>
     <a:masterClrMapping/>
   </p:clrMapOvr>
+  <p:transition>
+    <p:fade/>
+  </p:transition>
+  <p:timing>
+    <p:tnLst>
+      <p:par>
+        <p:cTn id="1" dur="indefinite" restart="never" nodeType="tmRoot">
+          <p:childTnLst>
+            <p:seq concurrent="1" nextAc="seek">
+              <p:cTn id="2" dur="indefinite" nodeType="mainSeq">
+                <p:childTnLst>
+                  <p:par>
+                    <p:cTn id="3" fill="hold">
+                      <p:stCondLst>
+                        <p:cond delay="indefinite"/>
+                      </p:stCondLst>
+                      <p:childTnLst>
+                        <p:par>
+                          <p:cTn id="4" fill="hold">
+                            <p:stCondLst>
+                              <p:cond delay="0"/>
+                            </p:stCondLst>
+                            <p:childTnLst>
+                              <p:par>
+                                <p:cTn id="5" presetID="47" presetClass="entr" presetSubtype="0" fill="hold" nodeType="clickEffect">
+                                  <p:stCondLst>
+                                    <p:cond delay="0"/>
+                                  </p:stCondLst>
+                                  <p:childTnLst>
+                                    <p:set>
+                                      <p:cBhvr>
+                                        <p:cTn id="6" dur="1" fill="hold">
+                                          <p:stCondLst>
+                                            <p:cond delay="0"/>
+                                          </p:stCondLst>
+                                        </p:cTn>
+                                        <p:tgtEl>
+                                          <p:spTgt spid="3">
+                                            <p:txEl>
+                                              <p:pRg st="1" end="1"/>
+                                            </p:txEl>
+                                          </p:spTgt>
+                                        </p:tgtEl>
+                                        <p:attrNameLst>
+                                          <p:attrName>style.visibility</p:attrName>
+                                        </p:attrNameLst>
+                                      </p:cBhvr>
+                                      <p:to>
+                                        <p:strVal val="visible"/>
+                                      </p:to>
+                                    </p:set>
+                                    <p:animEffect transition="in" filter="fade">
+                                      <p:cBhvr>
+                                        <p:cTn id="7" dur="250"/>
+                                        <p:tgtEl>
+                                          <p:spTgt spid="3">
+                                            <p:txEl>
+                                              <p:pRg st="1" end="1"/>
+                                            </p:txEl>
+                                          </p:spTgt>
+                                        </p:tgtEl>
+                                      </p:cBhvr>
+                                    </p:animEffect>
+                                    <p:anim calcmode="lin" valueType="num">
+                                      <p:cBhvr>
+                                        <p:cTn id="8" dur="250" fill="hold"/>
+                                        <p:tgtEl>
+                                          <p:spTgt spid="3">
+                                            <p:txEl>
+                                              <p:pRg st="1" end="1"/>
+                                            </p:txEl>
+                                          </p:spTgt>
+                                        </p:tgtEl>
+                                        <p:attrNameLst>
+                                          <p:attrName>ppt_x</p:attrName>
+                                        </p:attrNameLst>
+                                      </p:cBhvr>
+                                      <p:tavLst>
+                                        <p:tav tm="0">
+                                          <p:val>
+                                            <p:strVal val="#ppt_x"/>
+                                          </p:val>
+                                        </p:tav>
+                                        <p:tav tm="100000">
+                                          <p:val>
+                                            <p:strVal val="#ppt_x"/>
+                                          </p:val>
+                                        </p:tav>
+                                      </p:tavLst>
+                                    </p:anim>
+                                    <p:anim calcmode="lin" valueType="num">
+                                      <p:cBhvr>
+                                        <p:cTn id="9" dur="250" fill="hold"/>
+                                        <p:tgtEl>
+                                          <p:spTgt spid="3">
+                                            <p:txEl>
+                                              <p:pRg st="1" end="1"/>
+                                            </p:txEl>
+                                          </p:spTgt>
+                                        </p:tgtEl>
+                                        <p:attrNameLst>
+                                          <p:attrName>ppt_y</p:attrName>
+                                        </p:attrNameLst>
+                                      </p:cBhvr>
+                                      <p:tavLst>
+                                        <p:tav tm="0">
+                                          <p:val>
+                                            <p:strVal val="#ppt_y-.1"/>
+                                          </p:val>
+                                        </p:tav>
+                                        <p:tav tm="100000">
+                                          <p:val>
+                                            <p:strVal val="#ppt_y"/>
+                                          </p:val>
+                                        </p:tav>
+                                      </p:tavLst>
+                                    </p:anim>
+                                  </p:childTnLst>
+                                </p:cTn>
+                              </p:par>
+                              <p:par>
+                                <p:cTn id="10" presetID="47" presetClass="entr" presetSubtype="0" fill="hold" nodeType="withEffect">
+                                  <p:stCondLst>
+                                    <p:cond delay="0"/>
+                                  </p:stCondLst>
+                                  <p:childTnLst>
+                                    <p:set>
+                                      <p:cBhvr>
+                                        <p:cTn id="11" dur="1" fill="hold">
+                                          <p:stCondLst>
+                                            <p:cond delay="0"/>
+                                          </p:stCondLst>
+                                        </p:cTn>
+                                        <p:tgtEl>
+                                          <p:spTgt spid="3">
+                                            <p:txEl>
+                                              <p:pRg st="2" end="2"/>
+                                            </p:txEl>
+                                          </p:spTgt>
+                                        </p:tgtEl>
+                                        <p:attrNameLst>
+                                          <p:attrName>style.visibility</p:attrName>
+                                        </p:attrNameLst>
+                                      </p:cBhvr>
+                                      <p:to>
+                                        <p:strVal val="visible"/>
+                                      </p:to>
+                                    </p:set>
+                                    <p:animEffect transition="in" filter="fade">
+                                      <p:cBhvr>
+                                        <p:cTn id="12" dur="250"/>
+                                        <p:tgtEl>
+                                          <p:spTgt spid="3">
+                                            <p:txEl>
+                                              <p:pRg st="2" end="2"/>
+                                            </p:txEl>
+                                          </p:spTgt>
+                                        </p:tgtEl>
+                                      </p:cBhvr>
+                                    </p:animEffect>
+                                    <p:anim calcmode="lin" valueType="num">
+                                      <p:cBhvr>
+                                        <p:cTn id="13" dur="250" fill="hold"/>
+                                        <p:tgtEl>
+                                          <p:spTgt spid="3">
+                                            <p:txEl>
+                                              <p:pRg st="2" end="2"/>
+                                            </p:txEl>
+                                          </p:spTgt>
+                                        </p:tgtEl>
+                                        <p:attrNameLst>
+                                          <p:attrName>ppt_x</p:attrName>
+                                        </p:attrNameLst>
+                                      </p:cBhvr>
+                                      <p:tavLst>
+                                        <p:tav tm="0">
+                                          <p:val>
+                                            <p:strVal val="#ppt_x"/>
+                                          </p:val>
+                                        </p:tav>
+                                        <p:tav tm="100000">
+                                          <p:val>
+                                            <p:strVal val="#ppt_x"/>
+                                          </p:val>
+                                        </p:tav>
+                                      </p:tavLst>
+                                    </p:anim>
+                                    <p:anim calcmode="lin" valueType="num">
+                                      <p:cBhvr>
+                                        <p:cTn id="14" dur="250" fill="hold"/>
+                                        <p:tgtEl>
+                                          <p:spTgt spid="3">
+                                            <p:txEl>
+                                              <p:pRg st="2" end="2"/>
+                                            </p:txEl>
+                                          </p:spTgt>
+                                        </p:tgtEl>
+                                        <p:attrNameLst>
+                                          <p:attrName>ppt_y</p:attrName>
+                                        </p:attrNameLst>
+                                      </p:cBhvr>
+                                      <p:tavLst>
+                                        <p:tav tm="0">
+                                          <p:val>
+                                            <p:strVal val="#ppt_y-.1"/>
+                                          </p:val>
+                                        </p:tav>
+                                        <p:tav tm="100000">
+                                          <p:val>
+                                            <p:strVal val="#ppt_y"/>
+                                          </p:val>
+                                        </p:tav>
+                                      </p:tavLst>
+                                    </p:anim>
+                                  </p:childTnLst>
+                                </p:cTn>
+                              </p:par>
+                              <p:par>
+                                <p:cTn id="15" presetID="47" presetClass="entr" presetSubtype="0" fill="hold" nodeType="withEffect">
+                                  <p:stCondLst>
+                                    <p:cond delay="0"/>
+                                  </p:stCondLst>
+                                  <p:childTnLst>
+                                    <p:set>
+                                      <p:cBhvr>
+                                        <p:cTn id="16" dur="1" fill="hold">
+                                          <p:stCondLst>
+                                            <p:cond delay="0"/>
+                                          </p:stCondLst>
+                                        </p:cTn>
+                                        <p:tgtEl>
+                                          <p:spTgt spid="3">
+                                            <p:txEl>
+                                              <p:pRg st="3" end="3"/>
+                                            </p:txEl>
+                                          </p:spTgt>
+                                        </p:tgtEl>
+                                        <p:attrNameLst>
+                                          <p:attrName>style.visibility</p:attrName>
+                                        </p:attrNameLst>
+                                      </p:cBhvr>
+                                      <p:to>
+                                        <p:strVal val="visible"/>
+                                      </p:to>
+                                    </p:set>
+                                    <p:animEffect transition="in" filter="fade">
+                                      <p:cBhvr>
+                                        <p:cTn id="17" dur="250"/>
+                                        <p:tgtEl>
+                                          <p:spTgt spid="3">
+                                            <p:txEl>
+                                              <p:pRg st="3" end="3"/>
+                                            </p:txEl>
+                                          </p:spTgt>
+                                        </p:tgtEl>
+                                      </p:cBhvr>
+                                    </p:animEffect>
+                                    <p:anim calcmode="lin" valueType="num">
+                                      <p:cBhvr>
+                                        <p:cTn id="18" dur="250" fill="hold"/>
+                                        <p:tgtEl>
+                                          <p:spTgt spid="3">
+                                            <p:txEl>
+                                              <p:pRg st="3" end="3"/>
+                                            </p:txEl>
+                                          </p:spTgt>
+                                        </p:tgtEl>
+                                        <p:attrNameLst>
+                                          <p:attrName>ppt_x</p:attrName>
+                                        </p:attrNameLst>
+                                      </p:cBhvr>
+                                      <p:tavLst>
+                                        <p:tav tm="0">
+                                          <p:val>
+                                            <p:strVal val="#ppt_x"/>
+                                          </p:val>
+                                        </p:tav>
+                                        <p:tav tm="100000">
+                                          <p:val>
+                                            <p:strVal val="#ppt_x"/>
+                                          </p:val>
+                                        </p:tav>
+                                      </p:tavLst>
+                                    </p:anim>
+                                    <p:anim calcmode="lin" valueType="num">
+                                      <p:cBhvr>
+                                        <p:cTn id="19" dur="250" fill="hold"/>
+                                        <p:tgtEl>
+                                          <p:spTgt spid="3">
+                                            <p:txEl>
+                                              <p:pRg st="3" end="3"/>
+                                            </p:txEl>
+                                          </p:spTgt>
+                                        </p:tgtEl>
+                                        <p:attrNameLst>
+                                          <p:attrName>ppt_y</p:attrName>
+                                        </p:attrNameLst>
+                                      </p:cBhvr>
+                                      <p:tavLst>
+                                        <p:tav tm="0">
+                                          <p:val>
+                                            <p:strVal val="#ppt_y-.1"/>
+                                          </p:val>
+                                        </p:tav>
+                                        <p:tav tm="100000">
+                                          <p:val>
+                                            <p:strVal val="#ppt_y"/>
+                                          </p:val>
+                                        </p:tav>
+                                      </p:tavLst>
+                                    </p:anim>
+                                  </p:childTnLst>
+                                </p:cTn>
+                              </p:par>
+                            </p:childTnLst>
+                          </p:cTn>
+                        </p:par>
+                      </p:childTnLst>
+                    </p:cTn>
+                  </p:par>
+                  <p:par>
+                    <p:cTn id="20" fill="hold">
+                      <p:stCondLst>
+                        <p:cond delay="indefinite"/>
+                      </p:stCondLst>
+                      <p:childTnLst>
+                        <p:par>
+                          <p:cTn id="21" fill="hold">
+                            <p:stCondLst>
+                              <p:cond delay="0"/>
+                            </p:stCondLst>
+                            <p:childTnLst>
+                              <p:par>
+                                <p:cTn id="22" presetID="47" presetClass="entr" presetSubtype="0" fill="hold" nodeType="clickEffect">
+                                  <p:stCondLst>
+                                    <p:cond delay="0"/>
+                                  </p:stCondLst>
+                                  <p:childTnLst>
+                                    <p:set>
+                                      <p:cBhvr>
+                                        <p:cTn id="23" dur="1" fill="hold">
+                                          <p:stCondLst>
+                                            <p:cond delay="0"/>
+                                          </p:stCondLst>
+                                        </p:cTn>
+                                        <p:tgtEl>
+                                          <p:spTgt spid="4">
+                                            <p:txEl>
+                                              <p:pRg st="1" end="1"/>
+                                            </p:txEl>
+                                          </p:spTgt>
+                                        </p:tgtEl>
+                                        <p:attrNameLst>
+                                          <p:attrName>style.visibility</p:attrName>
+                                        </p:attrNameLst>
+                                      </p:cBhvr>
+                                      <p:to>
+                                        <p:strVal val="visible"/>
+                                      </p:to>
+                                    </p:set>
+                                    <p:animEffect transition="in" filter="fade">
+                                      <p:cBhvr>
+                                        <p:cTn id="24" dur="250"/>
+                                        <p:tgtEl>
+                                          <p:spTgt spid="4">
+                                            <p:txEl>
+                                              <p:pRg st="1" end="1"/>
+                                            </p:txEl>
+                                          </p:spTgt>
+                                        </p:tgtEl>
+                                      </p:cBhvr>
+                                    </p:animEffect>
+                                    <p:anim calcmode="lin" valueType="num">
+                                      <p:cBhvr>
+                                        <p:cTn id="25" dur="250" fill="hold"/>
+                                        <p:tgtEl>
+                                          <p:spTgt spid="4">
+                                            <p:txEl>
+                                              <p:pRg st="1" end="1"/>
+                                            </p:txEl>
+                                          </p:spTgt>
+                                        </p:tgtEl>
+                                        <p:attrNameLst>
+                                          <p:attrName>ppt_x</p:attrName>
+                                        </p:attrNameLst>
+                                      </p:cBhvr>
+                                      <p:tavLst>
+                                        <p:tav tm="0">
+                                          <p:val>
+                                            <p:strVal val="#ppt_x"/>
+                                          </p:val>
+                                        </p:tav>
+                                        <p:tav tm="100000">
+                                          <p:val>
+                                            <p:strVal val="#ppt_x"/>
+                                          </p:val>
+                                        </p:tav>
+                                      </p:tavLst>
+                                    </p:anim>
+                                    <p:anim calcmode="lin" valueType="num">
+                                      <p:cBhvr>
+                                        <p:cTn id="26" dur="250" fill="hold"/>
+                                        <p:tgtEl>
+                                          <p:spTgt spid="4">
+                                            <p:txEl>
+                                              <p:pRg st="1" end="1"/>
+                                            </p:txEl>
+                                          </p:spTgt>
+                                        </p:tgtEl>
+                                        <p:attrNameLst>
+                                          <p:attrName>ppt_y</p:attrName>
+                                        </p:attrNameLst>
+                                      </p:cBhvr>
+                                      <p:tavLst>
+                                        <p:tav tm="0">
+                                          <p:val>
+                                            <p:strVal val="#ppt_y-.1"/>
+                                          </p:val>
+                                        </p:tav>
+                                        <p:tav tm="100000">
+                                          <p:val>
+                                            <p:strVal val="#ppt_y"/>
+                                          </p:val>
+                                        </p:tav>
+                                      </p:tavLst>
+                                    </p:anim>
+                                  </p:childTnLst>
+                                </p:cTn>
+                              </p:par>
+                              <p:par>
+                                <p:cTn id="27" presetID="47" presetClass="entr" presetSubtype="0" fill="hold" nodeType="withEffect">
+                                  <p:stCondLst>
+                                    <p:cond delay="0"/>
+                                  </p:stCondLst>
+                                  <p:childTnLst>
+                                    <p:set>
+                                      <p:cBhvr>
+                                        <p:cTn id="28" dur="1" fill="hold">
+                                          <p:stCondLst>
+                                            <p:cond delay="0"/>
+                                          </p:stCondLst>
+                                        </p:cTn>
+                                        <p:tgtEl>
+                                          <p:spTgt spid="4">
+                                            <p:txEl>
+                                              <p:pRg st="2" end="2"/>
+                                            </p:txEl>
+                                          </p:spTgt>
+                                        </p:tgtEl>
+                                        <p:attrNameLst>
+                                          <p:attrName>style.visibility</p:attrName>
+                                        </p:attrNameLst>
+                                      </p:cBhvr>
+                                      <p:to>
+                                        <p:strVal val="visible"/>
+                                      </p:to>
+                                    </p:set>
+                                    <p:animEffect transition="in" filter="fade">
+                                      <p:cBhvr>
+                                        <p:cTn id="29" dur="250"/>
+                                        <p:tgtEl>
+                                          <p:spTgt spid="4">
+                                            <p:txEl>
+                                              <p:pRg st="2" end="2"/>
+                                            </p:txEl>
+                                          </p:spTgt>
+                                        </p:tgtEl>
+                                      </p:cBhvr>
+                                    </p:animEffect>
+                                    <p:anim calcmode="lin" valueType="num">
+                                      <p:cBhvr>
+                                        <p:cTn id="30" dur="250" fill="hold"/>
+                                        <p:tgtEl>
+                                          <p:spTgt spid="4">
+                                            <p:txEl>
+                                              <p:pRg st="2" end="2"/>
+                                            </p:txEl>
+                                          </p:spTgt>
+                                        </p:tgtEl>
+                                        <p:attrNameLst>
+                                          <p:attrName>ppt_x</p:attrName>
+                                        </p:attrNameLst>
+                                      </p:cBhvr>
+                                      <p:tavLst>
+                                        <p:tav tm="0">
+                                          <p:val>
+                                            <p:strVal val="#ppt_x"/>
+                                          </p:val>
+                                        </p:tav>
+                                        <p:tav tm="100000">
+                                          <p:val>
+                                            <p:strVal val="#ppt_x"/>
+                                          </p:val>
+                                        </p:tav>
+                                      </p:tavLst>
+                                    </p:anim>
+                                    <p:anim calcmode="lin" valueType="num">
+                                      <p:cBhvr>
+                                        <p:cTn id="31" dur="250" fill="hold"/>
+                                        <p:tgtEl>
+                                          <p:spTgt spid="4">
+                                            <p:txEl>
+                                              <p:pRg st="2" end="2"/>
+                                            </p:txEl>
+                                          </p:spTgt>
+                                        </p:tgtEl>
+                                        <p:attrNameLst>
+                                          <p:attrName>ppt_y</p:attrName>
+                                        </p:attrNameLst>
+                                      </p:cBhvr>
+                                      <p:tavLst>
+                                        <p:tav tm="0">
+                                          <p:val>
+                                            <p:strVal val="#ppt_y-.1"/>
+                                          </p:val>
+                                        </p:tav>
+                                        <p:tav tm="100000">
+                                          <p:val>
+                                            <p:strVal val="#ppt_y"/>
+                                          </p:val>
+                                        </p:tav>
+                                      </p:tavLst>
+                                    </p:anim>
+                                  </p:childTnLst>
+                                </p:cTn>
+                              </p:par>
+                              <p:par>
+                                <p:cTn id="32" presetID="47" presetClass="entr" presetSubtype="0" fill="hold" nodeType="withEffect">
+                                  <p:stCondLst>
+                                    <p:cond delay="0"/>
+                                  </p:stCondLst>
+                                  <p:childTnLst>
+                                    <p:set>
+                                      <p:cBhvr>
+                                        <p:cTn id="33" dur="1" fill="hold">
+                                          <p:stCondLst>
+                                            <p:cond delay="0"/>
+                                          </p:stCondLst>
+                                        </p:cTn>
+                                        <p:tgtEl>
+                                          <p:spTgt spid="4">
+                                            <p:txEl>
+                                              <p:pRg st="3" end="3"/>
+                                            </p:txEl>
+                                          </p:spTgt>
+                                        </p:tgtEl>
+                                        <p:attrNameLst>
+                                          <p:attrName>style.visibility</p:attrName>
+                                        </p:attrNameLst>
+                                      </p:cBhvr>
+                                      <p:to>
+                                        <p:strVal val="visible"/>
+                                      </p:to>
+                                    </p:set>
+                                    <p:animEffect transition="in" filter="fade">
+                                      <p:cBhvr>
+                                        <p:cTn id="34" dur="250"/>
+                                        <p:tgtEl>
+                                          <p:spTgt spid="4">
+                                            <p:txEl>
+                                              <p:pRg st="3" end="3"/>
+                                            </p:txEl>
+                                          </p:spTgt>
+                                        </p:tgtEl>
+                                      </p:cBhvr>
+                                    </p:animEffect>
+                                    <p:anim calcmode="lin" valueType="num">
+                                      <p:cBhvr>
+                                        <p:cTn id="35" dur="250" fill="hold"/>
+                                        <p:tgtEl>
+                                          <p:spTgt spid="4">
+                                            <p:txEl>
+                                              <p:pRg st="3" end="3"/>
+                                            </p:txEl>
+                                          </p:spTgt>
+                                        </p:tgtEl>
+                                        <p:attrNameLst>
+                                          <p:attrName>ppt_x</p:attrName>
+                                        </p:attrNameLst>
+                                      </p:cBhvr>
+                                      <p:tavLst>
+                                        <p:tav tm="0">
+                                          <p:val>
+                                            <p:strVal val="#ppt_x"/>
+                                          </p:val>
+                                        </p:tav>
+                                        <p:tav tm="100000">
+                                          <p:val>
+                                            <p:strVal val="#ppt_x"/>
+                                          </p:val>
+                                        </p:tav>
+                                      </p:tavLst>
+                                    </p:anim>
+                                    <p:anim calcmode="lin" valueType="num">
+                                      <p:cBhvr>
+                                        <p:cTn id="36" dur="250" fill="hold"/>
+                                        <p:tgtEl>
+                                          <p:spTgt spid="4">
+                                            <p:txEl>
+                                              <p:pRg st="3" end="3"/>
+                                            </p:txEl>
+                                          </p:spTgt>
+                                        </p:tgtEl>
+                                        <p:attrNameLst>
+                                          <p:attrName>ppt_y</p:attrName>
+                                        </p:attrNameLst>
+                                      </p:cBhvr>
+                                      <p:tavLst>
+                                        <p:tav tm="0">
+                                          <p:val>
+                                            <p:strVal val="#ppt_y-.1"/>
+                                          </p:val>
+                                        </p:tav>
+                                        <p:tav tm="100000">
+                                          <p:val>
+                                            <p:strVal val="#ppt_y"/>
+                                          </p:val>
+                                        </p:tav>
+                                      </p:tavLst>
+                                    </p:anim>
+                                  </p:childTnLst>
+                                </p:cTn>
+                              </p:par>
+                            </p:childTnLst>
+                          </p:cTn>
+                        </p:par>
+                      </p:childTnLst>
+                    </p:cTn>
+                  </p:par>
+                </p:childTnLst>
+              </p:cTn>
+              <p:prevCondLst>
+                <p:cond evt="onPrev" delay="0">
+                  <p:tgtEl>
+                    <p:sldTgt/>
+                  </p:tgtEl>
+                </p:cond>
+              </p:prevCondLst>
+              <p:nextCondLst>
+                <p:cond evt="onNext" delay="0">
+                  <p:tgtEl>
+                    <p:sldTgt/>
+                  </p:tgtEl>
+                </p:cond>
+              </p:nextCondLst>
+            </p:seq>
+          </p:childTnLst>
+        </p:cTn>
+      </p:par>
+    </p:tnLst>
+  </p:timing>
 </p:sld>
 </file>
 
@@ -11520,6 +13905,9 @@
   <p:clrMapOvr>
     <a:masterClrMapping/>
   </p:clrMapOvr>
+  <p:transition>
+    <p:fade/>
+  </p:transition>
 </p:sld>
 </file>
 
@@ -11652,6 +14040,499 @@
   <p:clrMapOvr>
     <a:masterClrMapping/>
   </p:clrMapOvr>
+  <p:transition>
+    <p:fade/>
+  </p:transition>
+  <p:timing>
+    <p:tnLst>
+      <p:par>
+        <p:cTn id="1" dur="indefinite" restart="never" nodeType="tmRoot">
+          <p:childTnLst>
+            <p:seq concurrent="1" nextAc="seek">
+              <p:cTn id="2" dur="indefinite" nodeType="mainSeq">
+                <p:childTnLst>
+                  <p:par>
+                    <p:cTn id="3" fill="hold">
+                      <p:stCondLst>
+                        <p:cond delay="indefinite"/>
+                      </p:stCondLst>
+                      <p:childTnLst>
+                        <p:par>
+                          <p:cTn id="4" fill="hold">
+                            <p:stCondLst>
+                              <p:cond delay="0"/>
+                            </p:stCondLst>
+                            <p:childTnLst>
+                              <p:par>
+                                <p:cTn id="5" presetID="47" presetClass="entr" presetSubtype="0" fill="hold" nodeType="clickEffect">
+                                  <p:stCondLst>
+                                    <p:cond delay="0"/>
+                                  </p:stCondLst>
+                                  <p:childTnLst>
+                                    <p:set>
+                                      <p:cBhvr>
+                                        <p:cTn id="6" dur="1" fill="hold">
+                                          <p:stCondLst>
+                                            <p:cond delay="0"/>
+                                          </p:stCondLst>
+                                        </p:cTn>
+                                        <p:tgtEl>
+                                          <p:spTgt spid="3">
+                                            <p:txEl>
+                                              <p:pRg st="0" end="0"/>
+                                            </p:txEl>
+                                          </p:spTgt>
+                                        </p:tgtEl>
+                                        <p:attrNameLst>
+                                          <p:attrName>style.visibility</p:attrName>
+                                        </p:attrNameLst>
+                                      </p:cBhvr>
+                                      <p:to>
+                                        <p:strVal val="visible"/>
+                                      </p:to>
+                                    </p:set>
+                                    <p:animEffect transition="in" filter="fade">
+                                      <p:cBhvr>
+                                        <p:cTn id="7" dur="500"/>
+                                        <p:tgtEl>
+                                          <p:spTgt spid="3">
+                                            <p:txEl>
+                                              <p:pRg st="0" end="0"/>
+                                            </p:txEl>
+                                          </p:spTgt>
+                                        </p:tgtEl>
+                                      </p:cBhvr>
+                                    </p:animEffect>
+                                    <p:anim calcmode="lin" valueType="num">
+                                      <p:cBhvr>
+                                        <p:cTn id="8" dur="500" fill="hold"/>
+                                        <p:tgtEl>
+                                          <p:spTgt spid="3">
+                                            <p:txEl>
+                                              <p:pRg st="0" end="0"/>
+                                            </p:txEl>
+                                          </p:spTgt>
+                                        </p:tgtEl>
+                                        <p:attrNameLst>
+                                          <p:attrName>ppt_x</p:attrName>
+                                        </p:attrNameLst>
+                                      </p:cBhvr>
+                                      <p:tavLst>
+                                        <p:tav tm="0">
+                                          <p:val>
+                                            <p:strVal val="#ppt_x"/>
+                                          </p:val>
+                                        </p:tav>
+                                        <p:tav tm="100000">
+                                          <p:val>
+                                            <p:strVal val="#ppt_x"/>
+                                          </p:val>
+                                        </p:tav>
+                                      </p:tavLst>
+                                    </p:anim>
+                                    <p:anim calcmode="lin" valueType="num">
+                                      <p:cBhvr>
+                                        <p:cTn id="9" dur="500" fill="hold"/>
+                                        <p:tgtEl>
+                                          <p:spTgt spid="3">
+                                            <p:txEl>
+                                              <p:pRg st="0" end="0"/>
+                                            </p:txEl>
+                                          </p:spTgt>
+                                        </p:tgtEl>
+                                        <p:attrNameLst>
+                                          <p:attrName>ppt_y</p:attrName>
+                                        </p:attrNameLst>
+                                      </p:cBhvr>
+                                      <p:tavLst>
+                                        <p:tav tm="0">
+                                          <p:val>
+                                            <p:strVal val="#ppt_y-.1"/>
+                                          </p:val>
+                                        </p:tav>
+                                        <p:tav tm="100000">
+                                          <p:val>
+                                            <p:strVal val="#ppt_y"/>
+                                          </p:val>
+                                        </p:tav>
+                                      </p:tavLst>
+                                    </p:anim>
+                                  </p:childTnLst>
+                                </p:cTn>
+                              </p:par>
+                            </p:childTnLst>
+                          </p:cTn>
+                        </p:par>
+                      </p:childTnLst>
+                    </p:cTn>
+                  </p:par>
+                  <p:par>
+                    <p:cTn id="10" fill="hold">
+                      <p:stCondLst>
+                        <p:cond delay="indefinite"/>
+                      </p:stCondLst>
+                      <p:childTnLst>
+                        <p:par>
+                          <p:cTn id="11" fill="hold">
+                            <p:stCondLst>
+                              <p:cond delay="0"/>
+                            </p:stCondLst>
+                            <p:childTnLst>
+                              <p:par>
+                                <p:cTn id="12" presetID="47" presetClass="entr" presetSubtype="0" fill="hold" nodeType="clickEffect">
+                                  <p:stCondLst>
+                                    <p:cond delay="0"/>
+                                  </p:stCondLst>
+                                  <p:childTnLst>
+                                    <p:set>
+                                      <p:cBhvr>
+                                        <p:cTn id="13" dur="1" fill="hold">
+                                          <p:stCondLst>
+                                            <p:cond delay="0"/>
+                                          </p:stCondLst>
+                                        </p:cTn>
+                                        <p:tgtEl>
+                                          <p:spTgt spid="3">
+                                            <p:txEl>
+                                              <p:pRg st="1" end="1"/>
+                                            </p:txEl>
+                                          </p:spTgt>
+                                        </p:tgtEl>
+                                        <p:attrNameLst>
+                                          <p:attrName>style.visibility</p:attrName>
+                                        </p:attrNameLst>
+                                      </p:cBhvr>
+                                      <p:to>
+                                        <p:strVal val="visible"/>
+                                      </p:to>
+                                    </p:set>
+                                    <p:animEffect transition="in" filter="fade">
+                                      <p:cBhvr>
+                                        <p:cTn id="14" dur="500"/>
+                                        <p:tgtEl>
+                                          <p:spTgt spid="3">
+                                            <p:txEl>
+                                              <p:pRg st="1" end="1"/>
+                                            </p:txEl>
+                                          </p:spTgt>
+                                        </p:tgtEl>
+                                      </p:cBhvr>
+                                    </p:animEffect>
+                                    <p:anim calcmode="lin" valueType="num">
+                                      <p:cBhvr>
+                                        <p:cTn id="15" dur="500" fill="hold"/>
+                                        <p:tgtEl>
+                                          <p:spTgt spid="3">
+                                            <p:txEl>
+                                              <p:pRg st="1" end="1"/>
+                                            </p:txEl>
+                                          </p:spTgt>
+                                        </p:tgtEl>
+                                        <p:attrNameLst>
+                                          <p:attrName>ppt_x</p:attrName>
+                                        </p:attrNameLst>
+                                      </p:cBhvr>
+                                      <p:tavLst>
+                                        <p:tav tm="0">
+                                          <p:val>
+                                            <p:strVal val="#ppt_x"/>
+                                          </p:val>
+                                        </p:tav>
+                                        <p:tav tm="100000">
+                                          <p:val>
+                                            <p:strVal val="#ppt_x"/>
+                                          </p:val>
+                                        </p:tav>
+                                      </p:tavLst>
+                                    </p:anim>
+                                    <p:anim calcmode="lin" valueType="num">
+                                      <p:cBhvr>
+                                        <p:cTn id="16" dur="500" fill="hold"/>
+                                        <p:tgtEl>
+                                          <p:spTgt spid="3">
+                                            <p:txEl>
+                                              <p:pRg st="1" end="1"/>
+                                            </p:txEl>
+                                          </p:spTgt>
+                                        </p:tgtEl>
+                                        <p:attrNameLst>
+                                          <p:attrName>ppt_y</p:attrName>
+                                        </p:attrNameLst>
+                                      </p:cBhvr>
+                                      <p:tavLst>
+                                        <p:tav tm="0">
+                                          <p:val>
+                                            <p:strVal val="#ppt_y-.1"/>
+                                          </p:val>
+                                        </p:tav>
+                                        <p:tav tm="100000">
+                                          <p:val>
+                                            <p:strVal val="#ppt_y"/>
+                                          </p:val>
+                                        </p:tav>
+                                      </p:tavLst>
+                                    </p:anim>
+                                  </p:childTnLst>
+                                </p:cTn>
+                              </p:par>
+                            </p:childTnLst>
+                          </p:cTn>
+                        </p:par>
+                      </p:childTnLst>
+                    </p:cTn>
+                  </p:par>
+                  <p:par>
+                    <p:cTn id="17" fill="hold">
+                      <p:stCondLst>
+                        <p:cond delay="indefinite"/>
+                      </p:stCondLst>
+                      <p:childTnLst>
+                        <p:par>
+                          <p:cTn id="18" fill="hold">
+                            <p:stCondLst>
+                              <p:cond delay="0"/>
+                            </p:stCondLst>
+                            <p:childTnLst>
+                              <p:par>
+                                <p:cTn id="19" presetID="47" presetClass="entr" presetSubtype="0" fill="hold" nodeType="clickEffect">
+                                  <p:stCondLst>
+                                    <p:cond delay="0"/>
+                                  </p:stCondLst>
+                                  <p:childTnLst>
+                                    <p:set>
+                                      <p:cBhvr>
+                                        <p:cTn id="20" dur="1" fill="hold">
+                                          <p:stCondLst>
+                                            <p:cond delay="0"/>
+                                          </p:stCondLst>
+                                        </p:cTn>
+                                        <p:tgtEl>
+                                          <p:spTgt spid="3">
+                                            <p:txEl>
+                                              <p:pRg st="2" end="2"/>
+                                            </p:txEl>
+                                          </p:spTgt>
+                                        </p:tgtEl>
+                                        <p:attrNameLst>
+                                          <p:attrName>style.visibility</p:attrName>
+                                        </p:attrNameLst>
+                                      </p:cBhvr>
+                                      <p:to>
+                                        <p:strVal val="visible"/>
+                                      </p:to>
+                                    </p:set>
+                                    <p:animEffect transition="in" filter="fade">
+                                      <p:cBhvr>
+                                        <p:cTn id="21" dur="500"/>
+                                        <p:tgtEl>
+                                          <p:spTgt spid="3">
+                                            <p:txEl>
+                                              <p:pRg st="2" end="2"/>
+                                            </p:txEl>
+                                          </p:spTgt>
+                                        </p:tgtEl>
+                                      </p:cBhvr>
+                                    </p:animEffect>
+                                    <p:anim calcmode="lin" valueType="num">
+                                      <p:cBhvr>
+                                        <p:cTn id="22" dur="500" fill="hold"/>
+                                        <p:tgtEl>
+                                          <p:spTgt spid="3">
+                                            <p:txEl>
+                                              <p:pRg st="2" end="2"/>
+                                            </p:txEl>
+                                          </p:spTgt>
+                                        </p:tgtEl>
+                                        <p:attrNameLst>
+                                          <p:attrName>ppt_x</p:attrName>
+                                        </p:attrNameLst>
+                                      </p:cBhvr>
+                                      <p:tavLst>
+                                        <p:tav tm="0">
+                                          <p:val>
+                                            <p:strVal val="#ppt_x"/>
+                                          </p:val>
+                                        </p:tav>
+                                        <p:tav tm="100000">
+                                          <p:val>
+                                            <p:strVal val="#ppt_x"/>
+                                          </p:val>
+                                        </p:tav>
+                                      </p:tavLst>
+                                    </p:anim>
+                                    <p:anim calcmode="lin" valueType="num">
+                                      <p:cBhvr>
+                                        <p:cTn id="23" dur="500" fill="hold"/>
+                                        <p:tgtEl>
+                                          <p:spTgt spid="3">
+                                            <p:txEl>
+                                              <p:pRg st="2" end="2"/>
+                                            </p:txEl>
+                                          </p:spTgt>
+                                        </p:tgtEl>
+                                        <p:attrNameLst>
+                                          <p:attrName>ppt_y</p:attrName>
+                                        </p:attrNameLst>
+                                      </p:cBhvr>
+                                      <p:tavLst>
+                                        <p:tav tm="0">
+                                          <p:val>
+                                            <p:strVal val="#ppt_y-.1"/>
+                                          </p:val>
+                                        </p:tav>
+                                        <p:tav tm="100000">
+                                          <p:val>
+                                            <p:strVal val="#ppt_y"/>
+                                          </p:val>
+                                        </p:tav>
+                                      </p:tavLst>
+                                    </p:anim>
+                                  </p:childTnLst>
+                                </p:cTn>
+                              </p:par>
+                            </p:childTnLst>
+                          </p:cTn>
+                        </p:par>
+                      </p:childTnLst>
+                    </p:cTn>
+                  </p:par>
+                  <p:par>
+                    <p:cTn id="24" fill="hold">
+                      <p:stCondLst>
+                        <p:cond delay="indefinite"/>
+                      </p:stCondLst>
+                      <p:childTnLst>
+                        <p:par>
+                          <p:cTn id="25" fill="hold">
+                            <p:stCondLst>
+                              <p:cond delay="0"/>
+                            </p:stCondLst>
+                            <p:childTnLst>
+                              <p:par>
+                                <p:cTn id="26" presetID="47" presetClass="entr" presetSubtype="0" fill="hold" nodeType="clickEffect">
+                                  <p:stCondLst>
+                                    <p:cond delay="0"/>
+                                  </p:stCondLst>
+                                  <p:childTnLst>
+                                    <p:set>
+                                      <p:cBhvr>
+                                        <p:cTn id="27" dur="1" fill="hold">
+                                          <p:stCondLst>
+                                            <p:cond delay="0"/>
+                                          </p:stCondLst>
+                                        </p:cTn>
+                                        <p:tgtEl>
+                                          <p:spTgt spid="3">
+                                            <p:txEl>
+                                              <p:pRg st="3" end="3"/>
+                                            </p:txEl>
+                                          </p:spTgt>
+                                        </p:tgtEl>
+                                        <p:attrNameLst>
+                                          <p:attrName>style.visibility</p:attrName>
+                                        </p:attrNameLst>
+                                      </p:cBhvr>
+                                      <p:to>
+                                        <p:strVal val="visible"/>
+                                      </p:to>
+                                    </p:set>
+                                    <p:animEffect transition="in" filter="fade">
+                                      <p:cBhvr>
+                                        <p:cTn id="28" dur="500"/>
+                                        <p:tgtEl>
+                                          <p:spTgt spid="3">
+                                            <p:txEl>
+                                              <p:pRg st="3" end="3"/>
+                                            </p:txEl>
+                                          </p:spTgt>
+                                        </p:tgtEl>
+                                      </p:cBhvr>
+                                    </p:animEffect>
+                                    <p:anim calcmode="lin" valueType="num">
+                                      <p:cBhvr>
+                                        <p:cTn id="29" dur="500" fill="hold"/>
+                                        <p:tgtEl>
+                                          <p:spTgt spid="3">
+                                            <p:txEl>
+                                              <p:pRg st="3" end="3"/>
+                                            </p:txEl>
+                                          </p:spTgt>
+                                        </p:tgtEl>
+                                        <p:attrNameLst>
+                                          <p:attrName>ppt_x</p:attrName>
+                                        </p:attrNameLst>
+                                      </p:cBhvr>
+                                      <p:tavLst>
+                                        <p:tav tm="0">
+                                          <p:val>
+                                            <p:strVal val="#ppt_x"/>
+                                          </p:val>
+                                        </p:tav>
+                                        <p:tav tm="100000">
+                                          <p:val>
+                                            <p:strVal val="#ppt_x"/>
+                                          </p:val>
+                                        </p:tav>
+                                      </p:tavLst>
+                                    </p:anim>
+                                    <p:anim calcmode="lin" valueType="num">
+                                      <p:cBhvr>
+                                        <p:cTn id="30" dur="500" fill="hold"/>
+                                        <p:tgtEl>
+                                          <p:spTgt spid="3">
+                                            <p:txEl>
+                                              <p:pRg st="3" end="3"/>
+                                            </p:txEl>
+                                          </p:spTgt>
+                                        </p:tgtEl>
+                                        <p:attrNameLst>
+                                          <p:attrName>ppt_y</p:attrName>
+                                        </p:attrNameLst>
+                                      </p:cBhvr>
+                                      <p:tavLst>
+                                        <p:tav tm="0">
+                                          <p:val>
+                                            <p:strVal val="#ppt_y-.1"/>
+                                          </p:val>
+                                        </p:tav>
+                                        <p:tav tm="100000">
+                                          <p:val>
+                                            <p:strVal val="#ppt_y"/>
+                                          </p:val>
+                                        </p:tav>
+                                      </p:tavLst>
+                                    </p:anim>
+                                  </p:childTnLst>
+                                </p:cTn>
+                              </p:par>
+                            </p:childTnLst>
+                          </p:cTn>
+                        </p:par>
+                      </p:childTnLst>
+                    </p:cTn>
+                  </p:par>
+                </p:childTnLst>
+              </p:cTn>
+              <p:prevCondLst>
+                <p:cond evt="onPrev" delay="0">
+                  <p:tgtEl>
+                    <p:sldTgt/>
+                  </p:tgtEl>
+                </p:cond>
+              </p:prevCondLst>
+              <p:nextCondLst>
+                <p:cond evt="onNext" delay="0">
+                  <p:tgtEl>
+                    <p:sldTgt/>
+                  </p:tgtEl>
+                </p:cond>
+              </p:nextCondLst>
+            </p:seq>
+          </p:childTnLst>
+        </p:cTn>
+      </p:par>
+    </p:tnLst>
+  </p:timing>
 </p:sld>
 </file>
 
@@ -11823,6 +14704,9 @@
   <p:clrMapOvr>
     <a:masterClrMapping/>
   </p:clrMapOvr>
+  <p:transition>
+    <p:fade/>
+  </p:transition>
   <p:timing>
     <p:tnLst>
       <p:par>
@@ -11844,7 +14728,7 @@
                             </p:stCondLst>
                             <p:childTnLst>
                               <p:par>
-                                <p:cTn id="5" presetID="10" presetClass="entr" presetSubtype="0" fill="hold" nodeType="clickEffect">
+                                <p:cTn id="5" presetID="47" presetClass="entr" presetSubtype="0" fill="hold" nodeType="clickEffect">
                                   <p:stCondLst>
                                     <p:cond delay="0"/>
                                   </p:stCondLst>
@@ -11852,6 +14736,121 @@
                                     <p:set>
                                       <p:cBhvr>
                                         <p:cTn id="6" dur="1" fill="hold">
+                                          <p:stCondLst>
+                                            <p:cond delay="0"/>
+                                          </p:stCondLst>
+                                        </p:cTn>
+                                        <p:tgtEl>
+                                          <p:spTgt spid="3">
+                                            <p:txEl>
+                                              <p:pRg st="0" end="0"/>
+                                            </p:txEl>
+                                          </p:spTgt>
+                                        </p:tgtEl>
+                                        <p:attrNameLst>
+                                          <p:attrName>style.visibility</p:attrName>
+                                        </p:attrNameLst>
+                                      </p:cBhvr>
+                                      <p:to>
+                                        <p:strVal val="visible"/>
+                                      </p:to>
+                                    </p:set>
+                                    <p:animEffect transition="in" filter="fade">
+                                      <p:cBhvr>
+                                        <p:cTn id="7" dur="500"/>
+                                        <p:tgtEl>
+                                          <p:spTgt spid="3">
+                                            <p:txEl>
+                                              <p:pRg st="0" end="0"/>
+                                            </p:txEl>
+                                          </p:spTgt>
+                                        </p:tgtEl>
+                                      </p:cBhvr>
+                                    </p:animEffect>
+                                    <p:anim calcmode="lin" valueType="num">
+                                      <p:cBhvr>
+                                        <p:cTn id="8" dur="500" fill="hold"/>
+                                        <p:tgtEl>
+                                          <p:spTgt spid="3">
+                                            <p:txEl>
+                                              <p:pRg st="0" end="0"/>
+                                            </p:txEl>
+                                          </p:spTgt>
+                                        </p:tgtEl>
+                                        <p:attrNameLst>
+                                          <p:attrName>ppt_x</p:attrName>
+                                        </p:attrNameLst>
+                                      </p:cBhvr>
+                                      <p:tavLst>
+                                        <p:tav tm="0">
+                                          <p:val>
+                                            <p:strVal val="#ppt_x"/>
+                                          </p:val>
+                                        </p:tav>
+                                        <p:tav tm="100000">
+                                          <p:val>
+                                            <p:strVal val="#ppt_x"/>
+                                          </p:val>
+                                        </p:tav>
+                                      </p:tavLst>
+                                    </p:anim>
+                                    <p:anim calcmode="lin" valueType="num">
+                                      <p:cBhvr>
+                                        <p:cTn id="9" dur="500" fill="hold"/>
+                                        <p:tgtEl>
+                                          <p:spTgt spid="3">
+                                            <p:txEl>
+                                              <p:pRg st="0" end="0"/>
+                                            </p:txEl>
+                                          </p:spTgt>
+                                        </p:tgtEl>
+                                        <p:attrNameLst>
+                                          <p:attrName>ppt_y</p:attrName>
+                                        </p:attrNameLst>
+                                      </p:cBhvr>
+                                      <p:tavLst>
+                                        <p:tav tm="0">
+                                          <p:val>
+                                            <p:strVal val="#ppt_y-.1"/>
+                                          </p:val>
+                                        </p:tav>
+                                        <p:tav tm="100000">
+                                          <p:val>
+                                            <p:strVal val="#ppt_y"/>
+                                          </p:val>
+                                        </p:tav>
+                                      </p:tavLst>
+                                    </p:anim>
+                                  </p:childTnLst>
+                                </p:cTn>
+                              </p:par>
+                            </p:childTnLst>
+                          </p:cTn>
+                        </p:par>
+                      </p:childTnLst>
+                    </p:cTn>
+                  </p:par>
+                  <p:par>
+                    <p:cTn id="10" fill="hold">
+                      <p:stCondLst>
+                        <p:cond delay="indefinite"/>
+                      </p:stCondLst>
+                      <p:childTnLst>
+                        <p:par>
+                          <p:cTn id="11" fill="hold">
+                            <p:stCondLst>
+                              <p:cond delay="0"/>
+                            </p:stCondLst>
+                            <p:childTnLst>
+                              <p:par>
+                                <p:cTn id="12" presetID="10" presetClass="entr" presetSubtype="0" fill="hold" nodeType="clickEffect">
+                                  <p:stCondLst>
+                                    <p:cond delay="0"/>
+                                  </p:stCondLst>
+                                  <p:childTnLst>
+                                    <p:set>
+                                      <p:cBhvr>
+                                        <p:cTn id="13" dur="1" fill="hold">
                                           <p:stCondLst>
                                             <p:cond delay="0"/>
                                           </p:stCondLst>
@@ -11873,7 +14872,7 @@
                                     </p:set>
                                     <p:animEffect transition="in" filter="fade">
                                       <p:cBhvr>
-                                        <p:cTn id="7" dur="1000"/>
+                                        <p:cTn id="14" dur="1000"/>
                                         <p:tgtEl>
                                           <p:spTgt spid="3">
                                             <p:txEl>
@@ -11893,26 +14892,141 @@
                     </p:cTn>
                   </p:par>
                   <p:par>
-                    <p:cTn id="8" fill="hold">
+                    <p:cTn id="15" fill="hold">
                       <p:stCondLst>
                         <p:cond delay="indefinite"/>
                       </p:stCondLst>
                       <p:childTnLst>
                         <p:par>
-                          <p:cTn id="9" fill="hold">
+                          <p:cTn id="16" fill="hold">
                             <p:stCondLst>
                               <p:cond delay="0"/>
                             </p:stCondLst>
                             <p:childTnLst>
                               <p:par>
-                                <p:cTn id="10" presetID="10" presetClass="entr" presetSubtype="0" fill="hold" nodeType="clickEffect">
+                                <p:cTn id="17" presetID="47" presetClass="entr" presetSubtype="0" fill="hold" nodeType="clickEffect">
                                   <p:stCondLst>
                                     <p:cond delay="0"/>
                                   </p:stCondLst>
                                   <p:childTnLst>
                                     <p:set>
                                       <p:cBhvr>
-                                        <p:cTn id="11" dur="1" fill="hold">
+                                        <p:cTn id="18" dur="1" fill="hold">
+                                          <p:stCondLst>
+                                            <p:cond delay="0"/>
+                                          </p:stCondLst>
+                                        </p:cTn>
+                                        <p:tgtEl>
+                                          <p:spTgt spid="3">
+                                            <p:txEl>
+                                              <p:pRg st="2" end="2"/>
+                                            </p:txEl>
+                                          </p:spTgt>
+                                        </p:tgtEl>
+                                        <p:attrNameLst>
+                                          <p:attrName>style.visibility</p:attrName>
+                                        </p:attrNameLst>
+                                      </p:cBhvr>
+                                      <p:to>
+                                        <p:strVal val="visible"/>
+                                      </p:to>
+                                    </p:set>
+                                    <p:animEffect transition="in" filter="fade">
+                                      <p:cBhvr>
+                                        <p:cTn id="19" dur="500"/>
+                                        <p:tgtEl>
+                                          <p:spTgt spid="3">
+                                            <p:txEl>
+                                              <p:pRg st="2" end="2"/>
+                                            </p:txEl>
+                                          </p:spTgt>
+                                        </p:tgtEl>
+                                      </p:cBhvr>
+                                    </p:animEffect>
+                                    <p:anim calcmode="lin" valueType="num">
+                                      <p:cBhvr>
+                                        <p:cTn id="20" dur="500" fill="hold"/>
+                                        <p:tgtEl>
+                                          <p:spTgt spid="3">
+                                            <p:txEl>
+                                              <p:pRg st="2" end="2"/>
+                                            </p:txEl>
+                                          </p:spTgt>
+                                        </p:tgtEl>
+                                        <p:attrNameLst>
+                                          <p:attrName>ppt_x</p:attrName>
+                                        </p:attrNameLst>
+                                      </p:cBhvr>
+                                      <p:tavLst>
+                                        <p:tav tm="0">
+                                          <p:val>
+                                            <p:strVal val="#ppt_x"/>
+                                          </p:val>
+                                        </p:tav>
+                                        <p:tav tm="100000">
+                                          <p:val>
+                                            <p:strVal val="#ppt_x"/>
+                                          </p:val>
+                                        </p:tav>
+                                      </p:tavLst>
+                                    </p:anim>
+                                    <p:anim calcmode="lin" valueType="num">
+                                      <p:cBhvr>
+                                        <p:cTn id="21" dur="500" fill="hold"/>
+                                        <p:tgtEl>
+                                          <p:spTgt spid="3">
+                                            <p:txEl>
+                                              <p:pRg st="2" end="2"/>
+                                            </p:txEl>
+                                          </p:spTgt>
+                                        </p:tgtEl>
+                                        <p:attrNameLst>
+                                          <p:attrName>ppt_y</p:attrName>
+                                        </p:attrNameLst>
+                                      </p:cBhvr>
+                                      <p:tavLst>
+                                        <p:tav tm="0">
+                                          <p:val>
+                                            <p:strVal val="#ppt_y-.1"/>
+                                          </p:val>
+                                        </p:tav>
+                                        <p:tav tm="100000">
+                                          <p:val>
+                                            <p:strVal val="#ppt_y"/>
+                                          </p:val>
+                                        </p:tav>
+                                      </p:tavLst>
+                                    </p:anim>
+                                  </p:childTnLst>
+                                </p:cTn>
+                              </p:par>
+                            </p:childTnLst>
+                          </p:cTn>
+                        </p:par>
+                      </p:childTnLst>
+                    </p:cTn>
+                  </p:par>
+                  <p:par>
+                    <p:cTn id="22" fill="hold">
+                      <p:stCondLst>
+                        <p:cond delay="indefinite"/>
+                      </p:stCondLst>
+                      <p:childTnLst>
+                        <p:par>
+                          <p:cTn id="23" fill="hold">
+                            <p:stCondLst>
+                              <p:cond delay="0"/>
+                            </p:stCondLst>
+                            <p:childTnLst>
+                              <p:par>
+                                <p:cTn id="24" presetID="10" presetClass="entr" presetSubtype="0" fill="hold" nodeType="clickEffect">
+                                  <p:stCondLst>
+                                    <p:cond delay="0"/>
+                                  </p:stCondLst>
+                                  <p:childTnLst>
+                                    <p:set>
+                                      <p:cBhvr>
+                                        <p:cTn id="25" dur="1" fill="hold">
                                           <p:stCondLst>
                                             <p:cond delay="0"/>
                                           </p:stCondLst>
@@ -11934,7 +15048,7 @@
                                     </p:set>
                                     <p:animEffect transition="in" filter="fade">
                                       <p:cBhvr>
-                                        <p:cTn id="12" dur="1000"/>
+                                        <p:cTn id="26" dur="1000"/>
                                         <p:tgtEl>
                                           <p:spTgt spid="3">
                                             <p:txEl>
@@ -11944,6 +15058,121 @@
                                         </p:tgtEl>
                                       </p:cBhvr>
                                     </p:animEffect>
+                                  </p:childTnLst>
+                                </p:cTn>
+                              </p:par>
+                            </p:childTnLst>
+                          </p:cTn>
+                        </p:par>
+                      </p:childTnLst>
+                    </p:cTn>
+                  </p:par>
+                  <p:par>
+                    <p:cTn id="27" fill="hold">
+                      <p:stCondLst>
+                        <p:cond delay="indefinite"/>
+                      </p:stCondLst>
+                      <p:childTnLst>
+                        <p:par>
+                          <p:cTn id="28" fill="hold">
+                            <p:stCondLst>
+                              <p:cond delay="0"/>
+                            </p:stCondLst>
+                            <p:childTnLst>
+                              <p:par>
+                                <p:cTn id="29" presetID="47" presetClass="entr" presetSubtype="0" fill="hold" nodeType="clickEffect">
+                                  <p:stCondLst>
+                                    <p:cond delay="0"/>
+                                  </p:stCondLst>
+                                  <p:childTnLst>
+                                    <p:set>
+                                      <p:cBhvr>
+                                        <p:cTn id="30" dur="1" fill="hold">
+                                          <p:stCondLst>
+                                            <p:cond delay="0"/>
+                                          </p:stCondLst>
+                                        </p:cTn>
+                                        <p:tgtEl>
+                                          <p:spTgt spid="3">
+                                            <p:txEl>
+                                              <p:pRg st="4" end="4"/>
+                                            </p:txEl>
+                                          </p:spTgt>
+                                        </p:tgtEl>
+                                        <p:attrNameLst>
+                                          <p:attrName>style.visibility</p:attrName>
+                                        </p:attrNameLst>
+                                      </p:cBhvr>
+                                      <p:to>
+                                        <p:strVal val="visible"/>
+                                      </p:to>
+                                    </p:set>
+                                    <p:animEffect transition="in" filter="fade">
+                                      <p:cBhvr>
+                                        <p:cTn id="31" dur="500"/>
+                                        <p:tgtEl>
+                                          <p:spTgt spid="3">
+                                            <p:txEl>
+                                              <p:pRg st="4" end="4"/>
+                                            </p:txEl>
+                                          </p:spTgt>
+                                        </p:tgtEl>
+                                      </p:cBhvr>
+                                    </p:animEffect>
+                                    <p:anim calcmode="lin" valueType="num">
+                                      <p:cBhvr>
+                                        <p:cTn id="32" dur="500" fill="hold"/>
+                                        <p:tgtEl>
+                                          <p:spTgt spid="3">
+                                            <p:txEl>
+                                              <p:pRg st="4" end="4"/>
+                                            </p:txEl>
+                                          </p:spTgt>
+                                        </p:tgtEl>
+                                        <p:attrNameLst>
+                                          <p:attrName>ppt_x</p:attrName>
+                                        </p:attrNameLst>
+                                      </p:cBhvr>
+                                      <p:tavLst>
+                                        <p:tav tm="0">
+                                          <p:val>
+                                            <p:strVal val="#ppt_x"/>
+                                          </p:val>
+                                        </p:tav>
+                                        <p:tav tm="100000">
+                                          <p:val>
+                                            <p:strVal val="#ppt_x"/>
+                                          </p:val>
+                                        </p:tav>
+                                      </p:tavLst>
+                                    </p:anim>
+                                    <p:anim calcmode="lin" valueType="num">
+                                      <p:cBhvr>
+                                        <p:cTn id="33" dur="500" fill="hold"/>
+                                        <p:tgtEl>
+                                          <p:spTgt spid="3">
+                                            <p:txEl>
+                                              <p:pRg st="4" end="4"/>
+                                            </p:txEl>
+                                          </p:spTgt>
+                                        </p:tgtEl>
+                                        <p:attrNameLst>
+                                          <p:attrName>ppt_y</p:attrName>
+                                        </p:attrNameLst>
+                                      </p:cBhvr>
+                                      <p:tavLst>
+                                        <p:tav tm="0">
+                                          <p:val>
+                                            <p:strVal val="#ppt_y-.1"/>
+                                          </p:val>
+                                        </p:tav>
+                                        <p:tav tm="100000">
+                                          <p:val>
+                                            <p:strVal val="#ppt_y"/>
+                                          </p:val>
+                                        </p:tav>
+                                      </p:tavLst>
+                                    </p:anim>
                                   </p:childTnLst>
                                 </p:cTn>
                               </p:par>
@@ -12289,8 +15518,8 @@
   <p:clrMapOvr>
     <a:masterClrMapping/>
   </p:clrMapOvr>
-  <p:transition>
-    <p:fade thruBlk="1"/>
+  <p:transition spd="med">
+    <p:cover dir="d"/>
   </p:transition>
 </p:sld>
 </file>
@@ -12608,4 +15837,594 @@
   <a:objectDefaults/>
   <a:extraClrSchemeLst/>
 </a:theme>
+</file>
+
+<file path=ppt/theme/theme2.xml><?xml version="1.0" encoding="utf-8"?>
+<a:theme xmlns:a="http://schemas.openxmlformats.org/drawingml/2006/main" name="Office テーマ">
+  <a:themeElements>
+    <a:clrScheme name="Office">
+      <a:dk1>
+        <a:sysClr val="windowText" lastClr="000000"/>
+      </a:dk1>
+      <a:lt1>
+        <a:sysClr val="window" lastClr="FFFFFF"/>
+      </a:lt1>
+      <a:dk2>
+        <a:srgbClr val="44546A"/>
+      </a:dk2>
+      <a:lt2>
+        <a:srgbClr val="E7E6E6"/>
+      </a:lt2>
+      <a:accent1>
+        <a:srgbClr val="4472C4"/>
+      </a:accent1>
+      <a:accent2>
+        <a:srgbClr val="ED7D31"/>
+      </a:accent2>
+      <a:accent3>
+        <a:srgbClr val="A5A5A5"/>
+      </a:accent3>
+      <a:accent4>
+        <a:srgbClr val="FFC000"/>
+      </a:accent4>
+      <a:accent5>
+        <a:srgbClr val="5B9BD5"/>
+      </a:accent5>
+      <a:accent6>
+        <a:srgbClr val="70AD47"/>
+      </a:accent6>
+      <a:hlink>
+        <a:srgbClr val="0563C1"/>
+      </a:hlink>
+      <a:folHlink>
+        <a:srgbClr val="954F72"/>
+      </a:folHlink>
+    </a:clrScheme>
+    <a:fontScheme name="Office">
+      <a:majorFont>
+        <a:latin typeface="游ゴシック Light" panose="020F0302020204030204"/>
+        <a:ea typeface=""/>
+        <a:cs typeface=""/>
+        <a:font script="Jpan" typeface="游ゴシック Light"/>
+        <a:font script="Hang" typeface="맑은 고딕"/>
+        <a:font script="Hans" typeface="等线 Light"/>
+        <a:font script="Hant" typeface="新細明體"/>
+        <a:font script="Arab" typeface="Times New Roman"/>
+        <a:font script="Hebr" typeface="Times New Roman"/>
+        <a:font script="Thai" typeface="Angsana New"/>
+        <a:font script="Ethi" typeface="Nyala"/>
+        <a:font script="Beng" typeface="Vrinda"/>
+        <a:font script="Gujr" typeface="Shruti"/>
+        <a:font script="Khmr" typeface="MoolBoran"/>
+        <a:font script="Knda" typeface="Tunga"/>
+        <a:font script="Guru" typeface="Raavi"/>
+        <a:font script="Cans" typeface="Euphemia"/>
+        <a:font script="Cher" typeface="Plantagenet Cherokee"/>
+        <a:font script="Yiii" typeface="Microsoft Yi Baiti"/>
+        <a:font script="Tibt" typeface="Microsoft Himalaya"/>
+        <a:font script="Thaa" typeface="MV Boli"/>
+        <a:font script="Deva" typeface="Mangal"/>
+        <a:font script="Telu" typeface="Gautami"/>
+        <a:font script="Taml" typeface="Latha"/>
+        <a:font script="Syrc" typeface="Estrangelo Edessa"/>
+        <a:font script="Orya" typeface="Kalinga"/>
+        <a:font script="Mlym" typeface="Kartika"/>
+        <a:font script="Laoo" typeface="DokChampa"/>
+        <a:font script="Sinh" typeface="Iskoola Pota"/>
+        <a:font script="Mong" typeface="Mongolian Baiti"/>
+        <a:font script="Viet" typeface="Times New Roman"/>
+        <a:font script="Uigh" typeface="Microsoft Uighur"/>
+        <a:font script="Geor" typeface="Sylfaen"/>
+        <a:font script="Armn" typeface="Arial"/>
+        <a:font script="Bugi" typeface="Leelawadee UI"/>
+        <a:font script="Bopo" typeface="Microsoft JhengHei"/>
+        <a:font script="Java" typeface="Javanese Text"/>
+        <a:font script="Lisu" typeface="Segoe UI"/>
+        <a:font script="Mymr" typeface="Myanmar Text"/>
+        <a:font script="Nkoo" typeface="Ebrima"/>
+        <a:font script="Olck" typeface="Nirmala UI"/>
+        <a:font script="Osma" typeface="Ebrima"/>
+        <a:font script="Phag" typeface="Phagspa"/>
+        <a:font script="Syrn" typeface="Estrangelo Edessa"/>
+        <a:font script="Syrj" typeface="Estrangelo Edessa"/>
+        <a:font script="Syre" typeface="Estrangelo Edessa"/>
+        <a:font script="Sora" typeface="Nirmala UI"/>
+        <a:font script="Tale" typeface="Microsoft Tai Le"/>
+        <a:font script="Talu" typeface="Microsoft New Tai Lue"/>
+        <a:font script="Tfng" typeface="Ebrima"/>
+      </a:majorFont>
+      <a:minorFont>
+        <a:latin typeface="游ゴシック" panose="020F0502020204030204"/>
+        <a:ea typeface=""/>
+        <a:cs typeface=""/>
+        <a:font script="Jpan" typeface="游ゴシック"/>
+        <a:font script="Hang" typeface="맑은 고딕"/>
+        <a:font script="Hans" typeface="等线"/>
+        <a:font script="Hant" typeface="新細明體"/>
+        <a:font script="Arab" typeface="Arial"/>
+        <a:font script="Hebr" typeface="Arial"/>
+        <a:font script="Thai" typeface="Cordia New"/>
+        <a:font script="Ethi" typeface="Nyala"/>
+        <a:font script="Beng" typeface="Vrinda"/>
+        <a:font script="Gujr" typeface="Shruti"/>
+        <a:font script="Khmr" typeface="DaunPenh"/>
+        <a:font script="Knda" typeface="Tunga"/>
+        <a:font script="Guru" typeface="Raavi"/>
+        <a:font script="Cans" typeface="Euphemia"/>
+        <a:font script="Cher" typeface="Plantagenet Cherokee"/>
+        <a:font script="Yiii" typeface="Microsoft Yi Baiti"/>
+        <a:font script="Tibt" typeface="Microsoft Himalaya"/>
+        <a:font script="Thaa" typeface="MV Boli"/>
+        <a:font script="Deva" typeface="Mangal"/>
+        <a:font script="Telu" typeface="Gautami"/>
+        <a:font script="Taml" typeface="Latha"/>
+        <a:font script="Syrc" typeface="Estrangelo Edessa"/>
+        <a:font script="Orya" typeface="Kalinga"/>
+        <a:font script="Mlym" typeface="Kartika"/>
+        <a:font script="Laoo" typeface="DokChampa"/>
+        <a:font script="Sinh" typeface="Iskoola Pota"/>
+        <a:font script="Mong" typeface="Mongolian Baiti"/>
+        <a:font script="Viet" typeface="Arial"/>
+        <a:font script="Uigh" typeface="Microsoft Uighur"/>
+        <a:font script="Geor" typeface="Sylfaen"/>
+        <a:font script="Armn" typeface="Arial"/>
+        <a:font script="Bugi" typeface="Leelawadee UI"/>
+        <a:font script="Bopo" typeface="Microsoft JhengHei"/>
+        <a:font script="Java" typeface="Javanese Text"/>
+        <a:font script="Lisu" typeface="Segoe UI"/>
+        <a:font script="Mymr" typeface="Myanmar Text"/>
+        <a:font script="Nkoo" typeface="Ebrima"/>
+        <a:font script="Olck" typeface="Nirmala UI"/>
+        <a:font script="Osma" typeface="Ebrima"/>
+        <a:font script="Phag" typeface="Phagspa"/>
+        <a:font script="Syrn" typeface="Estrangelo Edessa"/>
+        <a:font script="Syrj" typeface="Estrangelo Edessa"/>
+        <a:font script="Syre" typeface="Estrangelo Edessa"/>
+        <a:font script="Sora" typeface="Nirmala UI"/>
+        <a:font script="Tale" typeface="Microsoft Tai Le"/>
+        <a:font script="Talu" typeface="Microsoft New Tai Lue"/>
+        <a:font script="Tfng" typeface="Ebrima"/>
+      </a:minorFont>
+    </a:fontScheme>
+    <a:fmtScheme name="Office">
+      <a:fillStyleLst>
+        <a:solidFill>
+          <a:schemeClr val="phClr"/>
+        </a:solidFill>
+        <a:gradFill rotWithShape="1">
+          <a:gsLst>
+            <a:gs pos="0">
+              <a:schemeClr val="phClr">
+                <a:lumMod val="110000"/>
+                <a:satMod val="105000"/>
+                <a:tint val="67000"/>
+              </a:schemeClr>
+            </a:gs>
+            <a:gs pos="50000">
+              <a:schemeClr val="phClr">
+                <a:lumMod val="105000"/>
+                <a:satMod val="103000"/>
+                <a:tint val="73000"/>
+              </a:schemeClr>
+            </a:gs>
+            <a:gs pos="100000">
+              <a:schemeClr val="phClr">
+                <a:lumMod val="105000"/>
+                <a:satMod val="109000"/>
+                <a:tint val="81000"/>
+              </a:schemeClr>
+            </a:gs>
+          </a:gsLst>
+          <a:lin ang="5400000" scaled="0"/>
+        </a:gradFill>
+        <a:gradFill rotWithShape="1">
+          <a:gsLst>
+            <a:gs pos="0">
+              <a:schemeClr val="phClr">
+                <a:satMod val="103000"/>
+                <a:lumMod val="102000"/>
+                <a:tint val="94000"/>
+              </a:schemeClr>
+            </a:gs>
+            <a:gs pos="50000">
+              <a:schemeClr val="phClr">
+                <a:satMod val="110000"/>
+                <a:lumMod val="100000"/>
+                <a:shade val="100000"/>
+              </a:schemeClr>
+            </a:gs>
+            <a:gs pos="100000">
+              <a:schemeClr val="phClr">
+                <a:lumMod val="99000"/>
+                <a:satMod val="120000"/>
+                <a:shade val="78000"/>
+              </a:schemeClr>
+            </a:gs>
+          </a:gsLst>
+          <a:lin ang="5400000" scaled="0"/>
+        </a:gradFill>
+      </a:fillStyleLst>
+      <a:lnStyleLst>
+        <a:ln w="6350" cap="flat" cmpd="sng" algn="ctr">
+          <a:solidFill>
+            <a:schemeClr val="phClr"/>
+          </a:solidFill>
+          <a:prstDash val="solid"/>
+          <a:miter lim="800000"/>
+        </a:ln>
+        <a:ln w="12700" cap="flat" cmpd="sng" algn="ctr">
+          <a:solidFill>
+            <a:schemeClr val="phClr"/>
+          </a:solidFill>
+          <a:prstDash val="solid"/>
+          <a:miter lim="800000"/>
+        </a:ln>
+        <a:ln w="19050" cap="flat" cmpd="sng" algn="ctr">
+          <a:solidFill>
+            <a:schemeClr val="phClr"/>
+          </a:solidFill>
+          <a:prstDash val="solid"/>
+          <a:miter lim="800000"/>
+        </a:ln>
+      </a:lnStyleLst>
+      <a:effectStyleLst>
+        <a:effectStyle>
+          <a:effectLst/>
+        </a:effectStyle>
+        <a:effectStyle>
+          <a:effectLst/>
+        </a:effectStyle>
+        <a:effectStyle>
+          <a:effectLst>
+            <a:outerShdw blurRad="57150" dist="19050" dir="5400000" algn="ctr" rotWithShape="0">
+              <a:srgbClr val="000000">
+                <a:alpha val="63000"/>
+              </a:srgbClr>
+            </a:outerShdw>
+          </a:effectLst>
+        </a:effectStyle>
+      </a:effectStyleLst>
+      <a:bgFillStyleLst>
+        <a:solidFill>
+          <a:schemeClr val="phClr"/>
+        </a:solidFill>
+        <a:solidFill>
+          <a:schemeClr val="phClr">
+            <a:tint val="95000"/>
+            <a:satMod val="170000"/>
+          </a:schemeClr>
+        </a:solidFill>
+        <a:gradFill rotWithShape="1">
+          <a:gsLst>
+            <a:gs pos="0">
+              <a:schemeClr val="phClr">
+                <a:tint val="93000"/>
+                <a:satMod val="150000"/>
+                <a:shade val="98000"/>
+                <a:lumMod val="102000"/>
+              </a:schemeClr>
+            </a:gs>
+            <a:gs pos="50000">
+              <a:schemeClr val="phClr">
+                <a:tint val="98000"/>
+                <a:satMod val="130000"/>
+                <a:shade val="90000"/>
+                <a:lumMod val="103000"/>
+              </a:schemeClr>
+            </a:gs>
+            <a:gs pos="100000">
+              <a:schemeClr val="phClr">
+                <a:shade val="63000"/>
+                <a:satMod val="120000"/>
+              </a:schemeClr>
+            </a:gs>
+          </a:gsLst>
+          <a:lin ang="5400000" scaled="0"/>
+        </a:gradFill>
+      </a:bgFillStyleLst>
+    </a:fmtScheme>
+  </a:themeElements>
+  <a:objectDefaults/>
+  <a:extraClrSchemeLst/>
+  <a:extLst>
+    <a:ext uri="{05A4C25C-085E-4340-85A3-A5531E510DB2}">
+      <thm15:themeFamily xmlns:thm15="http://schemas.microsoft.com/office/thememl/2012/main" name="Office Theme" id="{62F939B6-93AF-4DB8-9C6B-D6C7DFDC589F}" vid="{4A3C46E8-61CC-4603-A589-7422A47A8E4A}"/>
+    </a:ext>
+  </a:extLst>
+</a:theme>
+</file>
+
+<file path=ppt/theme/theme3.xml><?xml version="1.0" encoding="utf-8"?>
+<a:theme xmlns:a="http://schemas.openxmlformats.org/drawingml/2006/main" name="Office テーマ">
+  <a:themeElements>
+    <a:clrScheme name="Office">
+      <a:dk1>
+        <a:sysClr val="windowText" lastClr="000000"/>
+      </a:dk1>
+      <a:lt1>
+        <a:sysClr val="window" lastClr="FFFFFF"/>
+      </a:lt1>
+      <a:dk2>
+        <a:srgbClr val="44546A"/>
+      </a:dk2>
+      <a:lt2>
+        <a:srgbClr val="E7E6E6"/>
+      </a:lt2>
+      <a:accent1>
+        <a:srgbClr val="4472C4"/>
+      </a:accent1>
+      <a:accent2>
+        <a:srgbClr val="ED7D31"/>
+      </a:accent2>
+      <a:accent3>
+        <a:srgbClr val="A5A5A5"/>
+      </a:accent3>
+      <a:accent4>
+        <a:srgbClr val="FFC000"/>
+      </a:accent4>
+      <a:accent5>
+        <a:srgbClr val="5B9BD5"/>
+      </a:accent5>
+      <a:accent6>
+        <a:srgbClr val="70AD47"/>
+      </a:accent6>
+      <a:hlink>
+        <a:srgbClr val="0563C1"/>
+      </a:hlink>
+      <a:folHlink>
+        <a:srgbClr val="954F72"/>
+      </a:folHlink>
+    </a:clrScheme>
+    <a:fontScheme name="Office">
+      <a:majorFont>
+        <a:latin typeface="游ゴシック Light" panose="020F0302020204030204"/>
+        <a:ea typeface=""/>
+        <a:cs typeface=""/>
+        <a:font script="Jpan" typeface="游ゴシック Light"/>
+        <a:font script="Hang" typeface="맑은 고딕"/>
+        <a:font script="Hans" typeface="等线 Light"/>
+        <a:font script="Hant" typeface="新細明體"/>
+        <a:font script="Arab" typeface="Times New Roman"/>
+        <a:font script="Hebr" typeface="Times New Roman"/>
+        <a:font script="Thai" typeface="Angsana New"/>
+        <a:font script="Ethi" typeface="Nyala"/>
+        <a:font script="Beng" typeface="Vrinda"/>
+        <a:font script="Gujr" typeface="Shruti"/>
+        <a:font script="Khmr" typeface="MoolBoran"/>
+        <a:font script="Knda" typeface="Tunga"/>
+        <a:font script="Guru" typeface="Raavi"/>
+        <a:font script="Cans" typeface="Euphemia"/>
+        <a:font script="Cher" typeface="Plantagenet Cherokee"/>
+        <a:font script="Yiii" typeface="Microsoft Yi Baiti"/>
+        <a:font script="Tibt" typeface="Microsoft Himalaya"/>
+        <a:font script="Thaa" typeface="MV Boli"/>
+        <a:font script="Deva" typeface="Mangal"/>
+        <a:font script="Telu" typeface="Gautami"/>
+        <a:font script="Taml" typeface="Latha"/>
+        <a:font script="Syrc" typeface="Estrangelo Edessa"/>
+        <a:font script="Orya" typeface="Kalinga"/>
+        <a:font script="Mlym" typeface="Kartika"/>
+        <a:font script="Laoo" typeface="DokChampa"/>
+        <a:font script="Sinh" typeface="Iskoola Pota"/>
+        <a:font script="Mong" typeface="Mongolian Baiti"/>
+        <a:font script="Viet" typeface="Times New Roman"/>
+        <a:font script="Uigh" typeface="Microsoft Uighur"/>
+        <a:font script="Geor" typeface="Sylfaen"/>
+        <a:font script="Armn" typeface="Arial"/>
+        <a:font script="Bugi" typeface="Leelawadee UI"/>
+        <a:font script="Bopo" typeface="Microsoft JhengHei"/>
+        <a:font script="Java" typeface="Javanese Text"/>
+        <a:font script="Lisu" typeface="Segoe UI"/>
+        <a:font script="Mymr" typeface="Myanmar Text"/>
+        <a:font script="Nkoo" typeface="Ebrima"/>
+        <a:font script="Olck" typeface="Nirmala UI"/>
+        <a:font script="Osma" typeface="Ebrima"/>
+        <a:font script="Phag" typeface="Phagspa"/>
+        <a:font script="Syrn" typeface="Estrangelo Edessa"/>
+        <a:font script="Syrj" typeface="Estrangelo Edessa"/>
+        <a:font script="Syre" typeface="Estrangelo Edessa"/>
+        <a:font script="Sora" typeface="Nirmala UI"/>
+        <a:font script="Tale" typeface="Microsoft Tai Le"/>
+        <a:font script="Talu" typeface="Microsoft New Tai Lue"/>
+        <a:font script="Tfng" typeface="Ebrima"/>
+      </a:majorFont>
+      <a:minorFont>
+        <a:latin typeface="游ゴシック" panose="020F0502020204030204"/>
+        <a:ea typeface=""/>
+        <a:cs typeface=""/>
+        <a:font script="Jpan" typeface="游ゴシック"/>
+        <a:font script="Hang" typeface="맑은 고딕"/>
+        <a:font script="Hans" typeface="等线"/>
+        <a:font script="Hant" typeface="新細明體"/>
+        <a:font script="Arab" typeface="Arial"/>
+        <a:font script="Hebr" typeface="Arial"/>
+        <a:font script="Thai" typeface="Cordia New"/>
+        <a:font script="Ethi" typeface="Nyala"/>
+        <a:font script="Beng" typeface="Vrinda"/>
+        <a:font script="Gujr" typeface="Shruti"/>
+        <a:font script="Khmr" typeface="DaunPenh"/>
+        <a:font script="Knda" typeface="Tunga"/>
+        <a:font script="Guru" typeface="Raavi"/>
+        <a:font script="Cans" typeface="Euphemia"/>
+        <a:font script="Cher" typeface="Plantagenet Cherokee"/>
+        <a:font script="Yiii" typeface="Microsoft Yi Baiti"/>
+        <a:font script="Tibt" typeface="Microsoft Himalaya"/>
+        <a:font script="Thaa" typeface="MV Boli"/>
+        <a:font script="Deva" typeface="Mangal"/>
+        <a:font script="Telu" typeface="Gautami"/>
+        <a:font script="Taml" typeface="Latha"/>
+        <a:font script="Syrc" typeface="Estrangelo Edessa"/>
+        <a:font script="Orya" typeface="Kalinga"/>
+        <a:font script="Mlym" typeface="Kartika"/>
+        <a:font script="Laoo" typeface="DokChampa"/>
+        <a:font script="Sinh" typeface="Iskoola Pota"/>
+        <a:font script="Mong" typeface="Mongolian Baiti"/>
+        <a:font script="Viet" typeface="Arial"/>
+        <a:font script="Uigh" typeface="Microsoft Uighur"/>
+        <a:font script="Geor" typeface="Sylfaen"/>
+        <a:font script="Armn" typeface="Arial"/>
+        <a:font script="Bugi" typeface="Leelawadee UI"/>
+        <a:font script="Bopo" typeface="Microsoft JhengHei"/>
+        <a:font script="Java" typeface="Javanese Text"/>
+        <a:font script="Lisu" typeface="Segoe UI"/>
+        <a:font script="Mymr" typeface="Myanmar Text"/>
+        <a:font script="Nkoo" typeface="Ebrima"/>
+        <a:font script="Olck" typeface="Nirmala UI"/>
+        <a:font script="Osma" typeface="Ebrima"/>
+        <a:font script="Phag" typeface="Phagspa"/>
+        <a:font script="Syrn" typeface="Estrangelo Edessa"/>
+        <a:font script="Syrj" typeface="Estrangelo Edessa"/>
+        <a:font script="Syre" typeface="Estrangelo Edessa"/>
+        <a:font script="Sora" typeface="Nirmala UI"/>
+        <a:font script="Tale" typeface="Microsoft Tai Le"/>
+        <a:font script="Talu" typeface="Microsoft New Tai Lue"/>
+        <a:font script="Tfng" typeface="Ebrima"/>
+      </a:minorFont>
+    </a:fontScheme>
+    <a:fmtScheme name="Office">
+      <a:fillStyleLst>
+        <a:solidFill>
+          <a:schemeClr val="phClr"/>
+        </a:solidFill>
+        <a:gradFill rotWithShape="1">
+          <a:gsLst>
+            <a:gs pos="0">
+              <a:schemeClr val="phClr">
+                <a:lumMod val="110000"/>
+                <a:satMod val="105000"/>
+                <a:tint val="67000"/>
+              </a:schemeClr>
+            </a:gs>
+            <a:gs pos="50000">
+              <a:schemeClr val="phClr">
+                <a:lumMod val="105000"/>
+                <a:satMod val="103000"/>
+                <a:tint val="73000"/>
+              </a:schemeClr>
+            </a:gs>
+            <a:gs pos="100000">
+              <a:schemeClr val="phClr">
+                <a:lumMod val="105000"/>
+                <a:satMod val="109000"/>
+                <a:tint val="81000"/>
+              </a:schemeClr>
+            </a:gs>
+          </a:gsLst>
+          <a:lin ang="5400000" scaled="0"/>
+        </a:gradFill>
+        <a:gradFill rotWithShape="1">
+          <a:gsLst>
+            <a:gs pos="0">
+              <a:schemeClr val="phClr">
+                <a:satMod val="103000"/>
+                <a:lumMod val="102000"/>
+                <a:tint val="94000"/>
+              </a:schemeClr>
+            </a:gs>
+            <a:gs pos="50000">
+              <a:schemeClr val="phClr">
+                <a:satMod val="110000"/>
+                <a:lumMod val="100000"/>
+                <a:shade val="100000"/>
+              </a:schemeClr>
+            </a:gs>
+            <a:gs pos="100000">
+              <a:schemeClr val="phClr">
+                <a:lumMod val="99000"/>
+                <a:satMod val="120000"/>
+                <a:shade val="78000"/>
+              </a:schemeClr>
+            </a:gs>
+          </a:gsLst>
+          <a:lin ang="5400000" scaled="0"/>
+        </a:gradFill>
+      </a:fillStyleLst>
+      <a:lnStyleLst>
+        <a:ln w="6350" cap="flat" cmpd="sng" algn="ctr">
+          <a:solidFill>
+            <a:schemeClr val="phClr"/>
+          </a:solidFill>
+          <a:prstDash val="solid"/>
+          <a:miter lim="800000"/>
+        </a:ln>
+        <a:ln w="12700" cap="flat" cmpd="sng" algn="ctr">
+          <a:solidFill>
+            <a:schemeClr val="phClr"/>
+          </a:solidFill>
+          <a:prstDash val="solid"/>
+          <a:miter lim="800000"/>
+        </a:ln>
+        <a:ln w="19050" cap="flat" cmpd="sng" algn="ctr">
+          <a:solidFill>
+            <a:schemeClr val="phClr"/>
+          </a:solidFill>
+          <a:prstDash val="solid"/>
+          <a:miter lim="800000"/>
+        </a:ln>
+      </a:lnStyleLst>
+      <a:effectStyleLst>
+        <a:effectStyle>
+          <a:effectLst/>
+        </a:effectStyle>
+        <a:effectStyle>
+          <a:effectLst/>
+        </a:effectStyle>
+        <a:effectStyle>
+          <a:effectLst>
+            <a:outerShdw blurRad="57150" dist="19050" dir="5400000" algn="ctr" rotWithShape="0">
+              <a:srgbClr val="000000">
+                <a:alpha val="63000"/>
+              </a:srgbClr>
+            </a:outerShdw>
+          </a:effectLst>
+        </a:effectStyle>
+      </a:effectStyleLst>
+      <a:bgFillStyleLst>
+        <a:solidFill>
+          <a:schemeClr val="phClr"/>
+        </a:solidFill>
+        <a:solidFill>
+          <a:schemeClr val="phClr">
+            <a:tint val="95000"/>
+            <a:satMod val="170000"/>
+          </a:schemeClr>
+        </a:solidFill>
+        <a:gradFill rotWithShape="1">
+          <a:gsLst>
+            <a:gs pos="0">
+              <a:schemeClr val="phClr">
+                <a:tint val="93000"/>
+                <a:satMod val="150000"/>
+                <a:shade val="98000"/>
+                <a:lumMod val="102000"/>
+              </a:schemeClr>
+            </a:gs>
+            <a:gs pos="50000">
+              <a:schemeClr val="phClr">
+                <a:tint val="98000"/>
+                <a:satMod val="130000"/>
+                <a:shade val="90000"/>
+                <a:lumMod val="103000"/>
+              </a:schemeClr>
+            </a:gs>
+            <a:gs pos="100000">
+              <a:schemeClr val="phClr">
+                <a:shade val="63000"/>
+                <a:satMod val="120000"/>
+              </a:schemeClr>
+            </a:gs>
+          </a:gsLst>
+          <a:lin ang="5400000" scaled="0"/>
+        </a:gradFill>
+      </a:bgFillStyleLst>
+    </a:fmtScheme>
+  </a:themeElements>
+  <a:objectDefaults/>
+  <a:extraClrSchemeLst/>
+  <a:extLst>
+    <a:ext uri="{05A4C25C-085E-4340-85A3-A5531E510DB2}">
+      <thm15:themeFamily xmlns:thm15="http://schemas.microsoft.com/office/thememl/2012/main" name="Office Theme" id="{62F939B6-93AF-4DB8-9C6B-D6C7DFDC589F}" vid="{4A3C46E8-61CC-4603-A589-7422A47A8E4A}"/>
+    </a:ext>
+  </a:extLst>
+</a:theme>
 </file>
--- a/PHP自作発表.pptx
+++ b/PHP自作発表.pptx
@@ -264,7 +264,7 @@
 <file path=ppt/revisionInfo.xml><?xml version="1.0" encoding="utf-8"?>
 <p1510:revInfo xmlns:a="http://schemas.openxmlformats.org/drawingml/2006/main" xmlns:r="http://schemas.openxmlformats.org/officeDocument/2006/relationships" xmlns:p1510="http://schemas.microsoft.com/office/powerpoint/2015/10/main">
   <p1510:revLst>
-    <p1510:client id="{542726EB-A4D5-487C-B832-B885B6EFE651}" v="639" dt="2022-07-28T08:21:40.855"/>
+    <p1510:client id="{542726EB-A4D5-487C-B832-B885B6EFE651}" v="650" dt="2022-07-28T08:29:39.079"/>
   </p1510:revLst>
 </p1510:revInfo>
 </file>
@@ -274,7 +274,7 @@
   <pc:docChgLst>
     <pc:chgData name="池田 智久" userId="dadd2dd75dd01d3e" providerId="LiveId" clId="{542726EB-A4D5-487C-B832-B885B6EFE651}"/>
     <pc:docChg chg="undo custSel addSld delSld modSld modMainMaster modNotesMaster modHandout">
-      <pc:chgData name="池田 智久" userId="dadd2dd75dd01d3e" providerId="LiveId" clId="{542726EB-A4D5-487C-B832-B885B6EFE651}" dt="2022-07-28T08:21:40.855" v="2535"/>
+      <pc:chgData name="池田 智久" userId="dadd2dd75dd01d3e" providerId="LiveId" clId="{542726EB-A4D5-487C-B832-B885B6EFE651}" dt="2022-07-28T08:30:45.145" v="2551" actId="207"/>
       <pc:docMkLst>
         <pc:docMk/>
       </pc:docMkLst>
@@ -341,7 +341,7 @@
         </pc:spChg>
       </pc:sldChg>
       <pc:sldChg chg="addSp delSp modSp new mod modTransition modAnim">
-        <pc:chgData name="池田 智久" userId="dadd2dd75dd01d3e" providerId="LiveId" clId="{542726EB-A4D5-487C-B832-B885B6EFE651}" dt="2022-07-28T08:17:32.483" v="2491"/>
+        <pc:chgData name="池田 智久" userId="dadd2dd75dd01d3e" providerId="LiveId" clId="{542726EB-A4D5-487C-B832-B885B6EFE651}" dt="2022-07-28T08:30:45.145" v="2551" actId="207"/>
         <pc:sldMkLst>
           <pc:docMk/>
           <pc:sldMk cId="2102789029" sldId="258"/>
@@ -387,7 +387,7 @@
           </ac:spMkLst>
         </pc:spChg>
         <pc:spChg chg="add mod">
-          <ac:chgData name="池田 智久" userId="dadd2dd75dd01d3e" providerId="LiveId" clId="{542726EB-A4D5-487C-B832-B885B6EFE651}" dt="2022-07-28T07:52:02.047" v="2290" actId="1036"/>
+          <ac:chgData name="池田 智久" userId="dadd2dd75dd01d3e" providerId="LiveId" clId="{542726EB-A4D5-487C-B832-B885B6EFE651}" dt="2022-07-28T08:30:45.145" v="2551" actId="207"/>
           <ac:spMkLst>
             <pc:docMk/>
             <pc:sldMk cId="2102789029" sldId="258"/>
@@ -12168,6 +12168,14 @@
           <a:prstGeom prst="downArrow">
             <a:avLst/>
           </a:prstGeom>
+          <a:solidFill>
+            <a:schemeClr val="accent2"/>
+          </a:solidFill>
+          <a:ln>
+            <a:solidFill>
+              <a:schemeClr val="accent2"/>
+            </a:solidFill>
+          </a:ln>
         </p:spPr>
         <p:style>
           <a:lnRef idx="2">

--- a/PHP自作発表.pptx
+++ b/PHP自作発表.pptx
@@ -265,12 +265,52 @@
 <p1510:revInfo xmlns:a="http://schemas.openxmlformats.org/drawingml/2006/main" xmlns:r="http://schemas.openxmlformats.org/officeDocument/2006/relationships" xmlns:p1510="http://schemas.microsoft.com/office/powerpoint/2015/10/main">
   <p1510:revLst>
     <p1510:client id="{542726EB-A4D5-487C-B832-B885B6EFE651}" v="650" dt="2022-07-28T08:29:39.079"/>
+    <p1510:client id="{644CE14E-7537-4864-8CD7-8D5E541702D4}" v="206" dt="2022-07-28T09:20:35.320"/>
   </p1510:revLst>
 </p1510:revInfo>
 </file>
 
 <file path=ppt/changesInfos/changesInfo1.xml><?xml version="1.0" encoding="utf-8"?>
 <pc:chgInfo xmlns:a="http://schemas.openxmlformats.org/drawingml/2006/main" xmlns:r="http://schemas.openxmlformats.org/officeDocument/2006/relationships" xmlns:ac="http://schemas.microsoft.com/office/drawing/2013/main/command" xmlns:pc="http://schemas.microsoft.com/office/powerpoint/2013/main/command">
+  <pc:docChgLst>
+    <pc:chgData name="池田 智久" userId="dadd2dd75dd01d3e" providerId="LiveId" clId="{644CE14E-7537-4864-8CD7-8D5E541702D4}"/>
+    <pc:docChg chg="undo custSel modSld">
+      <pc:chgData name="池田 智久" userId="dadd2dd75dd01d3e" providerId="LiveId" clId="{644CE14E-7537-4864-8CD7-8D5E541702D4}" dt="2022-07-28T09:20:35.318" v="255" actId="255"/>
+      <pc:docMkLst>
+        <pc:docMk/>
+      </pc:docMkLst>
+      <pc:sldChg chg="modSp mod setBg">
+        <pc:chgData name="池田 智久" userId="dadd2dd75dd01d3e" providerId="LiveId" clId="{644CE14E-7537-4864-8CD7-8D5E541702D4}" dt="2022-07-28T09:16:55.352" v="253" actId="14100"/>
+        <pc:sldMkLst>
+          <pc:docMk/>
+          <pc:sldMk cId="2102789029" sldId="258"/>
+        </pc:sldMkLst>
+        <pc:spChg chg="mod">
+          <ac:chgData name="池田 智久" userId="dadd2dd75dd01d3e" providerId="LiveId" clId="{644CE14E-7537-4864-8CD7-8D5E541702D4}" dt="2022-07-28T09:16:55.352" v="253" actId="14100"/>
+          <ac:spMkLst>
+            <pc:docMk/>
+            <pc:sldMk cId="2102789029" sldId="258"/>
+            <ac:spMk id="4" creationId="{09B609F1-68E5-C26C-817B-1836CB291CE3}"/>
+          </ac:spMkLst>
+        </pc:spChg>
+      </pc:sldChg>
+      <pc:sldChg chg="modSp">
+        <pc:chgData name="池田 智久" userId="dadd2dd75dd01d3e" providerId="LiveId" clId="{644CE14E-7537-4864-8CD7-8D5E541702D4}" dt="2022-07-28T09:20:35.318" v="255" actId="255"/>
+        <pc:sldMkLst>
+          <pc:docMk/>
+          <pc:sldMk cId="201950252" sldId="263"/>
+        </pc:sldMkLst>
+        <pc:spChg chg="mod">
+          <ac:chgData name="池田 智久" userId="dadd2dd75dd01d3e" providerId="LiveId" clId="{644CE14E-7537-4864-8CD7-8D5E541702D4}" dt="2022-07-28T09:20:35.318" v="255" actId="255"/>
+          <ac:spMkLst>
+            <pc:docMk/>
+            <pc:sldMk cId="201950252" sldId="263"/>
+            <ac:spMk id="3" creationId="{D28CAA33-AE84-D0F9-FDAD-790A85385076}"/>
+          </ac:spMkLst>
+        </pc:spChg>
+      </pc:sldChg>
+    </pc:docChg>
+  </pc:docChgLst>
   <pc:docChgLst>
     <pc:chgData name="池田 智久" userId="dadd2dd75dd01d3e" providerId="LiveId" clId="{542726EB-A4D5-487C-B832-B885B6EFE651}"/>
     <pc:docChg chg="undo custSel addSld delSld modSld modMainMaster modNotesMaster modHandout">
@@ -11977,6 +12017,22 @@
 <file path=ppt/slides/slide2.xml><?xml version="1.0" encoding="utf-8"?>
 <p:sld xmlns:a="http://schemas.openxmlformats.org/drawingml/2006/main" xmlns:r="http://schemas.openxmlformats.org/officeDocument/2006/relationships" xmlns:p="http://schemas.openxmlformats.org/presentationml/2006/main">
   <p:cSld>
+    <p:bg>
+      <p:bgPr>
+        <a:gradFill>
+          <a:gsLst>
+            <a:gs pos="0">
+              <a:schemeClr val="accent2"/>
+            </a:gs>
+            <a:gs pos="100000">
+              <a:schemeClr val="accent1"/>
+            </a:gs>
+          </a:gsLst>
+          <a:lin ang="0" scaled="0"/>
+        </a:gradFill>
+        <a:effectLst/>
+      </p:bgPr>
+    </p:bg>
     <p:spTree>
       <p:nvGrpSpPr>
         <p:cNvPr id="1" name=""/>
@@ -12096,8 +12152,8 @@
         </p:nvSpPr>
         <p:spPr>
           <a:xfrm>
-            <a:off x="4402800" y="2971469"/>
-            <a:ext cx="6864290" cy="2756669"/>
+            <a:off x="4125600" y="2653342"/>
+            <a:ext cx="7470000" cy="3415862"/>
           </a:xfrm>
           <a:prstGeom prst="rect">
             <a:avLst/>
@@ -12105,8 +12161,8 @@
           <a:noFill/>
         </p:spPr>
         <p:txBody>
-          <a:bodyPr wrap="none" tIns="46800" bIns="0" rtlCol="0">
-            <a:normAutofit/>
+          <a:bodyPr wrap="square" lIns="360000" tIns="360000" rIns="360000" bIns="360000" rtlCol="0">
+            <a:noAutofit/>
           </a:bodyPr>
           <a:lstStyle/>
           <a:p>
@@ -12132,12 +12188,12 @@
           </a:p>
           <a:p>
             <a:r>
-              <a:rPr kumimoji="1" lang="ja-JP" altLang="en-US" sz="4400" spc="420" dirty="0">
+              <a:rPr kumimoji="1" lang="ja-JP" altLang="en-US" sz="4400" spc="410" dirty="0">
                 <a:latin typeface="Chivo"/>
               </a:rPr>
               <a:t>仕事に行くのが楽しみに</a:t>
             </a:r>
-            <a:endParaRPr kumimoji="1" lang="en-US" altLang="ja-JP" sz="4400" spc="420" dirty="0">
+            <a:endParaRPr kumimoji="1" lang="en-US" altLang="ja-JP" sz="4400" spc="410" dirty="0">
               <a:latin typeface="Chivo"/>
             </a:endParaRPr>
           </a:p>
@@ -12900,7 +12956,7 @@
     </p:tnLst>
     <p:bldLst>
       <p:bldP spid="3" grpId="0" build="allAtOnce"/>
-      <p:bldP spid="4" grpId="0" build="allAtOnce"/>
+      <p:bldP spid="4" grpId="0" uiExpand="1" build="allAtOnce"/>
       <p:bldP spid="6" grpId="0" animBg="1"/>
     </p:bldLst>
   </p:timing>
@@ -14671,14 +14727,14 @@
               <a:buNone/>
             </a:pPr>
             <a:r>
-              <a:rPr lang="en-US" altLang="ja-JP" sz="3200" spc="300" dirty="0"/>
+              <a:rPr lang="en-US" altLang="ja-JP" sz="2800" spc="300" dirty="0"/>
               <a:t>Laravel</a:t>
             </a:r>
             <a:r>
-              <a:rPr lang="ja-JP" altLang="en-US" sz="3200" spc="300" dirty="0"/>
+              <a:rPr lang="ja-JP" altLang="en-US" sz="2800" spc="300" dirty="0"/>
               <a:t>が別言語のように難しい</a:t>
             </a:r>
-            <a:endParaRPr lang="en-US" altLang="ja-JP" sz="3200" spc="300" dirty="0"/>
+            <a:endParaRPr lang="en-US" altLang="ja-JP" sz="2800" spc="300" dirty="0"/>
           </a:p>
           <a:p>
             <a:pPr>

--- a/PHP自作発表.pptx
+++ b/PHP自作発表.pptx
@@ -264,8 +264,7 @@
 <file path=ppt/revisionInfo.xml><?xml version="1.0" encoding="utf-8"?>
 <p1510:revInfo xmlns:a="http://schemas.openxmlformats.org/drawingml/2006/main" xmlns:r="http://schemas.openxmlformats.org/officeDocument/2006/relationships" xmlns:p1510="http://schemas.microsoft.com/office/powerpoint/2015/10/main">
   <p1510:revLst>
-    <p1510:client id="{542726EB-A4D5-487C-B832-B885B6EFE651}" v="650" dt="2022-07-28T08:29:39.079"/>
-    <p1510:client id="{644CE14E-7537-4864-8CD7-8D5E541702D4}" v="206" dt="2022-07-28T09:20:35.320"/>
+    <p1510:client id="{542726EB-A4D5-487C-B832-B885B6EFE651}" v="659" dt="2022-07-29T12:43:57.369"/>
   </p1510:revLst>
 </p1510:revInfo>
 </file>
@@ -314,7 +313,7 @@
   <pc:docChgLst>
     <pc:chgData name="池田 智久" userId="dadd2dd75dd01d3e" providerId="LiveId" clId="{542726EB-A4D5-487C-B832-B885B6EFE651}"/>
     <pc:docChg chg="undo custSel addSld delSld modSld modMainMaster modNotesMaster modHandout">
-      <pc:chgData name="池田 智久" userId="dadd2dd75dd01d3e" providerId="LiveId" clId="{542726EB-A4D5-487C-B832-B885B6EFE651}" dt="2022-07-28T08:30:45.145" v="2551" actId="207"/>
+      <pc:chgData name="池田 智久" userId="dadd2dd75dd01d3e" providerId="LiveId" clId="{542726EB-A4D5-487C-B832-B885B6EFE651}" dt="2022-07-29T12:44:09.052" v="2567" actId="1036"/>
       <pc:docMkLst>
         <pc:docMk/>
       </pc:docMkLst>
@@ -381,7 +380,7 @@
         </pc:spChg>
       </pc:sldChg>
       <pc:sldChg chg="addSp delSp modSp new mod modTransition modAnim">
-        <pc:chgData name="池田 智久" userId="dadd2dd75dd01d3e" providerId="LiveId" clId="{542726EB-A4D5-487C-B832-B885B6EFE651}" dt="2022-07-28T08:30:45.145" v="2551" actId="207"/>
+        <pc:chgData name="池田 智久" userId="dadd2dd75dd01d3e" providerId="LiveId" clId="{542726EB-A4D5-487C-B832-B885B6EFE651}" dt="2022-07-29T12:44:09.052" v="2567" actId="1036"/>
         <pc:sldMkLst>
           <pc:docMk/>
           <pc:sldMk cId="2102789029" sldId="258"/>
@@ -395,7 +394,7 @@
           </ac:spMkLst>
         </pc:spChg>
         <pc:spChg chg="mod">
-          <ac:chgData name="池田 智久" userId="dadd2dd75dd01d3e" providerId="LiveId" clId="{542726EB-A4D5-487C-B832-B885B6EFE651}" dt="2022-07-28T07:47:48.424" v="2275" actId="1076"/>
+          <ac:chgData name="池田 智久" userId="dadd2dd75dd01d3e" providerId="LiveId" clId="{542726EB-A4D5-487C-B832-B885B6EFE651}" dt="2022-07-29T12:43:56.097" v="2560" actId="20577"/>
           <ac:spMkLst>
             <pc:docMk/>
             <pc:sldMk cId="2102789029" sldId="258"/>
@@ -403,7 +402,7 @@
           </ac:spMkLst>
         </pc:spChg>
         <pc:spChg chg="add del mod">
-          <ac:chgData name="池田 智久" userId="dadd2dd75dd01d3e" providerId="LiveId" clId="{542726EB-A4D5-487C-B832-B885B6EFE651}" dt="2022-07-28T08:05:52.657" v="2414" actId="14100"/>
+          <ac:chgData name="池田 智久" userId="dadd2dd75dd01d3e" providerId="LiveId" clId="{542726EB-A4D5-487C-B832-B885B6EFE651}" dt="2022-07-29T12:44:09.052" v="2567" actId="1036"/>
           <ac:spMkLst>
             <pc:docMk/>
             <pc:sldMk cId="2102789029" sldId="258"/>
@@ -1203,7 +1202,7 @@
           <a:p>
             <a:fld id="{81E4BE4B-0CDA-4F8A-9D37-7848681EC69F}" type="datetimeFigureOut">
               <a:rPr kumimoji="1" lang="ja-JP" altLang="en-US" smtClean="0"/>
-              <a:t>2022/7/28</a:t>
+              <a:t>2022/7/29</a:t>
             </a:fld>
             <a:endParaRPr kumimoji="1" lang="ja-JP" altLang="en-US"/>
           </a:p>
@@ -1380,7 +1379,7 @@
           <a:p>
             <a:fld id="{968D638C-E926-455B-B5D9-BF21C027B560}" type="datetimeFigureOut">
               <a:rPr kumimoji="1" lang="ja-JP" altLang="en-US" smtClean="0"/>
-              <a:t>2022/7/28</a:t>
+              <a:t>2022/7/29</a:t>
             </a:fld>
             <a:endParaRPr kumimoji="1" lang="ja-JP" altLang="en-US"/>
           </a:p>
@@ -12132,7 +12131,7 @@
             </a:pPr>
             <a:r>
               <a:rPr lang="ja-JP" altLang="en-US" sz="4400" dirty="0"/>
-              <a:t>仕事に行く嫌い</a:t>
+              <a:t>仕事に行くのが嫌い</a:t>
             </a:r>
             <a:endParaRPr lang="en-US" altLang="ja-JP" sz="2800" dirty="0"/>
           </a:p>
@@ -12152,7 +12151,7 @@
         </p:nvSpPr>
         <p:spPr>
           <a:xfrm>
-            <a:off x="4125600" y="2653342"/>
+            <a:off x="4125600" y="2668932"/>
             <a:ext cx="7470000" cy="3415862"/>
           </a:xfrm>
           <a:prstGeom prst="rect">
